--- a/3.FileSystem/03-FileSystem.pptx
+++ b/3.FileSystem/03-FileSystem.pptx
@@ -315,7 +315,7 @@
           <a:p>
             <a:fld id="{3EA744D9-3FBE-48D8-BF2A-85DF203E4D20}" type="datetimeFigureOut">
               <a:rPr lang="bg-BG" smtClean="0"/>
-              <a:t>18.10.2016 г.</a:t>
+              <a:t>6.12.2016 г.</a:t>
             </a:fld>
             <a:endParaRPr lang="bg-BG"/>
           </a:p>
@@ -485,7 +485,7 @@
           <a:p>
             <a:fld id="{3EA744D9-3FBE-48D8-BF2A-85DF203E4D20}" type="datetimeFigureOut">
               <a:rPr lang="bg-BG" smtClean="0"/>
-              <a:t>18.10.2016 г.</a:t>
+              <a:t>6.12.2016 г.</a:t>
             </a:fld>
             <a:endParaRPr lang="bg-BG"/>
           </a:p>
@@ -665,7 +665,7 @@
           <a:p>
             <a:fld id="{3EA744D9-3FBE-48D8-BF2A-85DF203E4D20}" type="datetimeFigureOut">
               <a:rPr lang="bg-BG" smtClean="0"/>
-              <a:t>18.10.2016 г.</a:t>
+              <a:t>6.12.2016 г.</a:t>
             </a:fld>
             <a:endParaRPr lang="bg-BG"/>
           </a:p>
@@ -835,7 +835,7 @@
           <a:p>
             <a:fld id="{3EA744D9-3FBE-48D8-BF2A-85DF203E4D20}" type="datetimeFigureOut">
               <a:rPr lang="bg-BG" smtClean="0"/>
-              <a:t>18.10.2016 г.</a:t>
+              <a:t>6.12.2016 г.</a:t>
             </a:fld>
             <a:endParaRPr lang="bg-BG"/>
           </a:p>
@@ -1081,7 +1081,7 @@
           <a:p>
             <a:fld id="{3EA744D9-3FBE-48D8-BF2A-85DF203E4D20}" type="datetimeFigureOut">
               <a:rPr lang="bg-BG" smtClean="0"/>
-              <a:t>18.10.2016 г.</a:t>
+              <a:t>6.12.2016 г.</a:t>
             </a:fld>
             <a:endParaRPr lang="bg-BG"/>
           </a:p>
@@ -1369,7 +1369,7 @@
           <a:p>
             <a:fld id="{3EA744D9-3FBE-48D8-BF2A-85DF203E4D20}" type="datetimeFigureOut">
               <a:rPr lang="bg-BG" smtClean="0"/>
-              <a:t>18.10.2016 г.</a:t>
+              <a:t>6.12.2016 г.</a:t>
             </a:fld>
             <a:endParaRPr lang="bg-BG"/>
           </a:p>
@@ -1791,7 +1791,7 @@
           <a:p>
             <a:fld id="{3EA744D9-3FBE-48D8-BF2A-85DF203E4D20}" type="datetimeFigureOut">
               <a:rPr lang="bg-BG" smtClean="0"/>
-              <a:t>18.10.2016 г.</a:t>
+              <a:t>6.12.2016 г.</a:t>
             </a:fld>
             <a:endParaRPr lang="bg-BG"/>
           </a:p>
@@ -1909,7 +1909,7 @@
           <a:p>
             <a:fld id="{3EA744D9-3FBE-48D8-BF2A-85DF203E4D20}" type="datetimeFigureOut">
               <a:rPr lang="bg-BG" smtClean="0"/>
-              <a:t>18.10.2016 г.</a:t>
+              <a:t>6.12.2016 г.</a:t>
             </a:fld>
             <a:endParaRPr lang="bg-BG"/>
           </a:p>
@@ -2004,7 +2004,7 @@
           <a:p>
             <a:fld id="{3EA744D9-3FBE-48D8-BF2A-85DF203E4D20}" type="datetimeFigureOut">
               <a:rPr lang="bg-BG" smtClean="0"/>
-              <a:t>18.10.2016 г.</a:t>
+              <a:t>6.12.2016 г.</a:t>
             </a:fld>
             <a:endParaRPr lang="bg-BG"/>
           </a:p>
@@ -2281,7 +2281,7 @@
           <a:p>
             <a:fld id="{3EA744D9-3FBE-48D8-BF2A-85DF203E4D20}" type="datetimeFigureOut">
               <a:rPr lang="bg-BG" smtClean="0"/>
-              <a:t>18.10.2016 г.</a:t>
+              <a:t>6.12.2016 г.</a:t>
             </a:fld>
             <a:endParaRPr lang="bg-BG"/>
           </a:p>
@@ -2534,7 +2534,7 @@
           <a:p>
             <a:fld id="{3EA744D9-3FBE-48D8-BF2A-85DF203E4D20}" type="datetimeFigureOut">
               <a:rPr lang="bg-BG" smtClean="0"/>
-              <a:t>18.10.2016 г.</a:t>
+              <a:t>6.12.2016 г.</a:t>
             </a:fld>
             <a:endParaRPr lang="bg-BG"/>
           </a:p>
@@ -2756,7 +2756,7 @@
           <a:p>
             <a:fld id="{3EA744D9-3FBE-48D8-BF2A-85DF203E4D20}" type="datetimeFigureOut">
               <a:rPr lang="bg-BG" smtClean="0"/>
-              <a:t>18.10.2016 г.</a:t>
+              <a:t>6.12.2016 г.</a:t>
             </a:fld>
             <a:endParaRPr lang="bg-BG"/>
           </a:p>
@@ -3169,23 +3169,7 @@
                   <a:schemeClr val="accent6"/>
                 </a:solidFill>
               </a:rPr>
-              <a:t>The Filesystem Hierarchy </a:t>
-            </a:r>
-            <a:r>
-              <a:rPr lang="en-US" sz="3100" dirty="0" err="1" smtClean="0">
-                <a:solidFill>
-                  <a:schemeClr val="accent6"/>
-                </a:solidFill>
-              </a:rPr>
-              <a:t>Standart</a:t>
-            </a:r>
-            <a:r>
-              <a:rPr lang="en-US" sz="3100" dirty="0" smtClean="0">
-                <a:solidFill>
-                  <a:schemeClr val="accent6"/>
-                </a:solidFill>
-              </a:rPr>
-              <a:t>(FHS) defines the directory structure and content in Unix-like OS.</a:t>
+              <a:t>The Filesystem Hierarchy Standard(FHS) defines the directory structure and content in Unix-like OS.</a:t>
             </a:r>
             <a:br>
               <a:rPr lang="en-US" sz="3100" dirty="0" smtClean="0">
@@ -4283,10 +4267,18 @@
             <a:r>
               <a:rPr lang="en-US" sz="3100" dirty="0" smtClean="0">
                 <a:solidFill>
-                  <a:schemeClr val="bg1"/>
+                  <a:srgbClr val="FF0000"/>
                 </a:solidFill>
               </a:rPr>
               <a:t>Homework:</a:t>
+            </a:r>
+            <a:r>
+              <a:rPr lang="en-US" sz="3100" dirty="0" smtClean="0">
+                <a:solidFill>
+                  <a:schemeClr val="bg1"/>
+                </a:solidFill>
+              </a:rPr>
+              <a:t/>
             </a:r>
             <a:br>
               <a:rPr lang="en-US" sz="3100" dirty="0" smtClean="0">
@@ -4563,7 +4555,12 @@
             <p:ph type="title"/>
           </p:nvPr>
         </p:nvSpPr>
-        <p:spPr/>
+        <p:spPr>
+          <a:xfrm>
+            <a:off x="381000" y="76200"/>
+            <a:ext cx="8229600" cy="1143000"/>
+          </a:xfrm>
+        </p:spPr>
         <p:txBody>
           <a:bodyPr>
             <a:normAutofit fontScale="90000"/>
@@ -4723,10 +4720,18 @@
             <a:r>
               <a:rPr lang="en-US" dirty="0" smtClean="0">
                 <a:solidFill>
-                  <a:schemeClr val="bg1"/>
+                  <a:srgbClr val="FF0000"/>
                 </a:solidFill>
               </a:rPr>
               <a:t>Exercises:</a:t>
+            </a:r>
+            <a:r>
+              <a:rPr lang="en-US" dirty="0" smtClean="0">
+                <a:solidFill>
+                  <a:schemeClr val="bg1"/>
+                </a:solidFill>
+              </a:rPr>
+              <a:t/>
             </a:r>
             <a:br>
               <a:rPr lang="en-US" dirty="0" smtClean="0">
@@ -5661,7 +5666,7 @@
         </p:nvSpPr>
         <p:spPr>
           <a:xfrm>
-            <a:off x="838200" y="685800"/>
+            <a:off x="457200" y="609600"/>
             <a:ext cx="8229600" cy="1143000"/>
           </a:xfrm>
         </p:spPr>
@@ -5870,10 +5875,18 @@
             <a:r>
               <a:rPr lang="en-US" sz="3600" dirty="0" smtClean="0">
                 <a:solidFill>
-                  <a:schemeClr val="bg1"/>
+                  <a:srgbClr val="FF0000"/>
                 </a:solidFill>
               </a:rPr>
               <a:t>Exercises:</a:t>
+            </a:r>
+            <a:r>
+              <a:rPr lang="en-US" sz="3600" dirty="0" smtClean="0">
+                <a:solidFill>
+                  <a:schemeClr val="bg1"/>
+                </a:solidFill>
+              </a:rPr>
+              <a:t/>
             </a:r>
             <a:br>
               <a:rPr lang="en-US" sz="3600" dirty="0" smtClean="0">
@@ -6075,15 +6088,7 @@
                   <a:schemeClr val="accent6"/>
                 </a:solidFill>
               </a:rPr>
-              <a:t>/Soft Links/Hard Links</a:t>
-            </a:r>
-            <a:r>
-              <a:rPr lang="en-US" dirty="0" smtClean="0">
-                <a:solidFill>
-                  <a:schemeClr val="accent6"/>
-                </a:solidFill>
-              </a:rPr>
-              <a:t> </a:t>
+              <a:t>/Soft Links/Hard Links </a:t>
             </a:r>
             <a:endParaRPr lang="bg-BG" dirty="0">
               <a:solidFill>
@@ -6296,7 +6301,7 @@
         </p:blipFill>
         <p:spPr>
           <a:xfrm>
-            <a:off x="838200" y="3352800"/>
+            <a:off x="857250" y="3276600"/>
             <a:ext cx="7162800" cy="3476065"/>
           </a:xfrm>
           <a:prstGeom prst="rect">
@@ -7617,10 +7622,18 @@
             <a:r>
               <a:rPr lang="en-US" sz="2200" dirty="0" smtClean="0">
                 <a:solidFill>
-                  <a:schemeClr val="bg1"/>
+                  <a:srgbClr val="FF0000"/>
                 </a:solidFill>
               </a:rPr>
               <a:t>Exercises:</a:t>
+            </a:r>
+            <a:r>
+              <a:rPr lang="en-US" sz="2200" dirty="0" smtClean="0">
+                <a:solidFill>
+                  <a:schemeClr val="bg1"/>
+                </a:solidFill>
+              </a:rPr>
+              <a:t/>
             </a:r>
             <a:br>
               <a:rPr lang="en-US" sz="2200" dirty="0" smtClean="0">

--- a/3.FileSystem/03-FileSystem.pptx
+++ b/3.FileSystem/03-FileSystem.pptx
@@ -315,7 +315,7 @@
           <a:p>
             <a:fld id="{3EA744D9-3FBE-48D8-BF2A-85DF203E4D20}" type="datetimeFigureOut">
               <a:rPr lang="bg-BG" smtClean="0"/>
-              <a:t>6.12.2016 г.</a:t>
+              <a:t>20.03.17 г.</a:t>
             </a:fld>
             <a:endParaRPr lang="bg-BG"/>
           </a:p>
@@ -485,7 +485,7 @@
           <a:p>
             <a:fld id="{3EA744D9-3FBE-48D8-BF2A-85DF203E4D20}" type="datetimeFigureOut">
               <a:rPr lang="bg-BG" smtClean="0"/>
-              <a:t>6.12.2016 г.</a:t>
+              <a:t>20.03.17 г.</a:t>
             </a:fld>
             <a:endParaRPr lang="bg-BG"/>
           </a:p>
@@ -665,7 +665,7 @@
           <a:p>
             <a:fld id="{3EA744D9-3FBE-48D8-BF2A-85DF203E4D20}" type="datetimeFigureOut">
               <a:rPr lang="bg-BG" smtClean="0"/>
-              <a:t>6.12.2016 г.</a:t>
+              <a:t>20.03.17 г.</a:t>
             </a:fld>
             <a:endParaRPr lang="bg-BG"/>
           </a:p>
@@ -835,7 +835,7 @@
           <a:p>
             <a:fld id="{3EA744D9-3FBE-48D8-BF2A-85DF203E4D20}" type="datetimeFigureOut">
               <a:rPr lang="bg-BG" smtClean="0"/>
-              <a:t>6.12.2016 г.</a:t>
+              <a:t>20.03.17 г.</a:t>
             </a:fld>
             <a:endParaRPr lang="bg-BG"/>
           </a:p>
@@ -1081,7 +1081,7 @@
           <a:p>
             <a:fld id="{3EA744D9-3FBE-48D8-BF2A-85DF203E4D20}" type="datetimeFigureOut">
               <a:rPr lang="bg-BG" smtClean="0"/>
-              <a:t>6.12.2016 г.</a:t>
+              <a:t>20.03.17 г.</a:t>
             </a:fld>
             <a:endParaRPr lang="bg-BG"/>
           </a:p>
@@ -1369,7 +1369,7 @@
           <a:p>
             <a:fld id="{3EA744D9-3FBE-48D8-BF2A-85DF203E4D20}" type="datetimeFigureOut">
               <a:rPr lang="bg-BG" smtClean="0"/>
-              <a:t>6.12.2016 г.</a:t>
+              <a:t>20.03.17 г.</a:t>
             </a:fld>
             <a:endParaRPr lang="bg-BG"/>
           </a:p>
@@ -1791,7 +1791,7 @@
           <a:p>
             <a:fld id="{3EA744D9-3FBE-48D8-BF2A-85DF203E4D20}" type="datetimeFigureOut">
               <a:rPr lang="bg-BG" smtClean="0"/>
-              <a:t>6.12.2016 г.</a:t>
+              <a:t>20.03.17 г.</a:t>
             </a:fld>
             <a:endParaRPr lang="bg-BG"/>
           </a:p>
@@ -1909,7 +1909,7 @@
           <a:p>
             <a:fld id="{3EA744D9-3FBE-48D8-BF2A-85DF203E4D20}" type="datetimeFigureOut">
               <a:rPr lang="bg-BG" smtClean="0"/>
-              <a:t>6.12.2016 г.</a:t>
+              <a:t>20.03.17 г.</a:t>
             </a:fld>
             <a:endParaRPr lang="bg-BG"/>
           </a:p>
@@ -2004,7 +2004,7 @@
           <a:p>
             <a:fld id="{3EA744D9-3FBE-48D8-BF2A-85DF203E4D20}" type="datetimeFigureOut">
               <a:rPr lang="bg-BG" smtClean="0"/>
-              <a:t>6.12.2016 г.</a:t>
+              <a:t>20.03.17 г.</a:t>
             </a:fld>
             <a:endParaRPr lang="bg-BG"/>
           </a:p>
@@ -2281,7 +2281,7 @@
           <a:p>
             <a:fld id="{3EA744D9-3FBE-48D8-BF2A-85DF203E4D20}" type="datetimeFigureOut">
               <a:rPr lang="bg-BG" smtClean="0"/>
-              <a:t>6.12.2016 г.</a:t>
+              <a:t>20.03.17 г.</a:t>
             </a:fld>
             <a:endParaRPr lang="bg-BG"/>
           </a:p>
@@ -2534,7 +2534,7 @@
           <a:p>
             <a:fld id="{3EA744D9-3FBE-48D8-BF2A-85DF203E4D20}" type="datetimeFigureOut">
               <a:rPr lang="bg-BG" smtClean="0"/>
-              <a:t>6.12.2016 г.</a:t>
+              <a:t>20.03.17 г.</a:t>
             </a:fld>
             <a:endParaRPr lang="bg-BG"/>
           </a:p>
@@ -2756,7 +2756,7 @@
           <a:p>
             <a:fld id="{3EA744D9-3FBE-48D8-BF2A-85DF203E4D20}" type="datetimeFigureOut">
               <a:rPr lang="bg-BG" smtClean="0"/>
-              <a:t>6.12.2016 г.</a:t>
+              <a:t>20.03.17 г.</a:t>
             </a:fld>
             <a:endParaRPr lang="bg-BG"/>
           </a:p>
@@ -3482,12 +3482,41 @@
                   <a:schemeClr val="accent6"/>
                 </a:solidFill>
               </a:rPr>
-              <a:t>; tar –</a:t>
+              <a:t>;</a:t>
+            </a:r>
+          </a:p>
+          <a:p>
+            <a:pPr marL="0" indent="0">
+              <a:buNone/>
+            </a:pPr>
+            <a:r>
+              <a:rPr lang="en-US" dirty="0">
+                <a:solidFill>
+                  <a:schemeClr val="accent6"/>
+                </a:solidFill>
+              </a:rPr>
+              <a:t> </a:t>
+            </a:r>
+            <a:r>
+              <a:rPr lang="en-US" dirty="0" smtClean="0">
+                <a:solidFill>
+                  <a:schemeClr val="bg1"/>
+                </a:solidFill>
+              </a:rPr>
+              <a:t>tar </a:t>
+            </a:r>
+            <a:r>
+              <a:rPr lang="en-US" dirty="0" smtClean="0">
+                <a:solidFill>
+                  <a:schemeClr val="bg1"/>
+                </a:solidFill>
+              </a:rPr>
+              <a:t>–</a:t>
             </a:r>
             <a:r>
               <a:rPr lang="en-US" dirty="0" err="1" smtClean="0">
                 <a:solidFill>
-                  <a:schemeClr val="accent6"/>
+                  <a:schemeClr val="bg1"/>
                 </a:solidFill>
               </a:rPr>
               <a:t>cf</a:t>
@@ -3495,10 +3524,26 @@
             <a:r>
               <a:rPr lang="en-US" dirty="0" smtClean="0">
                 <a:solidFill>
-                  <a:schemeClr val="accent6"/>
-                </a:solidFill>
-              </a:rPr>
-              <a:t> /root/homes.tar /home</a:t>
+                  <a:schemeClr val="bg1"/>
+                </a:solidFill>
+              </a:rPr>
+              <a:t> /root/homes.tar /</a:t>
+            </a:r>
+            <a:r>
+              <a:rPr lang="en-US" dirty="0" smtClean="0">
+                <a:solidFill>
+                  <a:schemeClr val="bg1"/>
+                </a:solidFill>
+              </a:rPr>
+              <a:t>home</a:t>
+            </a:r>
+            <a:r>
+              <a:rPr lang="en-US" dirty="0" smtClean="0">
+                <a:solidFill>
+                  <a:schemeClr val="accent6"/>
+                </a:solidFill>
+              </a:rPr>
+              <a:t>;</a:t>
             </a:r>
           </a:p>
           <a:p>
@@ -3506,12 +3551,28 @@
               <a:buNone/>
             </a:pPr>
             <a:r>
-              <a:rPr lang="en-US" dirty="0" smtClean="0">
-                <a:solidFill>
-                  <a:schemeClr val="accent6"/>
-                </a:solidFill>
-              </a:rPr>
-              <a:t>You could add </a:t>
+              <a:rPr lang="en-US" dirty="0">
+                <a:solidFill>
+                  <a:schemeClr val="accent6"/>
+                </a:solidFill>
+              </a:rPr>
+              <a:t>Y</a:t>
+            </a:r>
+            <a:r>
+              <a:rPr lang="en-US" dirty="0" smtClean="0">
+                <a:solidFill>
+                  <a:schemeClr val="accent6"/>
+                </a:solidFill>
+              </a:rPr>
+              <a:t>ou </a:t>
+            </a:r>
+            <a:r>
+              <a:rPr lang="en-US" dirty="0" smtClean="0">
+                <a:solidFill>
+                  <a:schemeClr val="accent6"/>
+                </a:solidFill>
+              </a:rPr>
+              <a:t>could add </a:t>
             </a:r>
             <a:r>
               <a:rPr lang="en-US" dirty="0" smtClean="0">
@@ -3708,7 +3769,12 @@
             <p:ph type="title"/>
           </p:nvPr>
         </p:nvSpPr>
-        <p:spPr/>
+        <p:spPr>
+          <a:xfrm>
+            <a:off x="762000" y="1143000"/>
+            <a:ext cx="8229600" cy="1143000"/>
+          </a:xfrm>
+        </p:spPr>
         <p:txBody>
           <a:bodyPr>
             <a:normAutofit fontScale="90000"/>
@@ -4743,15 +4809,31 @@
             <a:r>
               <a:rPr lang="en-US" sz="1600" dirty="0" smtClean="0">
                 <a:solidFill>
-                  <a:schemeClr val="bg1"/>
-                </a:solidFill>
-              </a:rPr>
-              <a:t>1. List all files in /boot starting with ‘</a:t>
+                  <a:schemeClr val="accent6"/>
+                </a:solidFill>
+              </a:rPr>
+              <a:t>1. List all files in </a:t>
+            </a:r>
+            <a:r>
+              <a:rPr lang="en-US" sz="1600" dirty="0" smtClean="0">
+                <a:solidFill>
+                  <a:schemeClr val="bg1"/>
+                </a:solidFill>
+              </a:rPr>
+              <a:t>/boot </a:t>
+            </a:r>
+            <a:r>
+              <a:rPr lang="en-US" sz="1600" dirty="0" smtClean="0">
+                <a:solidFill>
+                  <a:schemeClr val="accent6"/>
+                </a:solidFill>
+              </a:rPr>
+              <a:t>starting with ‘</a:t>
             </a:r>
             <a:r>
               <a:rPr lang="en-US" sz="1600" dirty="0" err="1" smtClean="0">
                 <a:solidFill>
-                  <a:schemeClr val="bg1"/>
+                  <a:schemeClr val="accent6"/>
                 </a:solidFill>
               </a:rPr>
               <a:t>vm</a:t>
@@ -4759,7 +4841,7 @@
             <a:r>
               <a:rPr lang="en-US" sz="1600" dirty="0" smtClean="0">
                 <a:solidFill>
-                  <a:schemeClr val="bg1"/>
+                  <a:schemeClr val="accent6"/>
                 </a:solidFill>
               </a:rPr>
               <a:t>’, what do u you think are those files ?</a:t>
@@ -4767,17 +4849,25 @@
             <a:br>
               <a:rPr lang="en-US" sz="1600" dirty="0" smtClean="0">
                 <a:solidFill>
-                  <a:schemeClr val="bg1"/>
+                  <a:schemeClr val="accent6"/>
                 </a:solidFill>
               </a:rPr>
             </a:br>
             <a:r>
               <a:rPr lang="en-US" sz="1600" dirty="0" smtClean="0">
                 <a:solidFill>
-                  <a:schemeClr val="bg1"/>
-                </a:solidFill>
-              </a:rPr>
-              <a:t>2. Cat the content of /</a:t>
+                  <a:schemeClr val="accent6"/>
+                </a:solidFill>
+              </a:rPr>
+              <a:t>2. Cat the content of </a:t>
+            </a:r>
+            <a:r>
+              <a:rPr lang="en-US" sz="1600" dirty="0" smtClean="0">
+                <a:solidFill>
+                  <a:schemeClr val="bg1"/>
+                </a:solidFill>
+              </a:rPr>
+              <a:t>/</a:t>
             </a:r>
             <a:r>
               <a:rPr lang="en-US" sz="1600" dirty="0" err="1" smtClean="0">
@@ -4838,7 +4928,7 @@
             <a:r>
               <a:rPr lang="en-US" sz="1600" dirty="0" smtClean="0">
                 <a:solidFill>
-                  <a:schemeClr val="bg1"/>
+                  <a:schemeClr val="accent6"/>
                 </a:solidFill>
               </a:rPr>
               <a:t>, what kind of configuration files are those ?</a:t>
@@ -4846,14 +4936,14 @@
             <a:br>
               <a:rPr lang="en-US" sz="1600" dirty="0" smtClean="0">
                 <a:solidFill>
-                  <a:schemeClr val="bg1"/>
+                  <a:schemeClr val="accent6"/>
                 </a:solidFill>
               </a:rPr>
             </a:br>
             <a:r>
               <a:rPr lang="en-US" sz="1600" dirty="0" smtClean="0">
                 <a:solidFill>
-                  <a:schemeClr val="bg1"/>
+                  <a:schemeClr val="accent6"/>
                 </a:solidFill>
               </a:rPr>
               <a:t>3.  Print your home directory. Create a local user and have a look at the hidden files in his home directory.</a:t>
@@ -4861,54 +4951,110 @@
             <a:br>
               <a:rPr lang="en-US" sz="1600" dirty="0" smtClean="0">
                 <a:solidFill>
-                  <a:schemeClr val="bg1"/>
+                  <a:schemeClr val="accent6"/>
                 </a:solidFill>
               </a:rPr>
             </a:br>
             <a:r>
               <a:rPr lang="en-US" sz="1600" dirty="0" smtClean="0">
                 <a:solidFill>
-                  <a:schemeClr val="bg1"/>
-                </a:solidFill>
-              </a:rPr>
-              <a:t>4. Google for ‘proc’ file system, dig deeper into /proc directory.</a:t>
-            </a:r>
-            <a:br>
+                  <a:schemeClr val="accent6"/>
+                </a:solidFill>
+              </a:rPr>
+              <a:t>4. Google for ‘</a:t>
+            </a:r>
+            <a:r>
               <a:rPr lang="en-US" sz="1600" dirty="0" smtClean="0">
                 <a:solidFill>
                   <a:schemeClr val="bg1"/>
                 </a:solidFill>
               </a:rPr>
-            </a:br>
+              <a:t>proc</a:t>
+            </a:r>
             <a:r>
               <a:rPr lang="en-US" sz="1600" dirty="0" smtClean="0">
                 <a:solidFill>
-                  <a:schemeClr val="bg1"/>
-                </a:solidFill>
-              </a:rPr>
-              <a:t>5. List the content of /dev, pay attention to each first letter of the file permissions rows.</a:t>
-            </a:r>
-            <a:br>
+                  <a:schemeClr val="accent6"/>
+                </a:solidFill>
+              </a:rPr>
+              <a:t>’ file system, dig deeper into </a:t>
+            </a:r>
+            <a:r>
               <a:rPr lang="en-US" sz="1600" dirty="0" smtClean="0">
                 <a:solidFill>
                   <a:schemeClr val="bg1"/>
                 </a:solidFill>
               </a:rPr>
-            </a:br>
+              <a:t>/proc </a:t>
+            </a:r>
             <a:r>
               <a:rPr lang="en-US" sz="1600" dirty="0" smtClean="0">
                 <a:solidFill>
-                  <a:schemeClr val="bg1"/>
-                </a:solidFill>
-              </a:rPr>
-              <a:t/>
-            </a:r>
-            <a:br>
+                  <a:schemeClr val="accent6"/>
+                </a:solidFill>
+              </a:rPr>
+              <a:t>directory.</a:t>
+            </a:r>
+            <a:r>
               <a:rPr lang="en-US" sz="1600" dirty="0" smtClean="0">
                 <a:solidFill>
                   <a:schemeClr val="bg1"/>
                 </a:solidFill>
               </a:rPr>
+              <a:t/>
+            </a:r>
+            <a:br>
+              <a:rPr lang="en-US" sz="1600" dirty="0" smtClean="0">
+                <a:solidFill>
+                  <a:schemeClr val="bg1"/>
+                </a:solidFill>
+              </a:rPr>
+            </a:br>
+            <a:r>
+              <a:rPr lang="en-US" sz="1600" dirty="0" smtClean="0">
+                <a:solidFill>
+                  <a:schemeClr val="accent6"/>
+                </a:solidFill>
+              </a:rPr>
+              <a:t>5. List the content of </a:t>
+            </a:r>
+            <a:r>
+              <a:rPr lang="en-US" sz="1600" dirty="0" smtClean="0">
+                <a:solidFill>
+                  <a:schemeClr val="bg1"/>
+                </a:solidFill>
+              </a:rPr>
+              <a:t>/dev</a:t>
+            </a:r>
+            <a:r>
+              <a:rPr lang="en-US" sz="1600" dirty="0" smtClean="0">
+                <a:solidFill>
+                  <a:schemeClr val="accent6"/>
+                </a:solidFill>
+              </a:rPr>
+              <a:t>, pay attention to each first letter of the file permissions rows.</a:t>
+            </a:r>
+            <a:br>
+              <a:rPr lang="en-US" sz="1600" dirty="0" smtClean="0">
+                <a:solidFill>
+                  <a:schemeClr val="accent6"/>
+                </a:solidFill>
+              </a:rPr>
+            </a:br>
+            <a:r>
+              <a:rPr lang="en-US" sz="1600" dirty="0" smtClean="0">
+                <a:solidFill>
+                  <a:schemeClr val="accent6"/>
+                </a:solidFill>
+              </a:rPr>
+              <a:t/>
+            </a:r>
+            <a:br>
+              <a:rPr lang="en-US" sz="1600" dirty="0" smtClean="0">
+                <a:solidFill>
+                  <a:schemeClr val="accent6"/>
+                </a:solidFill>
+              </a:rPr>
             </a:br>
             <a:r>
               <a:rPr lang="en-US" sz="1600" dirty="0">
@@ -4954,7 +5100,7 @@
                   <a:schemeClr val="bg1"/>
                 </a:solidFill>
               </a:rPr>
-              <a:t>Treat /bin and /</a:t>
+              <a:t>/bin, /</a:t>
             </a:r>
             <a:r>
               <a:rPr lang="en-US" sz="2700" dirty="0" err="1" smtClean="0">
@@ -4970,12 +5116,92 @@
                   <a:schemeClr val="bg1"/>
                 </a:solidFill>
               </a:rPr>
-              <a:t> as the same directory from now on.</a:t>
-            </a:r>
-            <a:br>
+              <a:t>, /lib </a:t>
+            </a:r>
+            <a:r>
               <a:rPr lang="en-US" sz="2700" dirty="0" smtClean="0">
                 <a:solidFill>
-                  <a:schemeClr val="bg1"/>
+                  <a:schemeClr val="accent6"/>
+                </a:solidFill>
+              </a:rPr>
+              <a:t>and</a:t>
+            </a:r>
+            <a:r>
+              <a:rPr lang="en-US" sz="2700" dirty="0" smtClean="0">
+                <a:solidFill>
+                  <a:schemeClr val="bg1"/>
+                </a:solidFill>
+              </a:rPr>
+              <a:t> /lib64 </a:t>
+            </a:r>
+            <a:r>
+              <a:rPr lang="en-US" sz="2700" dirty="0" smtClean="0">
+                <a:solidFill>
+                  <a:schemeClr val="accent6"/>
+                </a:solidFill>
+              </a:rPr>
+              <a:t>directories are under the</a:t>
+            </a:r>
+            <a:r>
+              <a:rPr lang="en-US" sz="2700" dirty="0" smtClean="0">
+                <a:solidFill>
+                  <a:schemeClr val="bg1"/>
+                </a:solidFill>
+              </a:rPr>
+              <a:t> /</a:t>
+            </a:r>
+            <a:r>
+              <a:rPr lang="en-US" sz="2700" dirty="0" err="1" smtClean="0">
+                <a:solidFill>
+                  <a:schemeClr val="bg1"/>
+                </a:solidFill>
+              </a:rPr>
+              <a:t>usr</a:t>
+            </a:r>
+            <a:r>
+              <a:rPr lang="en-US" sz="2700" dirty="0" smtClean="0">
+                <a:solidFill>
+                  <a:schemeClr val="bg1"/>
+                </a:solidFill>
+              </a:rPr>
+              <a:t> </a:t>
+            </a:r>
+            <a:r>
+              <a:rPr lang="en-US" sz="2700" dirty="0" smtClean="0">
+                <a:solidFill>
+                  <a:schemeClr val="accent6"/>
+                </a:solidFill>
+              </a:rPr>
+              <a:t>directory in </a:t>
+            </a:r>
+            <a:r>
+              <a:rPr lang="en-US" sz="2700" dirty="0" err="1" smtClean="0">
+                <a:solidFill>
+                  <a:schemeClr val="accent6"/>
+                </a:solidFill>
+              </a:rPr>
+              <a:t>RedHat</a:t>
+            </a:r>
+            <a:r>
+              <a:rPr lang="en-US" sz="2700" dirty="0" smtClean="0">
+                <a:solidFill>
+                  <a:schemeClr val="accent6"/>
+                </a:solidFill>
+              </a:rPr>
+              <a:t> 7.</a:t>
+            </a:r>
+            <a:r>
+              <a:rPr lang="en-US" sz="2700" dirty="0" smtClean="0">
+                <a:solidFill>
+                  <a:schemeClr val="accent6"/>
+                </a:solidFill>
+              </a:rPr>
+              <a:t/>
+            </a:r>
+            <a:br>
+              <a:rPr lang="en-US" sz="2700" dirty="0" smtClean="0">
+                <a:solidFill>
+                  <a:schemeClr val="accent6"/>
                 </a:solidFill>
               </a:rPr>
             </a:br>
@@ -4997,7 +5223,7 @@
             <a:r>
               <a:rPr lang="en-US" sz="2700" dirty="0" smtClean="0">
                 <a:solidFill>
-                  <a:schemeClr val="bg1"/>
+                  <a:schemeClr val="accent6"/>
                 </a:solidFill>
               </a:rPr>
               <a:t>Absolute Path =&gt; the whole path starting from the root directory, example “/</a:t>
@@ -5032,27 +5258,43 @@
                   <a:schemeClr val="bg1"/>
                 </a:solidFill>
               </a:rPr>
-              <a:t>/network”</a:t>
-            </a:r>
-            <a:br>
+              <a:t>/network</a:t>
+            </a:r>
+            <a:r>
               <a:rPr lang="en-US" sz="2700" dirty="0" smtClean="0">
                 <a:solidFill>
-                  <a:schemeClr val="bg1"/>
-                </a:solidFill>
-              </a:rPr>
-            </a:br>
+                  <a:schemeClr val="accent6"/>
+                </a:solidFill>
+              </a:rPr>
+              <a:t>”</a:t>
+            </a:r>
             <a:r>
               <a:rPr lang="en-US" sz="2700" dirty="0" smtClean="0">
                 <a:solidFill>
                   <a:schemeClr val="bg1"/>
                 </a:solidFill>
               </a:rPr>
+              <a:t/>
+            </a:r>
+            <a:br>
+              <a:rPr lang="en-US" sz="2700" dirty="0" smtClean="0">
+                <a:solidFill>
+                  <a:schemeClr val="bg1"/>
+                </a:solidFill>
+              </a:rPr>
+            </a:br>
+            <a:r>
+              <a:rPr lang="en-US" sz="2700" dirty="0" smtClean="0">
+                <a:solidFill>
+                  <a:schemeClr val="accent6"/>
+                </a:solidFill>
+              </a:rPr>
               <a:t>Relative Path =&gt; relative to the present working directory. </a:t>
             </a:r>
             <a:r>
               <a:rPr lang="en-US" sz="2700" dirty="0">
                 <a:solidFill>
-                  <a:schemeClr val="bg1"/>
+                  <a:schemeClr val="accent6"/>
                 </a:solidFill>
               </a:rPr>
               <a:t/>
@@ -5060,17 +5302,33 @@
             <a:br>
               <a:rPr lang="en-US" sz="2700" dirty="0">
                 <a:solidFill>
-                  <a:schemeClr val="bg1"/>
+                  <a:schemeClr val="accent6"/>
                 </a:solidFill>
               </a:rPr>
             </a:br>
             <a:r>
               <a:rPr lang="en-US" sz="2700" dirty="0" smtClean="0">
                 <a:solidFill>
-                  <a:schemeClr val="bg1"/>
-                </a:solidFill>
-              </a:rPr>
-              <a:t>example “cd /</a:t>
+                  <a:schemeClr val="accent6"/>
+                </a:solidFill>
+              </a:rPr>
+              <a:t>example “</a:t>
+            </a:r>
+            <a:r>
+              <a:rPr lang="en-US" sz="2700" dirty="0" smtClean="0">
+                <a:solidFill>
+                  <a:schemeClr val="bg1"/>
+                </a:solidFill>
+              </a:rPr>
+              <a:t>cd </a:t>
+            </a:r>
+            <a:r>
+              <a:rPr lang="en-US" sz="2700" dirty="0" smtClean="0">
+                <a:solidFill>
+                  <a:schemeClr val="bg1"/>
+                </a:solidFill>
+              </a:rPr>
+              <a:t>../</a:t>
             </a:r>
             <a:r>
               <a:rPr lang="en-US" sz="2700" dirty="0" err="1" smtClean="0">
@@ -5083,52 +5341,21 @@
             <a:r>
               <a:rPr lang="en-US" sz="2700" dirty="0" smtClean="0">
                 <a:solidFill>
-                  <a:schemeClr val="bg1"/>
+                  <a:schemeClr val="accent6"/>
                 </a:solidFill>
               </a:rPr>
               <a:t>”</a:t>
             </a:r>
-            <a:br>
+            <a:r>
               <a:rPr lang="en-US" sz="2700" dirty="0" smtClean="0">
                 <a:solidFill>
                   <a:schemeClr val="bg1"/>
                 </a:solidFill>
               </a:rPr>
-            </a:br>
-            <a:r>
+              <a:t/>
+            </a:r>
+            <a:br>
               <a:rPr lang="en-US" sz="2700" dirty="0" smtClean="0">
-                <a:solidFill>
-                  <a:schemeClr val="bg1"/>
-                </a:solidFill>
-              </a:rPr>
-              <a:t>“cd /</a:t>
-            </a:r>
-            <a:r>
-              <a:rPr lang="en-US" sz="2700" dirty="0" err="1" smtClean="0">
-                <a:solidFill>
-                  <a:schemeClr val="bg1"/>
-                </a:solidFill>
-              </a:rPr>
-              <a:t>sysconfig</a:t>
-            </a:r>
-            <a:r>
-              <a:rPr lang="en-US" sz="2700" dirty="0" smtClean="0">
-                <a:solidFill>
-                  <a:schemeClr val="bg1"/>
-                </a:solidFill>
-              </a:rPr>
-              <a:t>” =&gt; relative path.</a:t>
-            </a:r>
-            <a:r>
-              <a:rPr lang="en-US" dirty="0" smtClean="0">
-                <a:solidFill>
-                  <a:schemeClr val="bg1"/>
-                </a:solidFill>
-              </a:rPr>
-              <a:t/>
-            </a:r>
-            <a:br>
-              <a:rPr lang="en-US" dirty="0" smtClean="0">
                 <a:solidFill>
                   <a:schemeClr val="bg1"/>
                 </a:solidFill>
@@ -5292,7 +5519,7 @@
             <a:r>
               <a:rPr lang="en-US" dirty="0" err="1" smtClean="0">
                 <a:solidFill>
-                  <a:schemeClr val="accent6"/>
+                  <a:schemeClr val="bg1"/>
                 </a:solidFill>
               </a:rPr>
               <a:t>cp</a:t>
@@ -5300,7 +5527,7 @@
             <a:r>
               <a:rPr lang="en-US" dirty="0" smtClean="0">
                 <a:solidFill>
-                  <a:schemeClr val="accent6"/>
+                  <a:schemeClr val="bg1"/>
                 </a:solidFill>
               </a:rPr>
               <a:t> /path/to/file /path/to/destination</a:t>
@@ -5313,9 +5540,7 @@
             <a:r>
               <a:rPr lang="en-US" dirty="0" smtClean="0">
                 <a:solidFill>
-                  <a:schemeClr val="bg1">
-                    <a:lumMod val="95000"/>
-                  </a:schemeClr>
+                  <a:schemeClr val="accent6"/>
                 </a:solidFill>
               </a:rPr>
               <a:t>-R(recursive) for entire subdirectory.</a:t>
@@ -5328,9 +5553,7 @@
             <a:r>
               <a:rPr lang="en-US" dirty="0" smtClean="0">
                 <a:solidFill>
-                  <a:schemeClr val="bg1">
-                    <a:lumMod val="95000"/>
-                  </a:schemeClr>
+                  <a:schemeClr val="accent6"/>
                 </a:solidFill>
               </a:rPr>
               <a:t>-a(archive) for keeping the same permissions. </a:t>
@@ -5368,7 +5591,7 @@
             <a:r>
               <a:rPr lang="en-US" dirty="0" smtClean="0">
                 <a:solidFill>
-                  <a:schemeClr val="accent6"/>
+                  <a:schemeClr val="bg2"/>
                 </a:solidFill>
               </a:rPr>
               <a:t>mv </a:t>
@@ -5376,7 +5599,7 @@
             <a:r>
               <a:rPr lang="en-US" dirty="0" err="1" smtClean="0">
                 <a:solidFill>
-                  <a:schemeClr val="accent6"/>
+                  <a:schemeClr val="bg2"/>
                 </a:solidFill>
               </a:rPr>
               <a:t>myfile</a:t>
@@ -5384,7 +5607,7 @@
             <a:r>
               <a:rPr lang="en-US" dirty="0" smtClean="0">
                 <a:solidFill>
-                  <a:schemeClr val="accent6"/>
+                  <a:schemeClr val="bg2"/>
                 </a:solidFill>
               </a:rPr>
               <a:t> /</a:t>
@@ -5392,7 +5615,7 @@
             <a:r>
               <a:rPr lang="en-US" dirty="0" err="1" smtClean="0">
                 <a:solidFill>
-                  <a:schemeClr val="accent6"/>
+                  <a:schemeClr val="bg2"/>
                 </a:solidFill>
               </a:rPr>
               <a:t>tmp</a:t>
@@ -5400,15 +5623,28 @@
             <a:r>
               <a:rPr lang="en-US" dirty="0" smtClean="0">
                 <a:solidFill>
-                  <a:schemeClr val="accent6"/>
-                </a:solidFill>
-              </a:rPr>
-              <a:t>; mv </a:t>
+                  <a:schemeClr val="bg2"/>
+                </a:solidFill>
+              </a:rPr>
+              <a:t>;</a:t>
+            </a:r>
+          </a:p>
+          <a:p>
+            <a:pPr marL="0" indent="0">
+              <a:buNone/>
+            </a:pPr>
+            <a:r>
+              <a:rPr lang="en-US" dirty="0" smtClean="0">
+                <a:solidFill>
+                  <a:schemeClr val="bg2"/>
+                </a:solidFill>
+              </a:rPr>
+              <a:t>mv </a:t>
             </a:r>
             <a:r>
               <a:rPr lang="en-US" dirty="0" err="1" smtClean="0">
                 <a:solidFill>
-                  <a:schemeClr val="accent6"/>
+                  <a:schemeClr val="bg2"/>
                 </a:solidFill>
               </a:rPr>
               <a:t>myfile</a:t>
@@ -5416,7 +5652,7 @@
             <a:r>
               <a:rPr lang="en-US" dirty="0" smtClean="0">
                 <a:solidFill>
-                  <a:schemeClr val="accent6"/>
+                  <a:schemeClr val="bg2"/>
                 </a:solidFill>
               </a:rPr>
               <a:t> </a:t>
@@ -5424,16 +5660,14 @@
             <a:r>
               <a:rPr lang="en-US" dirty="0" err="1" smtClean="0">
                 <a:solidFill>
-                  <a:schemeClr val="accent6"/>
+                  <a:schemeClr val="bg2"/>
                 </a:solidFill>
               </a:rPr>
               <a:t>mynewfile</a:t>
             </a:r>
             <a:endParaRPr lang="en-US" dirty="0">
               <a:solidFill>
-                <a:schemeClr val="bg1">
-                  <a:lumMod val="95000"/>
-                </a:schemeClr>
+                <a:schemeClr val="bg2"/>
               </a:solidFill>
             </a:endParaRPr>
           </a:p>
@@ -5898,7 +6132,7 @@
             <a:r>
               <a:rPr lang="en-US" sz="3600" dirty="0" smtClean="0">
                 <a:solidFill>
-                  <a:schemeClr val="bg1"/>
+                  <a:schemeClr val="accent6"/>
                 </a:solidFill>
               </a:rPr>
               <a:t>1. Create two new files in your home directory.</a:t>
@@ -5906,14 +6140,14 @@
             <a:br>
               <a:rPr lang="en-US" sz="3600" dirty="0" smtClean="0">
                 <a:solidFill>
-                  <a:schemeClr val="bg1"/>
+                  <a:schemeClr val="accent6"/>
                 </a:solidFill>
               </a:rPr>
             </a:br>
             <a:r>
               <a:rPr lang="en-US" sz="3600" dirty="0" smtClean="0">
                 <a:solidFill>
-                  <a:schemeClr val="bg1"/>
+                  <a:schemeClr val="accent6"/>
                 </a:solidFill>
               </a:rPr>
               <a:t>2. Input some content with vim inside them.</a:t>
@@ -5921,14 +6155,14 @@
             <a:br>
               <a:rPr lang="en-US" sz="3600" dirty="0" smtClean="0">
                 <a:solidFill>
-                  <a:schemeClr val="bg1"/>
+                  <a:schemeClr val="accent6"/>
                 </a:solidFill>
               </a:rPr>
             </a:br>
             <a:r>
               <a:rPr lang="en-US" sz="3600" dirty="0" smtClean="0">
                 <a:solidFill>
-                  <a:schemeClr val="bg1"/>
+                  <a:schemeClr val="accent6"/>
                 </a:solidFill>
               </a:rPr>
               <a:t>3. Make one of the files executable.</a:t>
@@ -5936,14 +6170,14 @@
             <a:br>
               <a:rPr lang="en-US" sz="3600" dirty="0" smtClean="0">
                 <a:solidFill>
-                  <a:schemeClr val="bg1"/>
+                  <a:schemeClr val="accent6"/>
                 </a:solidFill>
               </a:rPr>
             </a:br>
             <a:r>
               <a:rPr lang="en-US" sz="3600" dirty="0" smtClean="0">
                 <a:solidFill>
-                  <a:schemeClr val="bg1"/>
+                  <a:schemeClr val="accent6"/>
                 </a:solidFill>
               </a:rPr>
               <a:t>4. Copy one of them with preserved permissions.</a:t>
@@ -5951,14 +6185,14 @@
             <a:br>
               <a:rPr lang="en-US" sz="3600" dirty="0" smtClean="0">
                 <a:solidFill>
-                  <a:schemeClr val="bg1"/>
+                  <a:schemeClr val="accent6"/>
                 </a:solidFill>
               </a:rPr>
             </a:br>
             <a:r>
               <a:rPr lang="en-US" sz="3600" dirty="0" smtClean="0">
                 <a:solidFill>
-                  <a:schemeClr val="bg1"/>
+                  <a:schemeClr val="accent6"/>
                 </a:solidFill>
               </a:rPr>
               <a:t>5. Rename it to some other name.</a:t>
@@ -5966,14 +6200,14 @@
             <a:br>
               <a:rPr lang="en-US" sz="3600" dirty="0" smtClean="0">
                 <a:solidFill>
-                  <a:schemeClr val="bg1"/>
+                  <a:schemeClr val="accent6"/>
                 </a:solidFill>
               </a:rPr>
             </a:br>
             <a:r>
               <a:rPr lang="en-US" sz="3600" dirty="0" smtClean="0">
                 <a:solidFill>
-                  <a:schemeClr val="bg1"/>
+                  <a:schemeClr val="accent6"/>
                 </a:solidFill>
               </a:rPr>
               <a:t>6. Delete it, but provide confirmation answer.</a:t>
@@ -5981,14 +6215,14 @@
             <a:br>
               <a:rPr lang="en-US" sz="3600" dirty="0" smtClean="0">
                 <a:solidFill>
-                  <a:schemeClr val="bg1"/>
+                  <a:schemeClr val="accent6"/>
                 </a:solidFill>
               </a:rPr>
             </a:br>
             <a:r>
               <a:rPr lang="en-US" sz="3600" dirty="0" smtClean="0">
                 <a:solidFill>
-                  <a:schemeClr val="bg1"/>
+                  <a:schemeClr val="accent6"/>
                 </a:solidFill>
               </a:rPr>
               <a:t>7. Do you think there is a change do revert back the deleted file ?</a:t>
@@ -6136,12 +6370,36 @@
             <a:r>
               <a:rPr lang="en-US" sz="1800" dirty="0" smtClean="0">
                 <a:solidFill>
+                  <a:schemeClr val="accent6"/>
+                </a:solidFill>
+              </a:rPr>
+              <a:t>The </a:t>
+            </a:r>
+            <a:r>
+              <a:rPr lang="en-US" sz="1800" dirty="0" err="1" smtClean="0">
+                <a:solidFill>
+                  <a:schemeClr val="accent6"/>
+                </a:solidFill>
+              </a:rPr>
+              <a:t>inode</a:t>
+            </a:r>
+            <a:r>
+              <a:rPr lang="en-US" sz="1800" dirty="0" smtClean="0">
+                <a:solidFill>
+                  <a:schemeClr val="accent6"/>
+                </a:solidFill>
+              </a:rPr>
+              <a:t> is a data structure used to represent a filesystem object( file, directory ). Example =&gt; “</a:t>
+            </a:r>
+            <a:r>
+              <a:rPr lang="en-US" sz="1800" dirty="0" smtClean="0">
+                <a:solidFill>
                   <a:schemeClr val="bg1">
                     <a:lumMod val="95000"/>
                   </a:schemeClr>
                 </a:solidFill>
               </a:rPr>
-              <a:t>The </a:t>
+              <a:t>ls –I /</a:t>
             </a:r>
             <a:r>
               <a:rPr lang="en-US" sz="1800" dirty="0" err="1" smtClean="0">
@@ -6151,7 +6409,7 @@
                   </a:schemeClr>
                 </a:solidFill>
               </a:rPr>
-              <a:t>inode</a:t>
+              <a:t>tmp</a:t>
             </a:r>
             <a:r>
               <a:rPr lang="en-US" sz="1800" dirty="0" smtClean="0">
@@ -6161,27 +6419,15 @@
                   </a:schemeClr>
                 </a:solidFill>
               </a:rPr>
-              <a:t> is a data structure used to represent a filesystem object( file, directory ). Example =&gt; “ls –I /</a:t>
-            </a:r>
-            <a:r>
-              <a:rPr lang="en-US" sz="1800" dirty="0" err="1" smtClean="0">
-                <a:solidFill>
-                  <a:schemeClr val="bg1">
-                    <a:lumMod val="95000"/>
-                  </a:schemeClr>
-                </a:solidFill>
-              </a:rPr>
-              <a:t>tmp</a:t>
+              <a:t>/file</a:t>
             </a:r>
             <a:r>
               <a:rPr lang="en-US" sz="1800" dirty="0" smtClean="0">
                 <a:solidFill>
-                  <a:schemeClr val="bg1">
-                    <a:lumMod val="95000"/>
-                  </a:schemeClr>
-                </a:solidFill>
-              </a:rPr>
-              <a:t>/file”</a:t>
+                  <a:schemeClr val="accent6"/>
+                </a:solidFill>
+              </a:rPr>
+              <a:t>”</a:t>
             </a:r>
           </a:p>
           <a:p>
@@ -6203,9 +6449,7 @@
             <a:r>
               <a:rPr lang="en-US" sz="1800" dirty="0" smtClean="0">
                 <a:solidFill>
-                  <a:schemeClr val="bg1">
-                    <a:lumMod val="95000"/>
-                  </a:schemeClr>
+                  <a:schemeClr val="accent6"/>
                 </a:solidFill>
               </a:rPr>
               <a:t>Basically behind each file name in Linux, stands an integer, that helps the file system ( ext4, </a:t>
@@ -6213,9 +6457,7 @@
             <a:r>
               <a:rPr lang="en-US" sz="1800" dirty="0" err="1" smtClean="0">
                 <a:solidFill>
-                  <a:schemeClr val="bg1">
-                    <a:lumMod val="95000"/>
-                  </a:schemeClr>
+                  <a:schemeClr val="accent6"/>
                 </a:solidFill>
               </a:rPr>
               <a:t>xfs</a:t>
@@ -6223,9 +6465,7 @@
             <a:r>
               <a:rPr lang="en-US" sz="1800" dirty="0" smtClean="0">
                 <a:solidFill>
-                  <a:schemeClr val="bg1">
-                    <a:lumMod val="95000"/>
-                  </a:schemeClr>
+                  <a:schemeClr val="accent6"/>
                 </a:solidFill>
               </a:rPr>
               <a:t> … ) to keep track and modify files and directories.</a:t>
@@ -7249,12 +7489,20 @@
                   <a:schemeClr val="accent6"/>
                 </a:solidFill>
               </a:rPr>
-              <a:t>Create a symbolic link(soft link) with ‘ls –n /root/source /</a:t>
+              <a:t>Create a symbolic link(soft link) with ‘</a:t>
+            </a:r>
+            <a:r>
+              <a:rPr lang="en-US" dirty="0" smtClean="0">
+                <a:solidFill>
+                  <a:schemeClr val="bg1"/>
+                </a:solidFill>
+              </a:rPr>
+              <a:t>ls –n /root/source /</a:t>
             </a:r>
             <a:r>
               <a:rPr lang="en-US" dirty="0" err="1" smtClean="0">
                 <a:solidFill>
-                  <a:schemeClr val="accent6"/>
+                  <a:schemeClr val="bg1"/>
                 </a:solidFill>
               </a:rPr>
               <a:t>tmp</a:t>
@@ -7262,7 +7510,7 @@
             <a:r>
               <a:rPr lang="en-US" dirty="0" smtClean="0">
                 <a:solidFill>
-                  <a:schemeClr val="accent6"/>
+                  <a:schemeClr val="bg1"/>
                 </a:solidFill>
               </a:rPr>
               <a:t>/</a:t>
@@ -7270,7 +7518,7 @@
             <a:r>
               <a:rPr lang="en-US" dirty="0" err="1" smtClean="0">
                 <a:solidFill>
-                  <a:schemeClr val="accent6"/>
+                  <a:schemeClr val="bg1"/>
                 </a:solidFill>
               </a:rPr>
               <a:t>file_does_need_to_exist</a:t>
@@ -7298,12 +7546,20 @@
                   <a:schemeClr val="accent6"/>
                 </a:solidFill>
               </a:rPr>
-              <a:t>Create a hard link with ‘ln /root/source /</a:t>
+              <a:t>Create a hard link with ‘</a:t>
+            </a:r>
+            <a:r>
+              <a:rPr lang="en-US" dirty="0" smtClean="0">
+                <a:solidFill>
+                  <a:schemeClr val="bg1"/>
+                </a:solidFill>
+              </a:rPr>
+              <a:t>ln /root/source /</a:t>
             </a:r>
             <a:r>
               <a:rPr lang="en-US" dirty="0" err="1" smtClean="0">
                 <a:solidFill>
-                  <a:schemeClr val="accent6"/>
+                  <a:schemeClr val="bg1"/>
                 </a:solidFill>
               </a:rPr>
               <a:t>tmp</a:t>
@@ -7311,7 +7567,7 @@
             <a:r>
               <a:rPr lang="en-US" dirty="0" smtClean="0">
                 <a:solidFill>
-                  <a:schemeClr val="accent6"/>
+                  <a:schemeClr val="bg1"/>
                 </a:solidFill>
               </a:rPr>
               <a:t>/</a:t>
@@ -7319,7 +7575,7 @@
             <a:r>
               <a:rPr lang="en-US" dirty="0" err="1" smtClean="0">
                 <a:solidFill>
-                  <a:schemeClr val="accent6"/>
+                  <a:schemeClr val="bg1"/>
                 </a:solidFill>
               </a:rPr>
               <a:t>file_does_not_need_to_exist</a:t>
@@ -7645,7 +7901,7 @@
             <a:r>
               <a:rPr lang="en-US" sz="2200" dirty="0" smtClean="0">
                 <a:solidFill>
-                  <a:schemeClr val="bg1"/>
+                  <a:schemeClr val="accent6"/>
                 </a:solidFill>
               </a:rPr>
               <a:t>1. Create two files =&gt; </a:t>
@@ -7653,7 +7909,7 @@
             <a:r>
               <a:rPr lang="en-US" sz="2200" dirty="0" err="1" smtClean="0">
                 <a:solidFill>
-                  <a:schemeClr val="bg1"/>
+                  <a:schemeClr val="accent6"/>
                 </a:solidFill>
               </a:rPr>
               <a:t>first_file</a:t>
@@ -7661,7 +7917,7 @@
             <a:r>
               <a:rPr lang="en-US" sz="2200" dirty="0" smtClean="0">
                 <a:solidFill>
-                  <a:schemeClr val="bg1"/>
+                  <a:schemeClr val="accent6"/>
                 </a:solidFill>
               </a:rPr>
               <a:t> and </a:t>
@@ -7669,7 +7925,7 @@
             <a:r>
               <a:rPr lang="en-US" sz="2200" dirty="0" err="1" smtClean="0">
                 <a:solidFill>
-                  <a:schemeClr val="bg1"/>
+                  <a:schemeClr val="accent6"/>
                 </a:solidFill>
               </a:rPr>
               <a:t>second_file</a:t>
@@ -7677,7 +7933,7 @@
             <a:r>
               <a:rPr lang="en-US" sz="2200" dirty="0" smtClean="0">
                 <a:solidFill>
-                  <a:schemeClr val="bg1"/>
+                  <a:schemeClr val="accent6"/>
                 </a:solidFill>
               </a:rPr>
               <a:t>.</a:t>
@@ -7685,14 +7941,14 @@
             <a:br>
               <a:rPr lang="en-US" sz="2200" dirty="0" smtClean="0">
                 <a:solidFill>
-                  <a:schemeClr val="bg1"/>
+                  <a:schemeClr val="accent6"/>
                 </a:solidFill>
               </a:rPr>
             </a:br>
             <a:r>
               <a:rPr lang="en-US" sz="2200" dirty="0" smtClean="0">
                 <a:solidFill>
-                  <a:schemeClr val="bg1"/>
+                  <a:schemeClr val="accent6"/>
                 </a:solidFill>
               </a:rPr>
               <a:t>2. Create a </a:t>
@@ -7700,7 +7956,7 @@
             <a:r>
               <a:rPr lang="en-US" sz="2200" dirty="0" err="1" smtClean="0">
                 <a:solidFill>
-                  <a:schemeClr val="bg1"/>
+                  <a:schemeClr val="accent6"/>
                 </a:solidFill>
               </a:rPr>
               <a:t>symlink</a:t>
@@ -7708,7 +7964,7 @@
             <a:r>
               <a:rPr lang="en-US" sz="2200" dirty="0" smtClean="0">
                 <a:solidFill>
-                  <a:schemeClr val="bg1"/>
+                  <a:schemeClr val="accent6"/>
                 </a:solidFill>
               </a:rPr>
               <a:t> to </a:t>
@@ -7716,7 +7972,7 @@
             <a:r>
               <a:rPr lang="en-US" sz="2200" dirty="0" err="1" smtClean="0">
                 <a:solidFill>
-                  <a:schemeClr val="bg1"/>
+                  <a:schemeClr val="accent6"/>
                 </a:solidFill>
               </a:rPr>
               <a:t>first_file</a:t>
@@ -7724,7 +7980,7 @@
             <a:r>
               <a:rPr lang="en-US" sz="2200" dirty="0" smtClean="0">
                 <a:solidFill>
-                  <a:schemeClr val="bg1"/>
+                  <a:schemeClr val="accent6"/>
                 </a:solidFill>
               </a:rPr>
               <a:t>.</a:t>
@@ -7732,17 +7988,25 @@
             <a:br>
               <a:rPr lang="en-US" sz="2200" dirty="0" smtClean="0">
                 <a:solidFill>
-                  <a:schemeClr val="bg1"/>
+                  <a:schemeClr val="accent6"/>
                 </a:solidFill>
               </a:rPr>
             </a:br>
             <a:r>
               <a:rPr lang="en-US" sz="2200" dirty="0" smtClean="0">
                 <a:solidFill>
-                  <a:schemeClr val="bg1"/>
-                </a:solidFill>
-              </a:rPr>
-              <a:t>3. Get the output of ‘ls –li </a:t>
+                  <a:schemeClr val="accent6"/>
+                </a:solidFill>
+              </a:rPr>
+              <a:t>3. Get the output of ‘</a:t>
+            </a:r>
+            <a:r>
+              <a:rPr lang="en-US" sz="2200" dirty="0" smtClean="0">
+                <a:solidFill>
+                  <a:schemeClr val="bg1"/>
+                </a:solidFill>
+              </a:rPr>
+              <a:t>ls –li </a:t>
             </a:r>
             <a:r>
               <a:rPr lang="en-US" sz="2200" dirty="0" err="1" smtClean="0">
@@ -7755,25 +8019,41 @@
             <a:r>
               <a:rPr lang="en-US" sz="2200" dirty="0" smtClean="0">
                 <a:solidFill>
-                  <a:schemeClr val="bg1"/>
+                  <a:schemeClr val="accent6"/>
                 </a:solidFill>
               </a:rPr>
               <a:t>’</a:t>
             </a:r>
-            <a:br>
+            <a:r>
               <a:rPr lang="en-US" sz="2200" dirty="0" smtClean="0">
                 <a:solidFill>
                   <a:schemeClr val="bg1"/>
                 </a:solidFill>
               </a:rPr>
-            </a:br>
-            <a:r>
+              <a:t/>
+            </a:r>
+            <a:br>
               <a:rPr lang="en-US" sz="2200" dirty="0" smtClean="0">
                 <a:solidFill>
                   <a:schemeClr val="bg1"/>
                 </a:solidFill>
               </a:rPr>
-              <a:t>4. Get the output of ‘ls –li </a:t>
+            </a:br>
+            <a:r>
+              <a:rPr lang="en-US" sz="2200" dirty="0" smtClean="0">
+                <a:solidFill>
+                  <a:schemeClr val="accent6"/>
+                </a:solidFill>
+              </a:rPr>
+              <a:t>4. Get the output of ‘</a:t>
+            </a:r>
+            <a:r>
+              <a:rPr lang="en-US" sz="2200" dirty="0" smtClean="0">
+                <a:solidFill>
+                  <a:schemeClr val="bg1"/>
+                </a:solidFill>
+              </a:rPr>
+              <a:t>ls –li </a:t>
             </a:r>
             <a:r>
               <a:rPr lang="en-US" sz="2200" dirty="0" err="1" smtClean="0">
@@ -7786,7 +8066,7 @@
             <a:r>
               <a:rPr lang="en-US" sz="2200" dirty="0" smtClean="0">
                 <a:solidFill>
-                  <a:schemeClr val="bg1"/>
+                  <a:schemeClr val="accent6"/>
                 </a:solidFill>
               </a:rPr>
               <a:t>’</a:t>
@@ -7794,14 +8074,14 @@
             <a:br>
               <a:rPr lang="en-US" sz="2200" dirty="0" smtClean="0">
                 <a:solidFill>
-                  <a:schemeClr val="bg1"/>
+                  <a:schemeClr val="accent6"/>
                 </a:solidFill>
               </a:rPr>
             </a:br>
             <a:r>
               <a:rPr lang="en-US" sz="2200" dirty="0" smtClean="0">
                 <a:solidFill>
-                  <a:schemeClr val="bg1"/>
+                  <a:schemeClr val="accent6"/>
                 </a:solidFill>
               </a:rPr>
               <a:t>5. Do you see the pointer ?</a:t>
@@ -7809,14 +8089,14 @@
             <a:br>
               <a:rPr lang="en-US" sz="2200" dirty="0" smtClean="0">
                 <a:solidFill>
-                  <a:schemeClr val="bg1"/>
+                  <a:schemeClr val="accent6"/>
                 </a:solidFill>
               </a:rPr>
             </a:br>
             <a:r>
               <a:rPr lang="en-US" sz="2200" dirty="0" smtClean="0">
                 <a:solidFill>
-                  <a:schemeClr val="bg1"/>
+                  <a:schemeClr val="accent6"/>
                 </a:solidFill>
               </a:rPr>
               <a:t>6. Create a hard link to second file.</a:t>
@@ -7824,14 +8104,14 @@
             <a:br>
               <a:rPr lang="en-US" sz="2200" dirty="0" smtClean="0">
                 <a:solidFill>
-                  <a:schemeClr val="bg1"/>
+                  <a:schemeClr val="accent6"/>
                 </a:solidFill>
               </a:rPr>
             </a:br>
             <a:r>
               <a:rPr lang="en-US" sz="2200" dirty="0" smtClean="0">
                 <a:solidFill>
-                  <a:schemeClr val="bg1"/>
+                  <a:schemeClr val="accent6"/>
                 </a:solidFill>
               </a:rPr>
               <a:t>7. Repeat step 3 and 4.</a:t>
@@ -7839,14 +8119,14 @@
             <a:br>
               <a:rPr lang="en-US" sz="2200" dirty="0" smtClean="0">
                 <a:solidFill>
-                  <a:schemeClr val="bg1"/>
+                  <a:schemeClr val="accent6"/>
                 </a:solidFill>
               </a:rPr>
             </a:br>
             <a:r>
               <a:rPr lang="en-US" sz="2200" dirty="0" smtClean="0">
                 <a:solidFill>
-                  <a:schemeClr val="bg1"/>
+                  <a:schemeClr val="accent6"/>
                 </a:solidFill>
               </a:rPr>
               <a:t>8. Do you see the same number and counter ?</a:t>
@@ -7854,14 +8134,14 @@
             <a:br>
               <a:rPr lang="en-US" sz="2200" dirty="0" smtClean="0">
                 <a:solidFill>
-                  <a:schemeClr val="bg1"/>
+                  <a:schemeClr val="accent6"/>
                 </a:solidFill>
               </a:rPr>
             </a:br>
             <a:r>
               <a:rPr lang="en-US" sz="2200" dirty="0" smtClean="0">
                 <a:solidFill>
-                  <a:schemeClr val="bg1"/>
+                  <a:schemeClr val="accent6"/>
                 </a:solidFill>
               </a:rPr>
               <a:t>9. Remove </a:t>
@@ -7869,7 +8149,7 @@
             <a:r>
               <a:rPr lang="en-US" sz="2200" dirty="0" err="1" smtClean="0">
                 <a:solidFill>
-                  <a:schemeClr val="bg1"/>
+                  <a:schemeClr val="accent6"/>
                 </a:solidFill>
               </a:rPr>
               <a:t>second_file</a:t>
@@ -7877,7 +8157,7 @@
             <a:r>
               <a:rPr lang="en-US" sz="2200" dirty="0" smtClean="0">
                 <a:solidFill>
-                  <a:schemeClr val="bg1"/>
+                  <a:schemeClr val="accent6"/>
                 </a:solidFill>
               </a:rPr>
               <a:t>, do the new hard link remained ? </a:t>
@@ -7885,21 +8165,21 @@
             <a:br>
               <a:rPr lang="en-US" sz="2200" dirty="0" smtClean="0">
                 <a:solidFill>
-                  <a:schemeClr val="bg1"/>
+                  <a:schemeClr val="accent6"/>
                 </a:solidFill>
               </a:rPr>
             </a:br>
             <a:r>
               <a:rPr lang="en-US" sz="2200" dirty="0" smtClean="0">
                 <a:solidFill>
-                  <a:schemeClr val="bg1"/>
+                  <a:schemeClr val="accent6"/>
                 </a:solidFill>
               </a:rPr>
               <a:t>10. Repeat step 3 for the new hard link. </a:t>
             </a:r>
             <a:endParaRPr lang="en-US" sz="2200" dirty="0">
               <a:solidFill>
-                <a:schemeClr val="bg1"/>
+                <a:schemeClr val="accent6"/>
               </a:solidFill>
             </a:endParaRPr>
           </a:p>

--- a/3.FileSystem/03-FileSystem.pptx
+++ b/3.FileSystem/03-FileSystem.pptx
@@ -4,19 +4,25 @@
   <p:sldMasterIdLst>
     <p:sldMasterId id="2147483648" r:id="rId1"/>
   </p:sldMasterIdLst>
+  <p:notesMasterIdLst>
+    <p:notesMasterId r:id="rId17"/>
+  </p:notesMasterIdLst>
   <p:sldIdLst>
     <p:sldId id="256" r:id="rId2"/>
-    <p:sldId id="266" r:id="rId3"/>
-    <p:sldId id="258" r:id="rId4"/>
-    <p:sldId id="257" r:id="rId5"/>
-    <p:sldId id="259" r:id="rId6"/>
-    <p:sldId id="264" r:id="rId7"/>
-    <p:sldId id="262" r:id="rId8"/>
-    <p:sldId id="261" r:id="rId9"/>
-    <p:sldId id="267" r:id="rId10"/>
-    <p:sldId id="268" r:id="rId11"/>
-    <p:sldId id="269" r:id="rId12"/>
-    <p:sldId id="270" r:id="rId13"/>
+    <p:sldId id="271" r:id="rId3"/>
+    <p:sldId id="272" r:id="rId4"/>
+    <p:sldId id="273" r:id="rId5"/>
+    <p:sldId id="266" r:id="rId6"/>
+    <p:sldId id="258" r:id="rId7"/>
+    <p:sldId id="257" r:id="rId8"/>
+    <p:sldId id="259" r:id="rId9"/>
+    <p:sldId id="264" r:id="rId10"/>
+    <p:sldId id="262" r:id="rId11"/>
+    <p:sldId id="261" r:id="rId12"/>
+    <p:sldId id="267" r:id="rId13"/>
+    <p:sldId id="268" r:id="rId14"/>
+    <p:sldId id="269" r:id="rId15"/>
+    <p:sldId id="270" r:id="rId16"/>
   </p:sldIdLst>
   <p:sldSz cx="9144000" cy="6858000" type="screen4x3"/>
   <p:notesSz cx="6858000" cy="9144000"/>
@@ -134,6 +140,440 @@
 </p:presentation>
 </file>
 
+<file path=ppt/notesMasters/notesMaster1.xml><?xml version="1.0" encoding="utf-8"?>
+<p:notesMaster xmlns:a="http://schemas.openxmlformats.org/drawingml/2006/main" xmlns:r="http://schemas.openxmlformats.org/officeDocument/2006/relationships" xmlns:p="http://schemas.openxmlformats.org/presentationml/2006/main">
+  <p:cSld>
+    <p:bg>
+      <p:bgRef idx="1001">
+        <a:schemeClr val="bg1"/>
+      </p:bgRef>
+    </p:bg>
+    <p:spTree>
+      <p:nvGrpSpPr>
+        <p:cNvPr id="1" name=""/>
+        <p:cNvGrpSpPr/>
+        <p:nvPr/>
+      </p:nvGrpSpPr>
+      <p:grpSpPr>
+        <a:xfrm>
+          <a:off x="0" y="0"/>
+          <a:ext cx="0" cy="0"/>
+          <a:chOff x="0" y="0"/>
+          <a:chExt cx="0" cy="0"/>
+        </a:xfrm>
+      </p:grpSpPr>
+      <p:sp>
+        <p:nvSpPr>
+          <p:cNvPr id="2" name="Header Placeholder 1"/>
+          <p:cNvSpPr>
+            <a:spLocks noGrp="1"/>
+          </p:cNvSpPr>
+          <p:nvPr>
+            <p:ph type="hdr" sz="quarter"/>
+          </p:nvPr>
+        </p:nvSpPr>
+        <p:spPr>
+          <a:xfrm>
+            <a:off x="0" y="0"/>
+            <a:ext cx="2971800" cy="458788"/>
+          </a:xfrm>
+          <a:prstGeom prst="rect">
+            <a:avLst/>
+          </a:prstGeom>
+        </p:spPr>
+        <p:txBody>
+          <a:bodyPr vert="horz" lIns="91440" tIns="45720" rIns="91440" bIns="45720" rtlCol="0"/>
+          <a:lstStyle>
+            <a:lvl1pPr algn="l">
+              <a:defRPr sz="1200"/>
+            </a:lvl1pPr>
+          </a:lstStyle>
+          <a:p>
+            <a:endParaRPr lang="en-US"/>
+          </a:p>
+        </p:txBody>
+      </p:sp>
+      <p:sp>
+        <p:nvSpPr>
+          <p:cNvPr id="3" name="Date Placeholder 2"/>
+          <p:cNvSpPr>
+            <a:spLocks noGrp="1"/>
+          </p:cNvSpPr>
+          <p:nvPr>
+            <p:ph type="dt" idx="1"/>
+          </p:nvPr>
+        </p:nvSpPr>
+        <p:spPr>
+          <a:xfrm>
+            <a:off x="3884613" y="0"/>
+            <a:ext cx="2971800" cy="458788"/>
+          </a:xfrm>
+          <a:prstGeom prst="rect">
+            <a:avLst/>
+          </a:prstGeom>
+        </p:spPr>
+        <p:txBody>
+          <a:bodyPr vert="horz" lIns="91440" tIns="45720" rIns="91440" bIns="45720" rtlCol="0"/>
+          <a:lstStyle>
+            <a:lvl1pPr algn="r">
+              <a:defRPr sz="1200"/>
+            </a:lvl1pPr>
+          </a:lstStyle>
+          <a:p>
+            <a:fld id="{75352585-B422-2C4D-8E5A-F92ADED6DEC8}" type="datetimeFigureOut">
+              <a:rPr lang="en-US" smtClean="0"/>
+              <a:t>4/5/17</a:t>
+            </a:fld>
+            <a:endParaRPr lang="en-US"/>
+          </a:p>
+        </p:txBody>
+      </p:sp>
+      <p:sp>
+        <p:nvSpPr>
+          <p:cNvPr id="4" name="Slide Image Placeholder 3"/>
+          <p:cNvSpPr>
+            <a:spLocks noGrp="1" noRot="1" noChangeAspect="1"/>
+          </p:cNvSpPr>
+          <p:nvPr>
+            <p:ph type="sldImg" idx="2"/>
+          </p:nvPr>
+        </p:nvSpPr>
+        <p:spPr>
+          <a:xfrm>
+            <a:off x="1371600" y="1143000"/>
+            <a:ext cx="4114800" cy="3086100"/>
+          </a:xfrm>
+          <a:prstGeom prst="rect">
+            <a:avLst/>
+          </a:prstGeom>
+          <a:noFill/>
+          <a:ln w="12700">
+            <a:solidFill>
+              <a:prstClr val="black"/>
+            </a:solidFill>
+          </a:ln>
+        </p:spPr>
+        <p:txBody>
+          <a:bodyPr vert="horz" lIns="91440" tIns="45720" rIns="91440" bIns="45720" rtlCol="0" anchor="ctr"/>
+          <a:lstStyle/>
+          <a:p>
+            <a:endParaRPr lang="en-US"/>
+          </a:p>
+        </p:txBody>
+      </p:sp>
+      <p:sp>
+        <p:nvSpPr>
+          <p:cNvPr id="5" name="Notes Placeholder 4"/>
+          <p:cNvSpPr>
+            <a:spLocks noGrp="1"/>
+          </p:cNvSpPr>
+          <p:nvPr>
+            <p:ph type="body" sz="quarter" idx="3"/>
+          </p:nvPr>
+        </p:nvSpPr>
+        <p:spPr>
+          <a:xfrm>
+            <a:off x="685800" y="4400550"/>
+            <a:ext cx="5486400" cy="3600450"/>
+          </a:xfrm>
+          <a:prstGeom prst="rect">
+            <a:avLst/>
+          </a:prstGeom>
+        </p:spPr>
+        <p:txBody>
+          <a:bodyPr vert="horz" lIns="91440" tIns="45720" rIns="91440" bIns="45720" rtlCol="0"/>
+          <a:lstStyle/>
+          <a:p>
+            <a:pPr lvl="0"/>
+            <a:r>
+              <a:rPr lang="en-US" smtClean="0"/>
+              <a:t>Click to edit Master text styles</a:t>
+            </a:r>
+          </a:p>
+          <a:p>
+            <a:pPr lvl="1"/>
+            <a:r>
+              <a:rPr lang="en-US" smtClean="0"/>
+              <a:t>Second level</a:t>
+            </a:r>
+          </a:p>
+          <a:p>
+            <a:pPr lvl="2"/>
+            <a:r>
+              <a:rPr lang="en-US" smtClean="0"/>
+              <a:t>Third level</a:t>
+            </a:r>
+          </a:p>
+          <a:p>
+            <a:pPr lvl="3"/>
+            <a:r>
+              <a:rPr lang="en-US" smtClean="0"/>
+              <a:t>Fourth level</a:t>
+            </a:r>
+          </a:p>
+          <a:p>
+            <a:pPr lvl="4"/>
+            <a:r>
+              <a:rPr lang="en-US" smtClean="0"/>
+              <a:t>Fifth level</a:t>
+            </a:r>
+            <a:endParaRPr lang="en-US"/>
+          </a:p>
+        </p:txBody>
+      </p:sp>
+      <p:sp>
+        <p:nvSpPr>
+          <p:cNvPr id="6" name="Footer Placeholder 5"/>
+          <p:cNvSpPr>
+            <a:spLocks noGrp="1"/>
+          </p:cNvSpPr>
+          <p:nvPr>
+            <p:ph type="ftr" sz="quarter" idx="4"/>
+          </p:nvPr>
+        </p:nvSpPr>
+        <p:spPr>
+          <a:xfrm>
+            <a:off x="0" y="8685213"/>
+            <a:ext cx="2971800" cy="458787"/>
+          </a:xfrm>
+          <a:prstGeom prst="rect">
+            <a:avLst/>
+          </a:prstGeom>
+        </p:spPr>
+        <p:txBody>
+          <a:bodyPr vert="horz" lIns="91440" tIns="45720" rIns="91440" bIns="45720" rtlCol="0" anchor="b"/>
+          <a:lstStyle>
+            <a:lvl1pPr algn="l">
+              <a:defRPr sz="1200"/>
+            </a:lvl1pPr>
+          </a:lstStyle>
+          <a:p>
+            <a:endParaRPr lang="en-US"/>
+          </a:p>
+        </p:txBody>
+      </p:sp>
+      <p:sp>
+        <p:nvSpPr>
+          <p:cNvPr id="7" name="Slide Number Placeholder 6"/>
+          <p:cNvSpPr>
+            <a:spLocks noGrp="1"/>
+          </p:cNvSpPr>
+          <p:nvPr>
+            <p:ph type="sldNum" sz="quarter" idx="5"/>
+          </p:nvPr>
+        </p:nvSpPr>
+        <p:spPr>
+          <a:xfrm>
+            <a:off x="3884613" y="8685213"/>
+            <a:ext cx="2971800" cy="458787"/>
+          </a:xfrm>
+          <a:prstGeom prst="rect">
+            <a:avLst/>
+          </a:prstGeom>
+        </p:spPr>
+        <p:txBody>
+          <a:bodyPr vert="horz" lIns="91440" tIns="45720" rIns="91440" bIns="45720" rtlCol="0" anchor="b"/>
+          <a:lstStyle>
+            <a:lvl1pPr algn="r">
+              <a:defRPr sz="1200"/>
+            </a:lvl1pPr>
+          </a:lstStyle>
+          <a:p>
+            <a:fld id="{57EC138D-5DDE-0D4C-8B90-6A65DC929022}" type="slidenum">
+              <a:rPr lang="en-US" smtClean="0"/>
+              <a:t>‹#›</a:t>
+            </a:fld>
+            <a:endParaRPr lang="en-US"/>
+          </a:p>
+        </p:txBody>
+      </p:sp>
+    </p:spTree>
+    <p:extLst>
+      <p:ext uri="{BB962C8B-B14F-4D97-AF65-F5344CB8AC3E}">
+        <p14:creationId xmlns:p14="http://schemas.microsoft.com/office/powerpoint/2010/main" val="887107321"/>
+      </p:ext>
+    </p:extLst>
+  </p:cSld>
+  <p:clrMap bg1="lt1" tx1="dk1" bg2="lt2" tx2="dk2" accent1="accent1" accent2="accent2" accent3="accent3" accent4="accent4" accent5="accent5" accent6="accent6" hlink="hlink" folHlink="folHlink"/>
+  <p:notesStyle>
+    <a:lvl1pPr marL="0" algn="l" defTabSz="914400" rtl="0" eaLnBrk="1" latinLnBrk="0" hangingPunct="1">
+      <a:defRPr sz="1200" kern="1200">
+        <a:solidFill>
+          <a:schemeClr val="tx1"/>
+        </a:solidFill>
+        <a:latin typeface="+mn-lt"/>
+        <a:ea typeface="+mn-ea"/>
+        <a:cs typeface="+mn-cs"/>
+      </a:defRPr>
+    </a:lvl1pPr>
+    <a:lvl2pPr marL="457200" algn="l" defTabSz="914400" rtl="0" eaLnBrk="1" latinLnBrk="0" hangingPunct="1">
+      <a:defRPr sz="1200" kern="1200">
+        <a:solidFill>
+          <a:schemeClr val="tx1"/>
+        </a:solidFill>
+        <a:latin typeface="+mn-lt"/>
+        <a:ea typeface="+mn-ea"/>
+        <a:cs typeface="+mn-cs"/>
+      </a:defRPr>
+    </a:lvl2pPr>
+    <a:lvl3pPr marL="914400" algn="l" defTabSz="914400" rtl="0" eaLnBrk="1" latinLnBrk="0" hangingPunct="1">
+      <a:defRPr sz="1200" kern="1200">
+        <a:solidFill>
+          <a:schemeClr val="tx1"/>
+        </a:solidFill>
+        <a:latin typeface="+mn-lt"/>
+        <a:ea typeface="+mn-ea"/>
+        <a:cs typeface="+mn-cs"/>
+      </a:defRPr>
+    </a:lvl3pPr>
+    <a:lvl4pPr marL="1371600" algn="l" defTabSz="914400" rtl="0" eaLnBrk="1" latinLnBrk="0" hangingPunct="1">
+      <a:defRPr sz="1200" kern="1200">
+        <a:solidFill>
+          <a:schemeClr val="tx1"/>
+        </a:solidFill>
+        <a:latin typeface="+mn-lt"/>
+        <a:ea typeface="+mn-ea"/>
+        <a:cs typeface="+mn-cs"/>
+      </a:defRPr>
+    </a:lvl4pPr>
+    <a:lvl5pPr marL="1828800" algn="l" defTabSz="914400" rtl="0" eaLnBrk="1" latinLnBrk="0" hangingPunct="1">
+      <a:defRPr sz="1200" kern="1200">
+        <a:solidFill>
+          <a:schemeClr val="tx1"/>
+        </a:solidFill>
+        <a:latin typeface="+mn-lt"/>
+        <a:ea typeface="+mn-ea"/>
+        <a:cs typeface="+mn-cs"/>
+      </a:defRPr>
+    </a:lvl5pPr>
+    <a:lvl6pPr marL="2286000" algn="l" defTabSz="914400" rtl="0" eaLnBrk="1" latinLnBrk="0" hangingPunct="1">
+      <a:defRPr sz="1200" kern="1200">
+        <a:solidFill>
+          <a:schemeClr val="tx1"/>
+        </a:solidFill>
+        <a:latin typeface="+mn-lt"/>
+        <a:ea typeface="+mn-ea"/>
+        <a:cs typeface="+mn-cs"/>
+      </a:defRPr>
+    </a:lvl6pPr>
+    <a:lvl7pPr marL="2743200" algn="l" defTabSz="914400" rtl="0" eaLnBrk="1" latinLnBrk="0" hangingPunct="1">
+      <a:defRPr sz="1200" kern="1200">
+        <a:solidFill>
+          <a:schemeClr val="tx1"/>
+        </a:solidFill>
+        <a:latin typeface="+mn-lt"/>
+        <a:ea typeface="+mn-ea"/>
+        <a:cs typeface="+mn-cs"/>
+      </a:defRPr>
+    </a:lvl7pPr>
+    <a:lvl8pPr marL="3200400" algn="l" defTabSz="914400" rtl="0" eaLnBrk="1" latinLnBrk="0" hangingPunct="1">
+      <a:defRPr sz="1200" kern="1200">
+        <a:solidFill>
+          <a:schemeClr val="tx1"/>
+        </a:solidFill>
+        <a:latin typeface="+mn-lt"/>
+        <a:ea typeface="+mn-ea"/>
+        <a:cs typeface="+mn-cs"/>
+      </a:defRPr>
+    </a:lvl8pPr>
+    <a:lvl9pPr marL="3657600" algn="l" defTabSz="914400" rtl="0" eaLnBrk="1" latinLnBrk="0" hangingPunct="1">
+      <a:defRPr sz="1200" kern="1200">
+        <a:solidFill>
+          <a:schemeClr val="tx1"/>
+        </a:solidFill>
+        <a:latin typeface="+mn-lt"/>
+        <a:ea typeface="+mn-ea"/>
+        <a:cs typeface="+mn-cs"/>
+      </a:defRPr>
+    </a:lvl9pPr>
+  </p:notesStyle>
+</p:notesMaster>
+</file>
+
+<file path=ppt/notesSlides/notesSlide1.xml><?xml version="1.0" encoding="utf-8"?>
+<p:notes xmlns:a="http://schemas.openxmlformats.org/drawingml/2006/main" xmlns:r="http://schemas.openxmlformats.org/officeDocument/2006/relationships" xmlns:p="http://schemas.openxmlformats.org/presentationml/2006/main">
+  <p:cSld>
+    <p:spTree>
+      <p:nvGrpSpPr>
+        <p:cNvPr id="1" name=""/>
+        <p:cNvGrpSpPr/>
+        <p:nvPr/>
+      </p:nvGrpSpPr>
+      <p:grpSpPr>
+        <a:xfrm>
+          <a:off x="0" y="0"/>
+          <a:ext cx="0" cy="0"/>
+          <a:chOff x="0" y="0"/>
+          <a:chExt cx="0" cy="0"/>
+        </a:xfrm>
+      </p:grpSpPr>
+      <p:sp>
+        <p:nvSpPr>
+          <p:cNvPr id="2" name="Slide Image Placeholder 1"/>
+          <p:cNvSpPr>
+            <a:spLocks noGrp="1" noRot="1" noChangeAspect="1"/>
+          </p:cNvSpPr>
+          <p:nvPr>
+            <p:ph type="sldImg"/>
+          </p:nvPr>
+        </p:nvSpPr>
+        <p:spPr/>
+      </p:sp>
+      <p:sp>
+        <p:nvSpPr>
+          <p:cNvPr id="3" name="Notes Placeholder 2"/>
+          <p:cNvSpPr>
+            <a:spLocks noGrp="1"/>
+          </p:cNvSpPr>
+          <p:nvPr>
+            <p:ph type="body" idx="1"/>
+          </p:nvPr>
+        </p:nvSpPr>
+        <p:spPr/>
+        <p:txBody>
+          <a:bodyPr/>
+          <a:lstStyle/>
+          <a:p>
+            <a:endParaRPr lang="en-US" dirty="0"/>
+          </a:p>
+        </p:txBody>
+      </p:sp>
+      <p:sp>
+        <p:nvSpPr>
+          <p:cNvPr id="4" name="Slide Number Placeholder 3"/>
+          <p:cNvSpPr>
+            <a:spLocks noGrp="1"/>
+          </p:cNvSpPr>
+          <p:nvPr>
+            <p:ph type="sldNum" sz="quarter" idx="10"/>
+          </p:nvPr>
+        </p:nvSpPr>
+        <p:spPr/>
+        <p:txBody>
+          <a:bodyPr/>
+          <a:lstStyle/>
+          <a:p>
+            <a:fld id="{57EC138D-5DDE-0D4C-8B90-6A65DC929022}" type="slidenum">
+              <a:rPr lang="en-US" smtClean="0"/>
+              <a:t>2</a:t>
+            </a:fld>
+            <a:endParaRPr lang="en-US"/>
+          </a:p>
+        </p:txBody>
+      </p:sp>
+    </p:spTree>
+    <p:extLst>
+      <p:ext uri="{BB962C8B-B14F-4D97-AF65-F5344CB8AC3E}">
+        <p14:creationId xmlns:p14="http://schemas.microsoft.com/office/powerpoint/2010/main" val="1781266573"/>
+      </p:ext>
+    </p:extLst>
+  </p:cSld>
+  <p:clrMapOvr>
+    <a:masterClrMapping/>
+  </p:clrMapOvr>
+</p:notes>
+</file>
+
 <file path=ppt/slideLayouts/slideLayout1.xml><?xml version="1.0" encoding="utf-8"?>
 <p:sldLayout xmlns:a="http://schemas.openxmlformats.org/drawingml/2006/main" xmlns:r="http://schemas.openxmlformats.org/officeDocument/2006/relationships" xmlns:p="http://schemas.openxmlformats.org/presentationml/2006/main" type="title" preserve="1">
   <p:cSld name="Title Slide">
@@ -315,7 +755,7 @@
           <a:p>
             <a:fld id="{3EA744D9-3FBE-48D8-BF2A-85DF203E4D20}" type="datetimeFigureOut">
               <a:rPr lang="bg-BG" smtClean="0"/>
-              <a:t>20.03.17 г.</a:t>
+              <a:t>5.04.17 г.</a:t>
             </a:fld>
             <a:endParaRPr lang="bg-BG"/>
           </a:p>
@@ -485,7 +925,7 @@
           <a:p>
             <a:fld id="{3EA744D9-3FBE-48D8-BF2A-85DF203E4D20}" type="datetimeFigureOut">
               <a:rPr lang="bg-BG" smtClean="0"/>
-              <a:t>20.03.17 г.</a:t>
+              <a:t>5.04.17 г.</a:t>
             </a:fld>
             <a:endParaRPr lang="bg-BG"/>
           </a:p>
@@ -665,7 +1105,7 @@
           <a:p>
             <a:fld id="{3EA744D9-3FBE-48D8-BF2A-85DF203E4D20}" type="datetimeFigureOut">
               <a:rPr lang="bg-BG" smtClean="0"/>
-              <a:t>20.03.17 г.</a:t>
+              <a:t>5.04.17 г.</a:t>
             </a:fld>
             <a:endParaRPr lang="bg-BG"/>
           </a:p>
@@ -835,7 +1275,7 @@
           <a:p>
             <a:fld id="{3EA744D9-3FBE-48D8-BF2A-85DF203E4D20}" type="datetimeFigureOut">
               <a:rPr lang="bg-BG" smtClean="0"/>
-              <a:t>20.03.17 г.</a:t>
+              <a:t>5.04.17 г.</a:t>
             </a:fld>
             <a:endParaRPr lang="bg-BG"/>
           </a:p>
@@ -1081,7 +1521,7 @@
           <a:p>
             <a:fld id="{3EA744D9-3FBE-48D8-BF2A-85DF203E4D20}" type="datetimeFigureOut">
               <a:rPr lang="bg-BG" smtClean="0"/>
-              <a:t>20.03.17 г.</a:t>
+              <a:t>5.04.17 г.</a:t>
             </a:fld>
             <a:endParaRPr lang="bg-BG"/>
           </a:p>
@@ -1369,7 +1809,7 @@
           <a:p>
             <a:fld id="{3EA744D9-3FBE-48D8-BF2A-85DF203E4D20}" type="datetimeFigureOut">
               <a:rPr lang="bg-BG" smtClean="0"/>
-              <a:t>20.03.17 г.</a:t>
+              <a:t>5.04.17 г.</a:t>
             </a:fld>
             <a:endParaRPr lang="bg-BG"/>
           </a:p>
@@ -1791,7 +2231,7 @@
           <a:p>
             <a:fld id="{3EA744D9-3FBE-48D8-BF2A-85DF203E4D20}" type="datetimeFigureOut">
               <a:rPr lang="bg-BG" smtClean="0"/>
-              <a:t>20.03.17 г.</a:t>
+              <a:t>5.04.17 г.</a:t>
             </a:fld>
             <a:endParaRPr lang="bg-BG"/>
           </a:p>
@@ -1909,7 +2349,7 @@
           <a:p>
             <a:fld id="{3EA744D9-3FBE-48D8-BF2A-85DF203E4D20}" type="datetimeFigureOut">
               <a:rPr lang="bg-BG" smtClean="0"/>
-              <a:t>20.03.17 г.</a:t>
+              <a:t>5.04.17 г.</a:t>
             </a:fld>
             <a:endParaRPr lang="bg-BG"/>
           </a:p>
@@ -2004,7 +2444,7 @@
           <a:p>
             <a:fld id="{3EA744D9-3FBE-48D8-BF2A-85DF203E4D20}" type="datetimeFigureOut">
               <a:rPr lang="bg-BG" smtClean="0"/>
-              <a:t>20.03.17 г.</a:t>
+              <a:t>5.04.17 г.</a:t>
             </a:fld>
             <a:endParaRPr lang="bg-BG"/>
           </a:p>
@@ -2281,7 +2721,7 @@
           <a:p>
             <a:fld id="{3EA744D9-3FBE-48D8-BF2A-85DF203E4D20}" type="datetimeFigureOut">
               <a:rPr lang="bg-BG" smtClean="0"/>
-              <a:t>20.03.17 г.</a:t>
+              <a:t>5.04.17 г.</a:t>
             </a:fld>
             <a:endParaRPr lang="bg-BG"/>
           </a:p>
@@ -2534,7 +2974,7 @@
           <a:p>
             <a:fld id="{3EA744D9-3FBE-48D8-BF2A-85DF203E4D20}" type="datetimeFigureOut">
               <a:rPr lang="bg-BG" smtClean="0"/>
-              <a:t>20.03.17 г.</a:t>
+              <a:t>5.04.17 г.</a:t>
             </a:fld>
             <a:endParaRPr lang="bg-BG"/>
           </a:p>
@@ -2756,7 +3196,7 @@
           <a:p>
             <a:fld id="{3EA744D9-3FBE-48D8-BF2A-85DF203E4D20}" type="datetimeFigureOut">
               <a:rPr lang="bg-BG" smtClean="0"/>
-              <a:t>20.03.17 г.</a:t>
+              <a:t>5.04.17 г.</a:t>
             </a:fld>
             <a:endParaRPr lang="bg-BG"/>
           </a:p>
@@ -3366,6 +3806,1407 @@
             <p:ph type="title"/>
           </p:nvPr>
         </p:nvSpPr>
+        <p:spPr>
+          <a:xfrm>
+            <a:off x="762000" y="706437"/>
+            <a:ext cx="8229600" cy="1143000"/>
+          </a:xfrm>
+        </p:spPr>
+        <p:txBody>
+          <a:bodyPr>
+            <a:normAutofit fontScale="90000"/>
+          </a:bodyPr>
+          <a:lstStyle/>
+          <a:p>
+            <a:pPr algn="l"/>
+            <a:r>
+              <a:rPr lang="en-US" dirty="0" smtClean="0">
+                <a:solidFill>
+                  <a:schemeClr val="accent6"/>
+                </a:solidFill>
+              </a:rPr>
+              <a:t/>
+            </a:r>
+            <a:br>
+              <a:rPr lang="en-US" dirty="0" smtClean="0">
+                <a:solidFill>
+                  <a:schemeClr val="accent6"/>
+                </a:solidFill>
+              </a:rPr>
+            </a:br>
+            <a:r>
+              <a:rPr lang="en-US" dirty="0">
+                <a:solidFill>
+                  <a:schemeClr val="accent6"/>
+                </a:solidFill>
+              </a:rPr>
+              <a:t/>
+            </a:r>
+            <a:br>
+              <a:rPr lang="en-US" dirty="0">
+                <a:solidFill>
+                  <a:schemeClr val="accent6"/>
+                </a:solidFill>
+              </a:rPr>
+            </a:br>
+            <a:r>
+              <a:rPr lang="en-US" dirty="0" smtClean="0">
+                <a:solidFill>
+                  <a:schemeClr val="accent6"/>
+                </a:solidFill>
+              </a:rPr>
+              <a:t/>
+            </a:r>
+            <a:br>
+              <a:rPr lang="en-US" dirty="0" smtClean="0">
+                <a:solidFill>
+                  <a:schemeClr val="accent6"/>
+                </a:solidFill>
+              </a:rPr>
+            </a:br>
+            <a:r>
+              <a:rPr lang="en-US" dirty="0" smtClean="0">
+                <a:solidFill>
+                  <a:schemeClr val="accent6"/>
+                </a:solidFill>
+              </a:rPr>
+              <a:t/>
+            </a:r>
+            <a:br>
+              <a:rPr lang="en-US" dirty="0" smtClean="0">
+                <a:solidFill>
+                  <a:schemeClr val="accent6"/>
+                </a:solidFill>
+              </a:rPr>
+            </a:br>
+            <a:r>
+              <a:rPr lang="en-US" dirty="0" smtClean="0">
+                <a:solidFill>
+                  <a:schemeClr val="accent6"/>
+                </a:solidFill>
+              </a:rPr>
+              <a:t/>
+            </a:r>
+            <a:br>
+              <a:rPr lang="en-US" dirty="0" smtClean="0">
+                <a:solidFill>
+                  <a:schemeClr val="accent6"/>
+                </a:solidFill>
+              </a:rPr>
+            </a:br>
+            <a:r>
+              <a:rPr lang="en-US" dirty="0">
+                <a:solidFill>
+                  <a:schemeClr val="accent6"/>
+                </a:solidFill>
+              </a:rPr>
+              <a:t/>
+            </a:r>
+            <a:br>
+              <a:rPr lang="en-US" dirty="0">
+                <a:solidFill>
+                  <a:schemeClr val="accent6"/>
+                </a:solidFill>
+              </a:rPr>
+            </a:br>
+            <a:r>
+              <a:rPr lang="en-US" dirty="0" smtClean="0">
+                <a:solidFill>
+                  <a:schemeClr val="accent6"/>
+                </a:solidFill>
+              </a:rPr>
+              <a:t/>
+            </a:r>
+            <a:br>
+              <a:rPr lang="en-US" dirty="0" smtClean="0">
+                <a:solidFill>
+                  <a:schemeClr val="accent6"/>
+                </a:solidFill>
+              </a:rPr>
+            </a:br>
+            <a:r>
+              <a:rPr lang="en-US" dirty="0">
+                <a:solidFill>
+                  <a:schemeClr val="accent6"/>
+                </a:solidFill>
+              </a:rPr>
+              <a:t/>
+            </a:r>
+            <a:br>
+              <a:rPr lang="en-US" dirty="0">
+                <a:solidFill>
+                  <a:schemeClr val="accent6"/>
+                </a:solidFill>
+              </a:rPr>
+            </a:br>
+            <a:r>
+              <a:rPr lang="en-US" dirty="0" smtClean="0">
+                <a:solidFill>
+                  <a:schemeClr val="accent6"/>
+                </a:solidFill>
+              </a:rPr>
+              <a:t/>
+            </a:r>
+            <a:br>
+              <a:rPr lang="en-US" dirty="0" smtClean="0">
+                <a:solidFill>
+                  <a:schemeClr val="accent6"/>
+                </a:solidFill>
+              </a:rPr>
+            </a:br>
+            <a:r>
+              <a:rPr lang="en-US" dirty="0" smtClean="0">
+                <a:solidFill>
+                  <a:schemeClr val="accent6"/>
+                </a:solidFill>
+              </a:rPr>
+              <a:t>When we create a soft link, it is like an </a:t>
+            </a:r>
+            <a:r>
+              <a:rPr lang="en-US" dirty="0">
+                <a:solidFill>
+                  <a:schemeClr val="accent6"/>
+                </a:solidFill>
+              </a:rPr>
+              <a:t/>
+            </a:r>
+            <a:br>
+              <a:rPr lang="en-US" dirty="0">
+                <a:solidFill>
+                  <a:schemeClr val="accent6"/>
+                </a:solidFill>
+              </a:rPr>
+            </a:br>
+            <a:r>
+              <a:rPr lang="en-US" dirty="0" smtClean="0">
+                <a:solidFill>
+                  <a:schemeClr val="accent6"/>
+                </a:solidFill>
+              </a:rPr>
+              <a:t>alias to the file. It applies its permissions.</a:t>
+            </a:r>
+            <a:r>
+              <a:rPr lang="en-US" dirty="0">
+                <a:solidFill>
+                  <a:schemeClr val="accent6"/>
+                </a:solidFill>
+              </a:rPr>
+              <a:t/>
+            </a:r>
+            <a:br>
+              <a:rPr lang="en-US" dirty="0">
+                <a:solidFill>
+                  <a:schemeClr val="accent6"/>
+                </a:solidFill>
+              </a:rPr>
+            </a:br>
+            <a:r>
+              <a:rPr lang="en-US" dirty="0" smtClean="0">
+                <a:solidFill>
+                  <a:schemeClr val="accent6"/>
+                </a:solidFill>
+              </a:rPr>
+              <a:t/>
+            </a:r>
+            <a:br>
+              <a:rPr lang="en-US" dirty="0" smtClean="0">
+                <a:solidFill>
+                  <a:schemeClr val="accent6"/>
+                </a:solidFill>
+              </a:rPr>
+            </a:br>
+            <a:r>
+              <a:rPr lang="en-US" dirty="0" smtClean="0">
+                <a:solidFill>
+                  <a:schemeClr val="accent6"/>
+                </a:solidFill>
+              </a:rPr>
+              <a:t>When we create a hard link, it points to the </a:t>
+            </a:r>
+            <a:r>
+              <a:rPr lang="en-US" dirty="0" err="1" smtClean="0">
+                <a:solidFill>
+                  <a:schemeClr val="accent6"/>
+                </a:solidFill>
+              </a:rPr>
+              <a:t>inode</a:t>
+            </a:r>
+            <a:r>
+              <a:rPr lang="en-US" dirty="0" smtClean="0">
+                <a:solidFill>
+                  <a:schemeClr val="accent6"/>
+                </a:solidFill>
+              </a:rPr>
+              <a:t>.</a:t>
+            </a:r>
+            <a:br>
+              <a:rPr lang="en-US" dirty="0" smtClean="0">
+                <a:solidFill>
+                  <a:schemeClr val="accent6"/>
+                </a:solidFill>
+              </a:rPr>
+            </a:br>
+            <a:r>
+              <a:rPr lang="en-US" dirty="0">
+                <a:solidFill>
+                  <a:schemeClr val="accent6"/>
+                </a:solidFill>
+              </a:rPr>
+              <a:t/>
+            </a:r>
+            <a:br>
+              <a:rPr lang="en-US" dirty="0">
+                <a:solidFill>
+                  <a:schemeClr val="accent6"/>
+                </a:solidFill>
+              </a:rPr>
+            </a:br>
+            <a:r>
+              <a:rPr lang="en-US" dirty="0" smtClean="0">
+                <a:solidFill>
+                  <a:schemeClr val="accent6"/>
+                </a:solidFill>
+              </a:rPr>
+              <a:t/>
+            </a:r>
+            <a:br>
+              <a:rPr lang="en-US" dirty="0" smtClean="0">
+                <a:solidFill>
+                  <a:schemeClr val="accent6"/>
+                </a:solidFill>
+              </a:rPr>
+            </a:br>
+            <a:r>
+              <a:rPr lang="en-US" dirty="0">
+                <a:solidFill>
+                  <a:schemeClr val="accent6"/>
+                </a:solidFill>
+              </a:rPr>
+              <a:t/>
+            </a:r>
+            <a:br>
+              <a:rPr lang="en-US" dirty="0">
+                <a:solidFill>
+                  <a:schemeClr val="accent6"/>
+                </a:solidFill>
+              </a:rPr>
+            </a:br>
+            <a:r>
+              <a:rPr lang="en-US" dirty="0">
+                <a:solidFill>
+                  <a:schemeClr val="accent6"/>
+                </a:solidFill>
+              </a:rPr>
+              <a:t/>
+            </a:r>
+            <a:br>
+              <a:rPr lang="en-US" dirty="0">
+                <a:solidFill>
+                  <a:schemeClr val="accent6"/>
+                </a:solidFill>
+              </a:rPr>
+            </a:br>
+            <a:r>
+              <a:rPr lang="en-US" dirty="0" smtClean="0">
+                <a:solidFill>
+                  <a:schemeClr val="accent6"/>
+                </a:solidFill>
+              </a:rPr>
+              <a:t/>
+            </a:r>
+            <a:br>
+              <a:rPr lang="en-US" dirty="0" smtClean="0">
+                <a:solidFill>
+                  <a:schemeClr val="accent6"/>
+                </a:solidFill>
+              </a:rPr>
+            </a:br>
+            <a:endParaRPr lang="bg-BG" dirty="0">
+              <a:solidFill>
+                <a:schemeClr val="accent6"/>
+              </a:solidFill>
+            </a:endParaRPr>
+          </a:p>
+        </p:txBody>
+      </p:sp>
+      <p:pic>
+        <p:nvPicPr>
+          <p:cNvPr id="6" name="Picture 5"/>
+          <p:cNvPicPr>
+            <a:picLocks noChangeAspect="1"/>
+          </p:cNvPicPr>
+          <p:nvPr/>
+        </p:nvPicPr>
+        <p:blipFill>
+          <a:blip r:embed="rId2">
+            <a:extLst>
+              <a:ext uri="{28A0092B-C50C-407E-A947-70E740481C1C}">
+                <a14:useLocalDpi xmlns:a14="http://schemas.microsoft.com/office/drawing/2010/main" val="0"/>
+              </a:ext>
+            </a:extLst>
+          </a:blip>
+          <a:stretch>
+            <a:fillRect/>
+          </a:stretch>
+        </p:blipFill>
+        <p:spPr>
+          <a:xfrm>
+            <a:off x="1600200" y="3962400"/>
+            <a:ext cx="5410200" cy="2679660"/>
+          </a:xfrm>
+          <a:prstGeom prst="rect">
+            <a:avLst/>
+          </a:prstGeom>
+        </p:spPr>
+      </p:pic>
+    </p:spTree>
+    <p:extLst>
+      <p:ext uri="{BB962C8B-B14F-4D97-AF65-F5344CB8AC3E}">
+        <p14:creationId xmlns:p14="http://schemas.microsoft.com/office/powerpoint/2010/main" val="2910363039"/>
+      </p:ext>
+    </p:extLst>
+  </p:cSld>
+  <p:clrMapOvr>
+    <a:masterClrMapping/>
+  </p:clrMapOvr>
+  <p:timing>
+    <p:tnLst>
+      <p:par>
+        <p:cTn id="1" dur="indefinite" restart="never" nodeType="tmRoot"/>
+      </p:par>
+    </p:tnLst>
+  </p:timing>
+</p:sld>
+</file>
+
+<file path=ppt/slides/slide11.xml><?xml version="1.0" encoding="utf-8"?>
+<p:sld xmlns:a="http://schemas.openxmlformats.org/drawingml/2006/main" xmlns:r="http://schemas.openxmlformats.org/officeDocument/2006/relationships" xmlns:p="http://schemas.openxmlformats.org/presentationml/2006/main">
+  <p:cSld>
+    <p:spTree>
+      <p:nvGrpSpPr>
+        <p:cNvPr id="1" name=""/>
+        <p:cNvGrpSpPr/>
+        <p:nvPr/>
+      </p:nvGrpSpPr>
+      <p:grpSpPr>
+        <a:xfrm>
+          <a:off x="0" y="0"/>
+          <a:ext cx="0" cy="0"/>
+          <a:chOff x="0" y="0"/>
+          <a:chExt cx="0" cy="0"/>
+        </a:xfrm>
+      </p:grpSpPr>
+      <p:sp>
+        <p:nvSpPr>
+          <p:cNvPr id="2" name="Title 1"/>
+          <p:cNvSpPr>
+            <a:spLocks noGrp="1"/>
+          </p:cNvSpPr>
+          <p:nvPr>
+            <p:ph type="title"/>
+          </p:nvPr>
+        </p:nvSpPr>
+        <p:spPr>
+          <a:xfrm>
+            <a:off x="838200" y="685800"/>
+            <a:ext cx="8229600" cy="1143000"/>
+          </a:xfrm>
+        </p:spPr>
+        <p:txBody>
+          <a:bodyPr>
+            <a:normAutofit fontScale="90000"/>
+          </a:bodyPr>
+          <a:lstStyle/>
+          <a:p>
+            <a:pPr algn="l"/>
+            <a:r>
+              <a:rPr lang="en-US" dirty="0" smtClean="0">
+                <a:solidFill>
+                  <a:schemeClr val="accent6"/>
+                </a:solidFill>
+              </a:rPr>
+              <a:t/>
+            </a:r>
+            <a:br>
+              <a:rPr lang="en-US" dirty="0" smtClean="0">
+                <a:solidFill>
+                  <a:schemeClr val="accent6"/>
+                </a:solidFill>
+              </a:rPr>
+            </a:br>
+            <a:r>
+              <a:rPr lang="en-US" dirty="0">
+                <a:solidFill>
+                  <a:schemeClr val="accent6"/>
+                </a:solidFill>
+              </a:rPr>
+              <a:t/>
+            </a:r>
+            <a:br>
+              <a:rPr lang="en-US" dirty="0">
+                <a:solidFill>
+                  <a:schemeClr val="accent6"/>
+                </a:solidFill>
+              </a:rPr>
+            </a:br>
+            <a:r>
+              <a:rPr lang="en-US" dirty="0" smtClean="0">
+                <a:solidFill>
+                  <a:schemeClr val="accent6"/>
+                </a:solidFill>
+              </a:rPr>
+              <a:t/>
+            </a:r>
+            <a:br>
+              <a:rPr lang="en-US" dirty="0" smtClean="0">
+                <a:solidFill>
+                  <a:schemeClr val="accent6"/>
+                </a:solidFill>
+              </a:rPr>
+            </a:br>
+            <a:r>
+              <a:rPr lang="en-US" dirty="0" smtClean="0">
+                <a:solidFill>
+                  <a:schemeClr val="accent6"/>
+                </a:solidFill>
+              </a:rPr>
+              <a:t/>
+            </a:r>
+            <a:br>
+              <a:rPr lang="en-US" dirty="0" smtClean="0">
+                <a:solidFill>
+                  <a:schemeClr val="accent6"/>
+                </a:solidFill>
+              </a:rPr>
+            </a:br>
+            <a:r>
+              <a:rPr lang="en-US" dirty="0">
+                <a:solidFill>
+                  <a:schemeClr val="accent6"/>
+                </a:solidFill>
+              </a:rPr>
+              <a:t/>
+            </a:r>
+            <a:br>
+              <a:rPr lang="en-US" dirty="0">
+                <a:solidFill>
+                  <a:schemeClr val="accent6"/>
+                </a:solidFill>
+              </a:rPr>
+            </a:br>
+            <a:r>
+              <a:rPr lang="en-US" dirty="0" smtClean="0">
+                <a:solidFill>
+                  <a:schemeClr val="accent6"/>
+                </a:solidFill>
+              </a:rPr>
+              <a:t/>
+            </a:r>
+            <a:br>
+              <a:rPr lang="en-US" dirty="0" smtClean="0">
+                <a:solidFill>
+                  <a:schemeClr val="accent6"/>
+                </a:solidFill>
+              </a:rPr>
+            </a:br>
+            <a:r>
+              <a:rPr lang="en-US" dirty="0">
+                <a:solidFill>
+                  <a:schemeClr val="accent6"/>
+                </a:solidFill>
+              </a:rPr>
+              <a:t/>
+            </a:r>
+            <a:br>
+              <a:rPr lang="en-US" dirty="0">
+                <a:solidFill>
+                  <a:schemeClr val="accent6"/>
+                </a:solidFill>
+              </a:rPr>
+            </a:br>
+            <a:r>
+              <a:rPr lang="en-US" dirty="0" smtClean="0">
+                <a:solidFill>
+                  <a:schemeClr val="accent6"/>
+                </a:solidFill>
+              </a:rPr>
+              <a:t/>
+            </a:r>
+            <a:br>
+              <a:rPr lang="en-US" dirty="0" smtClean="0">
+                <a:solidFill>
+                  <a:schemeClr val="accent6"/>
+                </a:solidFill>
+              </a:rPr>
+            </a:br>
+            <a:r>
+              <a:rPr lang="en-US" dirty="0">
+                <a:solidFill>
+                  <a:schemeClr val="accent6"/>
+                </a:solidFill>
+              </a:rPr>
+              <a:t/>
+            </a:r>
+            <a:br>
+              <a:rPr lang="en-US" dirty="0">
+                <a:solidFill>
+                  <a:schemeClr val="accent6"/>
+                </a:solidFill>
+              </a:rPr>
+            </a:br>
+            <a:r>
+              <a:rPr lang="en-US" dirty="0" smtClean="0">
+                <a:solidFill>
+                  <a:schemeClr val="accent6"/>
+                </a:solidFill>
+              </a:rPr>
+              <a:t/>
+            </a:r>
+            <a:br>
+              <a:rPr lang="en-US" dirty="0" smtClean="0">
+                <a:solidFill>
+                  <a:schemeClr val="accent6"/>
+                </a:solidFill>
+              </a:rPr>
+            </a:br>
+            <a:r>
+              <a:rPr lang="en-US" dirty="0" smtClean="0">
+                <a:solidFill>
+                  <a:schemeClr val="accent6"/>
+                </a:solidFill>
+              </a:rPr>
+              <a:t/>
+            </a:r>
+            <a:br>
+              <a:rPr lang="en-US" dirty="0" smtClean="0">
+                <a:solidFill>
+                  <a:schemeClr val="accent6"/>
+                </a:solidFill>
+              </a:rPr>
+            </a:br>
+            <a:r>
+              <a:rPr lang="en-US" dirty="0">
+                <a:solidFill>
+                  <a:schemeClr val="accent6"/>
+                </a:solidFill>
+              </a:rPr>
+              <a:t/>
+            </a:r>
+            <a:br>
+              <a:rPr lang="en-US" dirty="0">
+                <a:solidFill>
+                  <a:schemeClr val="accent6"/>
+                </a:solidFill>
+              </a:rPr>
+            </a:br>
+            <a:endParaRPr lang="bg-BG" dirty="0">
+              <a:solidFill>
+                <a:schemeClr val="accent6"/>
+              </a:solidFill>
+            </a:endParaRPr>
+          </a:p>
+        </p:txBody>
+      </p:sp>
+      <p:pic>
+        <p:nvPicPr>
+          <p:cNvPr id="3" name="Content Placeholder 2"/>
+          <p:cNvPicPr>
+            <a:picLocks noGrp="1" noChangeAspect="1"/>
+          </p:cNvPicPr>
+          <p:nvPr>
+            <p:ph idx="1"/>
+          </p:nvPr>
+        </p:nvPicPr>
+        <p:blipFill>
+          <a:blip r:embed="rId2">
+            <a:extLst>
+              <a:ext uri="{28A0092B-C50C-407E-A947-70E740481C1C}">
+                <a14:useLocalDpi xmlns:a14="http://schemas.microsoft.com/office/drawing/2010/main" val="0"/>
+              </a:ext>
+            </a:extLst>
+          </a:blip>
+          <a:stretch>
+            <a:fillRect/>
+          </a:stretch>
+        </p:blipFill>
+        <p:spPr>
+          <a:xfrm>
+            <a:off x="228600" y="838200"/>
+            <a:ext cx="8229600" cy="3406815"/>
+          </a:xfrm>
+        </p:spPr>
+      </p:pic>
+      <p:sp>
+        <p:nvSpPr>
+          <p:cNvPr id="5" name="TextBox 4"/>
+          <p:cNvSpPr txBox="1"/>
+          <p:nvPr/>
+        </p:nvSpPr>
+        <p:spPr>
+          <a:xfrm>
+            <a:off x="1219200" y="4800600"/>
+            <a:ext cx="6324600" cy="1477328"/>
+          </a:xfrm>
+          <a:prstGeom prst="rect">
+            <a:avLst/>
+          </a:prstGeom>
+          <a:noFill/>
+        </p:spPr>
+        <p:txBody>
+          <a:bodyPr wrap="square" rtlCol="0">
+            <a:spAutoFit/>
+          </a:bodyPr>
+          <a:lstStyle/>
+          <a:p>
+            <a:r>
+              <a:rPr lang="en-US" dirty="0" smtClean="0">
+                <a:solidFill>
+                  <a:schemeClr val="accent6"/>
+                </a:solidFill>
+              </a:rPr>
+              <a:t>Create a symbolic link(soft link) with ‘</a:t>
+            </a:r>
+            <a:r>
+              <a:rPr lang="en-US" dirty="0" smtClean="0">
+                <a:solidFill>
+                  <a:schemeClr val="bg1"/>
+                </a:solidFill>
+              </a:rPr>
+              <a:t>ls –n /root/source /</a:t>
+            </a:r>
+            <a:r>
+              <a:rPr lang="en-US" dirty="0" err="1" smtClean="0">
+                <a:solidFill>
+                  <a:schemeClr val="bg1"/>
+                </a:solidFill>
+              </a:rPr>
+              <a:t>tmp</a:t>
+            </a:r>
+            <a:r>
+              <a:rPr lang="en-US" dirty="0" smtClean="0">
+                <a:solidFill>
+                  <a:schemeClr val="bg1"/>
+                </a:solidFill>
+              </a:rPr>
+              <a:t>/</a:t>
+            </a:r>
+            <a:r>
+              <a:rPr lang="en-US" dirty="0" err="1" smtClean="0">
+                <a:solidFill>
+                  <a:schemeClr val="bg1"/>
+                </a:solidFill>
+              </a:rPr>
+              <a:t>file_does_need_to_exist</a:t>
+            </a:r>
+            <a:r>
+              <a:rPr lang="en-US" dirty="0" smtClean="0">
+                <a:solidFill>
+                  <a:schemeClr val="accent6"/>
+                </a:solidFill>
+              </a:rPr>
+              <a:t>’</a:t>
+            </a:r>
+          </a:p>
+          <a:p>
+            <a:endParaRPr lang="en-US" dirty="0">
+              <a:solidFill>
+                <a:schemeClr val="accent6"/>
+              </a:solidFill>
+            </a:endParaRPr>
+          </a:p>
+          <a:p>
+            <a:r>
+              <a:rPr lang="en-US" dirty="0" smtClean="0">
+                <a:solidFill>
+                  <a:schemeClr val="accent6"/>
+                </a:solidFill>
+              </a:rPr>
+              <a:t>Create a hard link with ‘</a:t>
+            </a:r>
+            <a:r>
+              <a:rPr lang="en-US" dirty="0" smtClean="0">
+                <a:solidFill>
+                  <a:schemeClr val="bg1"/>
+                </a:solidFill>
+              </a:rPr>
+              <a:t>ln /root/source /</a:t>
+            </a:r>
+            <a:r>
+              <a:rPr lang="en-US" dirty="0" err="1" smtClean="0">
+                <a:solidFill>
+                  <a:schemeClr val="bg1"/>
+                </a:solidFill>
+              </a:rPr>
+              <a:t>tmp</a:t>
+            </a:r>
+            <a:r>
+              <a:rPr lang="en-US" dirty="0" smtClean="0">
+                <a:solidFill>
+                  <a:schemeClr val="bg1"/>
+                </a:solidFill>
+              </a:rPr>
+              <a:t>/</a:t>
+            </a:r>
+            <a:r>
+              <a:rPr lang="en-US" dirty="0" err="1" smtClean="0">
+                <a:solidFill>
+                  <a:schemeClr val="bg1"/>
+                </a:solidFill>
+              </a:rPr>
+              <a:t>file_does_not_need_to_exist</a:t>
+            </a:r>
+            <a:r>
+              <a:rPr lang="en-US" dirty="0" smtClean="0">
+                <a:solidFill>
+                  <a:schemeClr val="accent6"/>
+                </a:solidFill>
+              </a:rPr>
+              <a:t>’</a:t>
+            </a:r>
+            <a:endParaRPr lang="en-US" dirty="0">
+              <a:solidFill>
+                <a:schemeClr val="accent6"/>
+              </a:solidFill>
+            </a:endParaRPr>
+          </a:p>
+        </p:txBody>
+      </p:sp>
+    </p:spTree>
+    <p:extLst>
+      <p:ext uri="{BB962C8B-B14F-4D97-AF65-F5344CB8AC3E}">
+        <p14:creationId xmlns:p14="http://schemas.microsoft.com/office/powerpoint/2010/main" val="3327685122"/>
+      </p:ext>
+    </p:extLst>
+  </p:cSld>
+  <p:clrMapOvr>
+    <a:masterClrMapping/>
+  </p:clrMapOvr>
+  <p:timing>
+    <p:tnLst>
+      <p:par>
+        <p:cTn id="1" dur="indefinite" restart="never" nodeType="tmRoot"/>
+      </p:par>
+    </p:tnLst>
+  </p:timing>
+</p:sld>
+</file>
+
+<file path=ppt/slides/slide12.xml><?xml version="1.0" encoding="utf-8"?>
+<p:sld xmlns:a="http://schemas.openxmlformats.org/drawingml/2006/main" xmlns:r="http://schemas.openxmlformats.org/officeDocument/2006/relationships" xmlns:p="http://schemas.openxmlformats.org/presentationml/2006/main">
+  <p:cSld>
+    <p:spTree>
+      <p:nvGrpSpPr>
+        <p:cNvPr id="1" name=""/>
+        <p:cNvGrpSpPr/>
+        <p:nvPr/>
+      </p:nvGrpSpPr>
+      <p:grpSpPr>
+        <a:xfrm>
+          <a:off x="0" y="0"/>
+          <a:ext cx="0" cy="0"/>
+          <a:chOff x="0" y="0"/>
+          <a:chExt cx="0" cy="0"/>
+        </a:xfrm>
+      </p:grpSpPr>
+      <p:sp>
+        <p:nvSpPr>
+          <p:cNvPr id="2" name="Title 1"/>
+          <p:cNvSpPr>
+            <a:spLocks noGrp="1"/>
+          </p:cNvSpPr>
+          <p:nvPr>
+            <p:ph type="title"/>
+          </p:nvPr>
+        </p:nvSpPr>
+        <p:spPr/>
+        <p:txBody>
+          <a:bodyPr>
+            <a:normAutofit fontScale="90000"/>
+          </a:bodyPr>
+          <a:lstStyle/>
+          <a:p>
+            <a:r>
+              <a:rPr lang="en-US" sz="4000" dirty="0" smtClean="0">
+                <a:solidFill>
+                  <a:schemeClr val="accent6"/>
+                </a:solidFill>
+              </a:rPr>
+              <a:t/>
+            </a:r>
+            <a:br>
+              <a:rPr lang="en-US" sz="4000" dirty="0" smtClean="0">
+                <a:solidFill>
+                  <a:schemeClr val="accent6"/>
+                </a:solidFill>
+              </a:rPr>
+            </a:br>
+            <a:r>
+              <a:rPr lang="en-US" sz="4000" dirty="0">
+                <a:solidFill>
+                  <a:schemeClr val="accent6"/>
+                </a:solidFill>
+              </a:rPr>
+              <a:t/>
+            </a:r>
+            <a:br>
+              <a:rPr lang="en-US" sz="4000" dirty="0">
+                <a:solidFill>
+                  <a:schemeClr val="accent6"/>
+                </a:solidFill>
+              </a:rPr>
+            </a:br>
+            <a:r>
+              <a:rPr lang="en-US" sz="4000" dirty="0" smtClean="0">
+                <a:solidFill>
+                  <a:schemeClr val="accent6"/>
+                </a:solidFill>
+              </a:rPr>
+              <a:t/>
+            </a:r>
+            <a:br>
+              <a:rPr lang="en-US" sz="4000" dirty="0" smtClean="0">
+                <a:solidFill>
+                  <a:schemeClr val="accent6"/>
+                </a:solidFill>
+              </a:rPr>
+            </a:br>
+            <a:r>
+              <a:rPr lang="en-US" sz="2200" dirty="0">
+                <a:solidFill>
+                  <a:schemeClr val="bg1"/>
+                </a:solidFill>
+              </a:rPr>
+              <a:t/>
+            </a:r>
+            <a:br>
+              <a:rPr lang="en-US" sz="2200" dirty="0">
+                <a:solidFill>
+                  <a:schemeClr val="bg1"/>
+                </a:solidFill>
+              </a:rPr>
+            </a:br>
+            <a:r>
+              <a:rPr lang="en-US" sz="2200" dirty="0" smtClean="0">
+                <a:solidFill>
+                  <a:schemeClr val="bg1"/>
+                </a:solidFill>
+              </a:rPr>
+              <a:t/>
+            </a:r>
+            <a:br>
+              <a:rPr lang="en-US" sz="2200" dirty="0" smtClean="0">
+                <a:solidFill>
+                  <a:schemeClr val="bg1"/>
+                </a:solidFill>
+              </a:rPr>
+            </a:br>
+            <a:r>
+              <a:rPr lang="en-US" sz="2200" dirty="0">
+                <a:solidFill>
+                  <a:schemeClr val="bg1"/>
+                </a:solidFill>
+              </a:rPr>
+              <a:t/>
+            </a:r>
+            <a:br>
+              <a:rPr lang="en-US" sz="2200" dirty="0">
+                <a:solidFill>
+                  <a:schemeClr val="bg1"/>
+                </a:solidFill>
+              </a:rPr>
+            </a:br>
+            <a:r>
+              <a:rPr lang="en-US" sz="2200" dirty="0" smtClean="0">
+                <a:solidFill>
+                  <a:schemeClr val="bg1"/>
+                </a:solidFill>
+              </a:rPr>
+              <a:t/>
+            </a:r>
+            <a:br>
+              <a:rPr lang="en-US" sz="2200" dirty="0" smtClean="0">
+                <a:solidFill>
+                  <a:schemeClr val="bg1"/>
+                </a:solidFill>
+              </a:rPr>
+            </a:br>
+            <a:r>
+              <a:rPr lang="en-US" sz="2200" dirty="0">
+                <a:solidFill>
+                  <a:schemeClr val="bg1"/>
+                </a:solidFill>
+              </a:rPr>
+              <a:t/>
+            </a:r>
+            <a:br>
+              <a:rPr lang="en-US" sz="2200" dirty="0">
+                <a:solidFill>
+                  <a:schemeClr val="bg1"/>
+                </a:solidFill>
+              </a:rPr>
+            </a:br>
+            <a:r>
+              <a:rPr lang="en-US" sz="2200" dirty="0" smtClean="0">
+                <a:solidFill>
+                  <a:schemeClr val="bg1"/>
+                </a:solidFill>
+              </a:rPr>
+              <a:t/>
+            </a:r>
+            <a:br>
+              <a:rPr lang="en-US" sz="2200" dirty="0" smtClean="0">
+                <a:solidFill>
+                  <a:schemeClr val="bg1"/>
+                </a:solidFill>
+              </a:rPr>
+            </a:br>
+            <a:r>
+              <a:rPr lang="en-US" sz="2200" dirty="0">
+                <a:solidFill>
+                  <a:schemeClr val="bg1"/>
+                </a:solidFill>
+              </a:rPr>
+              <a:t/>
+            </a:r>
+            <a:br>
+              <a:rPr lang="en-US" sz="2200" dirty="0">
+                <a:solidFill>
+                  <a:schemeClr val="bg1"/>
+                </a:solidFill>
+              </a:rPr>
+            </a:br>
+            <a:r>
+              <a:rPr lang="en-US" sz="2200" dirty="0" smtClean="0">
+                <a:solidFill>
+                  <a:schemeClr val="bg1"/>
+                </a:solidFill>
+              </a:rPr>
+              <a:t/>
+            </a:r>
+            <a:br>
+              <a:rPr lang="en-US" sz="2200" dirty="0" smtClean="0">
+                <a:solidFill>
+                  <a:schemeClr val="bg1"/>
+                </a:solidFill>
+              </a:rPr>
+            </a:br>
+            <a:r>
+              <a:rPr lang="en-US" sz="2200" dirty="0">
+                <a:solidFill>
+                  <a:schemeClr val="bg1"/>
+                </a:solidFill>
+              </a:rPr>
+              <a:t/>
+            </a:r>
+            <a:br>
+              <a:rPr lang="en-US" sz="2200" dirty="0">
+                <a:solidFill>
+                  <a:schemeClr val="bg1"/>
+                </a:solidFill>
+              </a:rPr>
+            </a:br>
+            <a:r>
+              <a:rPr lang="en-US" sz="2200" dirty="0" smtClean="0">
+                <a:solidFill>
+                  <a:schemeClr val="bg1"/>
+                </a:solidFill>
+              </a:rPr>
+              <a:t/>
+            </a:r>
+            <a:br>
+              <a:rPr lang="en-US" sz="2200" dirty="0" smtClean="0">
+                <a:solidFill>
+                  <a:schemeClr val="bg1"/>
+                </a:solidFill>
+              </a:rPr>
+            </a:br>
+            <a:r>
+              <a:rPr lang="en-US" sz="2200" dirty="0">
+                <a:solidFill>
+                  <a:schemeClr val="bg1"/>
+                </a:solidFill>
+              </a:rPr>
+              <a:t/>
+            </a:r>
+            <a:br>
+              <a:rPr lang="en-US" sz="2200" dirty="0">
+                <a:solidFill>
+                  <a:schemeClr val="bg1"/>
+                </a:solidFill>
+              </a:rPr>
+            </a:br>
+            <a:r>
+              <a:rPr lang="en-US" sz="2200" dirty="0" smtClean="0">
+                <a:solidFill>
+                  <a:schemeClr val="bg1"/>
+                </a:solidFill>
+              </a:rPr>
+              <a:t/>
+            </a:r>
+            <a:br>
+              <a:rPr lang="en-US" sz="2200" dirty="0" smtClean="0">
+                <a:solidFill>
+                  <a:schemeClr val="bg1"/>
+                </a:solidFill>
+              </a:rPr>
+            </a:br>
+            <a:r>
+              <a:rPr lang="en-US" sz="2200" dirty="0" smtClean="0">
+                <a:solidFill>
+                  <a:srgbClr val="FF0000"/>
+                </a:solidFill>
+              </a:rPr>
+              <a:t>Exercises:</a:t>
+            </a:r>
+            <a:r>
+              <a:rPr lang="en-US" sz="2200" dirty="0" smtClean="0">
+                <a:solidFill>
+                  <a:schemeClr val="bg1"/>
+                </a:solidFill>
+              </a:rPr>
+              <a:t/>
+            </a:r>
+            <a:br>
+              <a:rPr lang="en-US" sz="2200" dirty="0" smtClean="0">
+                <a:solidFill>
+                  <a:schemeClr val="bg1"/>
+                </a:solidFill>
+              </a:rPr>
+            </a:br>
+            <a:r>
+              <a:rPr lang="en-US" sz="2200" dirty="0" smtClean="0">
+                <a:solidFill>
+                  <a:schemeClr val="accent6"/>
+                </a:solidFill>
+              </a:rPr>
+              <a:t>1. Create two files =&gt; </a:t>
+            </a:r>
+            <a:r>
+              <a:rPr lang="en-US" sz="2200" dirty="0" err="1" smtClean="0">
+                <a:solidFill>
+                  <a:schemeClr val="accent6"/>
+                </a:solidFill>
+              </a:rPr>
+              <a:t>first_file</a:t>
+            </a:r>
+            <a:r>
+              <a:rPr lang="en-US" sz="2200" dirty="0" smtClean="0">
+                <a:solidFill>
+                  <a:schemeClr val="accent6"/>
+                </a:solidFill>
+              </a:rPr>
+              <a:t> and </a:t>
+            </a:r>
+            <a:r>
+              <a:rPr lang="en-US" sz="2200" dirty="0" err="1" smtClean="0">
+                <a:solidFill>
+                  <a:schemeClr val="accent6"/>
+                </a:solidFill>
+              </a:rPr>
+              <a:t>second_file</a:t>
+            </a:r>
+            <a:r>
+              <a:rPr lang="en-US" sz="2200" dirty="0" smtClean="0">
+                <a:solidFill>
+                  <a:schemeClr val="accent6"/>
+                </a:solidFill>
+              </a:rPr>
+              <a:t>.</a:t>
+            </a:r>
+            <a:br>
+              <a:rPr lang="en-US" sz="2200" dirty="0" smtClean="0">
+                <a:solidFill>
+                  <a:schemeClr val="accent6"/>
+                </a:solidFill>
+              </a:rPr>
+            </a:br>
+            <a:r>
+              <a:rPr lang="en-US" sz="2200" dirty="0" smtClean="0">
+                <a:solidFill>
+                  <a:schemeClr val="accent6"/>
+                </a:solidFill>
+              </a:rPr>
+              <a:t>2. Create a </a:t>
+            </a:r>
+            <a:r>
+              <a:rPr lang="en-US" sz="2200" dirty="0" err="1" smtClean="0">
+                <a:solidFill>
+                  <a:schemeClr val="accent6"/>
+                </a:solidFill>
+              </a:rPr>
+              <a:t>symlink</a:t>
+            </a:r>
+            <a:r>
+              <a:rPr lang="en-US" sz="2200" dirty="0" smtClean="0">
+                <a:solidFill>
+                  <a:schemeClr val="accent6"/>
+                </a:solidFill>
+              </a:rPr>
+              <a:t> to </a:t>
+            </a:r>
+            <a:r>
+              <a:rPr lang="en-US" sz="2200" dirty="0" err="1" smtClean="0">
+                <a:solidFill>
+                  <a:schemeClr val="accent6"/>
+                </a:solidFill>
+              </a:rPr>
+              <a:t>first_file</a:t>
+            </a:r>
+            <a:r>
+              <a:rPr lang="en-US" sz="2200" dirty="0" smtClean="0">
+                <a:solidFill>
+                  <a:schemeClr val="accent6"/>
+                </a:solidFill>
+              </a:rPr>
+              <a:t>.</a:t>
+            </a:r>
+            <a:br>
+              <a:rPr lang="en-US" sz="2200" dirty="0" smtClean="0">
+                <a:solidFill>
+                  <a:schemeClr val="accent6"/>
+                </a:solidFill>
+              </a:rPr>
+            </a:br>
+            <a:r>
+              <a:rPr lang="en-US" sz="2200" dirty="0" smtClean="0">
+                <a:solidFill>
+                  <a:schemeClr val="accent6"/>
+                </a:solidFill>
+              </a:rPr>
+              <a:t>3. Get the output of ‘</a:t>
+            </a:r>
+            <a:r>
+              <a:rPr lang="en-US" sz="2200" dirty="0" smtClean="0">
+                <a:solidFill>
+                  <a:schemeClr val="bg1"/>
+                </a:solidFill>
+              </a:rPr>
+              <a:t>ls –li </a:t>
+            </a:r>
+            <a:r>
+              <a:rPr lang="en-US" sz="2200" dirty="0" err="1" smtClean="0">
+                <a:solidFill>
+                  <a:schemeClr val="bg1"/>
+                </a:solidFill>
+              </a:rPr>
+              <a:t>first_file</a:t>
+            </a:r>
+            <a:r>
+              <a:rPr lang="en-US" sz="2200" dirty="0" smtClean="0">
+                <a:solidFill>
+                  <a:schemeClr val="accent6"/>
+                </a:solidFill>
+              </a:rPr>
+              <a:t>’</a:t>
+            </a:r>
+            <a:r>
+              <a:rPr lang="en-US" sz="2200" dirty="0" smtClean="0">
+                <a:solidFill>
+                  <a:schemeClr val="bg1"/>
+                </a:solidFill>
+              </a:rPr>
+              <a:t/>
+            </a:r>
+            <a:br>
+              <a:rPr lang="en-US" sz="2200" dirty="0" smtClean="0">
+                <a:solidFill>
+                  <a:schemeClr val="bg1"/>
+                </a:solidFill>
+              </a:rPr>
+            </a:br>
+            <a:r>
+              <a:rPr lang="en-US" sz="2200" dirty="0" smtClean="0">
+                <a:solidFill>
+                  <a:schemeClr val="accent6"/>
+                </a:solidFill>
+              </a:rPr>
+              <a:t>4. Get the output of ‘</a:t>
+            </a:r>
+            <a:r>
+              <a:rPr lang="en-US" sz="2200" dirty="0" smtClean="0">
+                <a:solidFill>
+                  <a:schemeClr val="bg1"/>
+                </a:solidFill>
+              </a:rPr>
+              <a:t>ls –li </a:t>
+            </a:r>
+            <a:r>
+              <a:rPr lang="en-US" sz="2200" dirty="0" err="1" smtClean="0">
+                <a:solidFill>
+                  <a:schemeClr val="bg1"/>
+                </a:solidFill>
+              </a:rPr>
+              <a:t>newly_soft_link</a:t>
+            </a:r>
+            <a:r>
+              <a:rPr lang="en-US" sz="2200" dirty="0" smtClean="0">
+                <a:solidFill>
+                  <a:schemeClr val="accent6"/>
+                </a:solidFill>
+              </a:rPr>
+              <a:t>’</a:t>
+            </a:r>
+            <a:br>
+              <a:rPr lang="en-US" sz="2200" dirty="0" smtClean="0">
+                <a:solidFill>
+                  <a:schemeClr val="accent6"/>
+                </a:solidFill>
+              </a:rPr>
+            </a:br>
+            <a:r>
+              <a:rPr lang="en-US" sz="2200" dirty="0" smtClean="0">
+                <a:solidFill>
+                  <a:schemeClr val="accent6"/>
+                </a:solidFill>
+              </a:rPr>
+              <a:t>5. Do you see the pointer ?</a:t>
+            </a:r>
+            <a:br>
+              <a:rPr lang="en-US" sz="2200" dirty="0" smtClean="0">
+                <a:solidFill>
+                  <a:schemeClr val="accent6"/>
+                </a:solidFill>
+              </a:rPr>
+            </a:br>
+            <a:r>
+              <a:rPr lang="en-US" sz="2200" dirty="0" smtClean="0">
+                <a:solidFill>
+                  <a:schemeClr val="accent6"/>
+                </a:solidFill>
+              </a:rPr>
+              <a:t>6. Create a hard link to second file.</a:t>
+            </a:r>
+            <a:br>
+              <a:rPr lang="en-US" sz="2200" dirty="0" smtClean="0">
+                <a:solidFill>
+                  <a:schemeClr val="accent6"/>
+                </a:solidFill>
+              </a:rPr>
+            </a:br>
+            <a:r>
+              <a:rPr lang="en-US" sz="2200" dirty="0" smtClean="0">
+                <a:solidFill>
+                  <a:schemeClr val="accent6"/>
+                </a:solidFill>
+              </a:rPr>
+              <a:t>7. Repeat step 3 and 4.</a:t>
+            </a:r>
+            <a:br>
+              <a:rPr lang="en-US" sz="2200" dirty="0" smtClean="0">
+                <a:solidFill>
+                  <a:schemeClr val="accent6"/>
+                </a:solidFill>
+              </a:rPr>
+            </a:br>
+            <a:r>
+              <a:rPr lang="en-US" sz="2200" dirty="0" smtClean="0">
+                <a:solidFill>
+                  <a:schemeClr val="accent6"/>
+                </a:solidFill>
+              </a:rPr>
+              <a:t>8. Do you see the same number and counter ?</a:t>
+            </a:r>
+            <a:br>
+              <a:rPr lang="en-US" sz="2200" dirty="0" smtClean="0">
+                <a:solidFill>
+                  <a:schemeClr val="accent6"/>
+                </a:solidFill>
+              </a:rPr>
+            </a:br>
+            <a:r>
+              <a:rPr lang="en-US" sz="2200" dirty="0" smtClean="0">
+                <a:solidFill>
+                  <a:schemeClr val="accent6"/>
+                </a:solidFill>
+              </a:rPr>
+              <a:t>9. Remove </a:t>
+            </a:r>
+            <a:r>
+              <a:rPr lang="en-US" sz="2200" dirty="0" err="1" smtClean="0">
+                <a:solidFill>
+                  <a:schemeClr val="accent6"/>
+                </a:solidFill>
+              </a:rPr>
+              <a:t>second_file</a:t>
+            </a:r>
+            <a:r>
+              <a:rPr lang="en-US" sz="2200" dirty="0" smtClean="0">
+                <a:solidFill>
+                  <a:schemeClr val="accent6"/>
+                </a:solidFill>
+              </a:rPr>
+              <a:t>, do the new hard link remained ? </a:t>
+            </a:r>
+            <a:br>
+              <a:rPr lang="en-US" sz="2200" dirty="0" smtClean="0">
+                <a:solidFill>
+                  <a:schemeClr val="accent6"/>
+                </a:solidFill>
+              </a:rPr>
+            </a:br>
+            <a:r>
+              <a:rPr lang="en-US" sz="2200" dirty="0" smtClean="0">
+                <a:solidFill>
+                  <a:schemeClr val="accent6"/>
+                </a:solidFill>
+              </a:rPr>
+              <a:t>10. Repeat step 3 for the new hard link. </a:t>
+            </a:r>
+            <a:endParaRPr lang="en-US" sz="2200" dirty="0">
+              <a:solidFill>
+                <a:schemeClr val="accent6"/>
+              </a:solidFill>
+            </a:endParaRPr>
+          </a:p>
+        </p:txBody>
+      </p:sp>
+    </p:spTree>
+    <p:extLst>
+      <p:ext uri="{BB962C8B-B14F-4D97-AF65-F5344CB8AC3E}">
+        <p14:creationId xmlns:p14="http://schemas.microsoft.com/office/powerpoint/2010/main" val="387819616"/>
+      </p:ext>
+    </p:extLst>
+  </p:cSld>
+  <p:clrMapOvr>
+    <a:masterClrMapping/>
+  </p:clrMapOvr>
+  <p:timing>
+    <p:tnLst>
+      <p:par>
+        <p:cTn id="1" dur="indefinite" restart="never" nodeType="tmRoot"/>
+      </p:par>
+    </p:tnLst>
+  </p:timing>
+</p:sld>
+</file>
+
+<file path=ppt/slides/slide13.xml><?xml version="1.0" encoding="utf-8"?>
+<p:sld xmlns:a="http://schemas.openxmlformats.org/drawingml/2006/main" xmlns:r="http://schemas.openxmlformats.org/officeDocument/2006/relationships" xmlns:p="http://schemas.openxmlformats.org/presentationml/2006/main">
+  <p:cSld>
+    <p:spTree>
+      <p:nvGrpSpPr>
+        <p:cNvPr id="1" name=""/>
+        <p:cNvGrpSpPr/>
+        <p:nvPr/>
+      </p:nvGrpSpPr>
+      <p:grpSpPr>
+        <a:xfrm>
+          <a:off x="0" y="0"/>
+          <a:ext cx="0" cy="0"/>
+          <a:chOff x="0" y="0"/>
+          <a:chExt cx="0" cy="0"/>
+        </a:xfrm>
+      </p:grpSpPr>
+      <p:sp>
+        <p:nvSpPr>
+          <p:cNvPr id="2" name="Title 1"/>
+          <p:cNvSpPr>
+            <a:spLocks noGrp="1"/>
+          </p:cNvSpPr>
+          <p:nvPr>
+            <p:ph type="title"/>
+          </p:nvPr>
+        </p:nvSpPr>
         <p:spPr/>
         <p:txBody>
           <a:bodyPr/>
@@ -3503,15 +5344,7 @@
                   <a:schemeClr val="bg1"/>
                 </a:solidFill>
               </a:rPr>
-              <a:t>tar </a:t>
-            </a:r>
-            <a:r>
-              <a:rPr lang="en-US" dirty="0" smtClean="0">
-                <a:solidFill>
-                  <a:schemeClr val="bg1"/>
-                </a:solidFill>
-              </a:rPr>
-              <a:t>–</a:t>
+              <a:t>tar –</a:t>
             </a:r>
             <a:r>
               <a:rPr lang="en-US" dirty="0" err="1" smtClean="0">
@@ -3527,15 +5360,7 @@
                   <a:schemeClr val="bg1"/>
                 </a:solidFill>
               </a:rPr>
-              <a:t> /root/homes.tar /</a:t>
-            </a:r>
-            <a:r>
-              <a:rPr lang="en-US" dirty="0" smtClean="0">
-                <a:solidFill>
-                  <a:schemeClr val="bg1"/>
-                </a:solidFill>
-              </a:rPr>
-              <a:t>home</a:t>
+              <a:t> /root/homes.tar /home</a:t>
             </a:r>
             <a:r>
               <a:rPr lang="en-US" dirty="0" smtClean="0">
@@ -3564,15 +5389,7 @@
                   <a:schemeClr val="accent6"/>
                 </a:solidFill>
               </a:rPr>
-              <a:t>ou </a:t>
-            </a:r>
-            <a:r>
-              <a:rPr lang="en-US" dirty="0" smtClean="0">
-                <a:solidFill>
-                  <a:schemeClr val="accent6"/>
-                </a:solidFill>
-              </a:rPr>
-              <a:t>could add </a:t>
+              <a:t>ou could add </a:t>
             </a:r>
             <a:r>
               <a:rPr lang="en-US" dirty="0" smtClean="0">
@@ -3742,7 +5559,7 @@
 </p:sld>
 </file>
 
-<file path=ppt/slides/slide11.xml><?xml version="1.0" encoding="utf-8"?>
+<file path=ppt/slides/slide14.xml><?xml version="1.0" encoding="utf-8"?>
 <p:sld xmlns:a="http://schemas.openxmlformats.org/drawingml/2006/main" xmlns:r="http://schemas.openxmlformats.org/officeDocument/2006/relationships" xmlns:p="http://schemas.openxmlformats.org/presentationml/2006/main">
   <p:cSld>
     <p:spTree>
@@ -4191,7 +6008,7 @@
 </p:sld>
 </file>
 
-<file path=ppt/slides/slide12.xml><?xml version="1.0" encoding="utf-8"?>
+<file path=ppt/slides/slide15.xml><?xml version="1.0" encoding="utf-8"?>
 <p:sld xmlns:a="http://schemas.openxmlformats.org/drawingml/2006/main" xmlns:r="http://schemas.openxmlformats.org/officeDocument/2006/relationships" xmlns:p="http://schemas.openxmlformats.org/presentationml/2006/main">
   <p:cSld>
     <p:spTree>
@@ -4621,6 +6438,1236 @@
             <p:ph type="title"/>
           </p:nvPr>
         </p:nvSpPr>
+        <p:spPr/>
+        <p:txBody>
+          <a:bodyPr>
+            <a:normAutofit fontScale="90000"/>
+          </a:bodyPr>
+          <a:lstStyle/>
+          <a:p>
+            <a:r>
+              <a:rPr lang="en-US" dirty="0" smtClean="0">
+                <a:solidFill>
+                  <a:schemeClr val="accent6"/>
+                </a:solidFill>
+              </a:rPr>
+              <a:t/>
+            </a:r>
+            <a:br>
+              <a:rPr lang="en-US" dirty="0" smtClean="0">
+                <a:solidFill>
+                  <a:schemeClr val="accent6"/>
+                </a:solidFill>
+              </a:rPr>
+            </a:br>
+            <a:r>
+              <a:rPr lang="en-US" dirty="0">
+                <a:solidFill>
+                  <a:schemeClr val="accent6"/>
+                </a:solidFill>
+              </a:rPr>
+              <a:t/>
+            </a:r>
+            <a:br>
+              <a:rPr lang="en-US" dirty="0">
+                <a:solidFill>
+                  <a:schemeClr val="accent6"/>
+                </a:solidFill>
+              </a:rPr>
+            </a:br>
+            <a:r>
+              <a:rPr lang="en-US" dirty="0" smtClean="0">
+                <a:solidFill>
+                  <a:schemeClr val="accent6"/>
+                </a:solidFill>
+              </a:rPr>
+              <a:t/>
+            </a:r>
+            <a:br>
+              <a:rPr lang="en-US" dirty="0" smtClean="0">
+                <a:solidFill>
+                  <a:schemeClr val="accent6"/>
+                </a:solidFill>
+              </a:rPr>
+            </a:br>
+            <a:r>
+              <a:rPr lang="en-US" dirty="0" smtClean="0">
+                <a:solidFill>
+                  <a:schemeClr val="accent6"/>
+                </a:solidFill>
+              </a:rPr>
+              <a:t/>
+            </a:r>
+            <a:br>
+              <a:rPr lang="en-US" dirty="0" smtClean="0">
+                <a:solidFill>
+                  <a:schemeClr val="accent6"/>
+                </a:solidFill>
+              </a:rPr>
+            </a:br>
+            <a:r>
+              <a:rPr lang="en-US" dirty="0">
+                <a:solidFill>
+                  <a:schemeClr val="accent6"/>
+                </a:solidFill>
+              </a:rPr>
+              <a:t/>
+            </a:r>
+            <a:br>
+              <a:rPr lang="en-US" dirty="0">
+                <a:solidFill>
+                  <a:schemeClr val="accent6"/>
+                </a:solidFill>
+              </a:rPr>
+            </a:br>
+            <a:r>
+              <a:rPr lang="en-US" dirty="0" smtClean="0">
+                <a:solidFill>
+                  <a:schemeClr val="accent6"/>
+                </a:solidFill>
+              </a:rPr>
+              <a:t/>
+            </a:r>
+            <a:br>
+              <a:rPr lang="en-US" dirty="0" smtClean="0">
+                <a:solidFill>
+                  <a:schemeClr val="accent6"/>
+                </a:solidFill>
+              </a:rPr>
+            </a:br>
+            <a:r>
+              <a:rPr lang="en-US" dirty="0">
+                <a:solidFill>
+                  <a:schemeClr val="accent6"/>
+                </a:solidFill>
+              </a:rPr>
+              <a:t/>
+            </a:r>
+            <a:br>
+              <a:rPr lang="en-US" dirty="0">
+                <a:solidFill>
+                  <a:schemeClr val="accent6"/>
+                </a:solidFill>
+              </a:rPr>
+            </a:br>
+            <a:r>
+              <a:rPr lang="en-US" dirty="0" smtClean="0">
+                <a:solidFill>
+                  <a:schemeClr val="accent6"/>
+                </a:solidFill>
+              </a:rPr>
+              <a:t/>
+            </a:r>
+            <a:br>
+              <a:rPr lang="en-US" dirty="0" smtClean="0">
+                <a:solidFill>
+                  <a:schemeClr val="accent6"/>
+                </a:solidFill>
+              </a:rPr>
+            </a:br>
+            <a:r>
+              <a:rPr lang="en-US" dirty="0">
+                <a:solidFill>
+                  <a:schemeClr val="accent6"/>
+                </a:solidFill>
+              </a:rPr>
+              <a:t/>
+            </a:r>
+            <a:br>
+              <a:rPr lang="en-US" dirty="0">
+                <a:solidFill>
+                  <a:schemeClr val="accent6"/>
+                </a:solidFill>
+              </a:rPr>
+            </a:br>
+            <a:r>
+              <a:rPr lang="en-US" dirty="0" smtClean="0">
+                <a:solidFill>
+                  <a:schemeClr val="accent6"/>
+                </a:solidFill>
+              </a:rPr>
+              <a:t/>
+            </a:r>
+            <a:br>
+              <a:rPr lang="en-US" dirty="0" smtClean="0">
+                <a:solidFill>
+                  <a:schemeClr val="accent6"/>
+                </a:solidFill>
+              </a:rPr>
+            </a:br>
+            <a:r>
+              <a:rPr lang="en-US" dirty="0">
+                <a:solidFill>
+                  <a:schemeClr val="accent6"/>
+                </a:solidFill>
+              </a:rPr>
+              <a:t/>
+            </a:r>
+            <a:br>
+              <a:rPr lang="en-US" dirty="0">
+                <a:solidFill>
+                  <a:schemeClr val="accent6"/>
+                </a:solidFill>
+              </a:rPr>
+            </a:br>
+            <a:r>
+              <a:rPr lang="en-US" dirty="0" smtClean="0">
+                <a:solidFill>
+                  <a:schemeClr val="accent6"/>
+                </a:solidFill>
+              </a:rPr>
+              <a:t/>
+            </a:r>
+            <a:br>
+              <a:rPr lang="en-US" dirty="0" smtClean="0">
+                <a:solidFill>
+                  <a:schemeClr val="accent6"/>
+                </a:solidFill>
+              </a:rPr>
+            </a:br>
+            <a:r>
+              <a:rPr lang="en-US" sz="3600" dirty="0" smtClean="0">
+                <a:solidFill>
+                  <a:schemeClr val="accent6"/>
+                </a:solidFill>
+              </a:rPr>
+              <a:t>The ‘</a:t>
+            </a:r>
+            <a:r>
+              <a:rPr lang="en-US" sz="3600" dirty="0" smtClean="0">
+                <a:solidFill>
+                  <a:schemeClr val="bg1"/>
+                </a:solidFill>
+              </a:rPr>
+              <a:t>/</a:t>
+            </a:r>
+            <a:r>
+              <a:rPr lang="en-US" sz="3600" dirty="0" smtClean="0">
+                <a:solidFill>
+                  <a:schemeClr val="accent6"/>
+                </a:solidFill>
+              </a:rPr>
+              <a:t>’ character is also used as a directory separator in file names. For example, ’</a:t>
+            </a:r>
+            <a:r>
+              <a:rPr lang="en-US" sz="3600" dirty="0" err="1" smtClean="0">
+                <a:solidFill>
+                  <a:schemeClr val="bg1"/>
+                </a:solidFill>
+              </a:rPr>
+              <a:t>etc</a:t>
+            </a:r>
+            <a:r>
+              <a:rPr lang="en-US" sz="3600" dirty="0" smtClean="0">
+                <a:solidFill>
+                  <a:schemeClr val="accent6"/>
+                </a:solidFill>
+              </a:rPr>
+              <a:t>’ is a subdirectory of the ‘</a:t>
+            </a:r>
+            <a:r>
+              <a:rPr lang="en-US" sz="3600" dirty="0" smtClean="0">
+                <a:solidFill>
+                  <a:schemeClr val="bg1"/>
+                </a:solidFill>
+              </a:rPr>
+              <a:t>/</a:t>
+            </a:r>
+            <a:r>
+              <a:rPr lang="en-US" sz="3600" dirty="0" smtClean="0">
+                <a:solidFill>
+                  <a:schemeClr val="accent6"/>
+                </a:solidFill>
+              </a:rPr>
+              <a:t>’ directory, we could call it like ‘</a:t>
+            </a:r>
+            <a:r>
+              <a:rPr lang="en-US" sz="3600" dirty="0" smtClean="0">
+                <a:solidFill>
+                  <a:schemeClr val="bg1"/>
+                </a:solidFill>
+              </a:rPr>
+              <a:t>/</a:t>
+            </a:r>
+            <a:r>
+              <a:rPr lang="en-US" sz="3600" dirty="0" err="1" smtClean="0">
+                <a:solidFill>
+                  <a:schemeClr val="bg1"/>
+                </a:solidFill>
+              </a:rPr>
+              <a:t>etc</a:t>
+            </a:r>
+            <a:r>
+              <a:rPr lang="en-US" sz="3600" dirty="0" smtClean="0">
+                <a:solidFill>
+                  <a:schemeClr val="accent6"/>
+                </a:solidFill>
+              </a:rPr>
+              <a:t>’.</a:t>
+            </a:r>
+            <a:br>
+              <a:rPr lang="en-US" sz="3600" dirty="0" smtClean="0">
+                <a:solidFill>
+                  <a:schemeClr val="accent6"/>
+                </a:solidFill>
+              </a:rPr>
+            </a:br>
+            <a:r>
+              <a:rPr lang="en-US" sz="3600" dirty="0">
+                <a:solidFill>
+                  <a:schemeClr val="accent6"/>
+                </a:solidFill>
+              </a:rPr>
+              <a:t/>
+            </a:r>
+            <a:br>
+              <a:rPr lang="en-US" sz="3600" dirty="0">
+                <a:solidFill>
+                  <a:schemeClr val="accent6"/>
+                </a:solidFill>
+              </a:rPr>
+            </a:br>
+            <a:r>
+              <a:rPr lang="en-US" sz="3600" dirty="0" smtClean="0">
+                <a:solidFill>
+                  <a:schemeClr val="accent6"/>
+                </a:solidFill>
+              </a:rPr>
+              <a:t>Subdirectories of ‘</a:t>
+            </a:r>
+            <a:r>
+              <a:rPr lang="en-US" sz="3600" dirty="0" smtClean="0">
+                <a:solidFill>
+                  <a:schemeClr val="bg1"/>
+                </a:solidFill>
+              </a:rPr>
+              <a:t>/</a:t>
+            </a:r>
+            <a:r>
+              <a:rPr lang="en-US" sz="3600" dirty="0" smtClean="0">
+                <a:solidFill>
+                  <a:schemeClr val="accent6"/>
+                </a:solidFill>
+              </a:rPr>
+              <a:t>’ are used for standardized purposes to organize files by types and purpose. This makes it easier to find files. For example, in the root directory, the subdirectory ‘</a:t>
+            </a:r>
+            <a:r>
+              <a:rPr lang="en-US" sz="3600" dirty="0" smtClean="0">
+                <a:solidFill>
+                  <a:schemeClr val="bg1"/>
+                </a:solidFill>
+              </a:rPr>
+              <a:t>/boot</a:t>
+            </a:r>
+            <a:r>
+              <a:rPr lang="en-US" sz="3600" dirty="0" smtClean="0">
+                <a:solidFill>
+                  <a:schemeClr val="accent6"/>
+                </a:solidFill>
+              </a:rPr>
+              <a:t>’ is used for storing files needed to boot the system.</a:t>
+            </a:r>
+            <a:endParaRPr lang="en-US" sz="3600" dirty="0">
+              <a:solidFill>
+                <a:schemeClr val="accent6"/>
+              </a:solidFill>
+            </a:endParaRPr>
+          </a:p>
+        </p:txBody>
+      </p:sp>
+    </p:spTree>
+    <p:extLst>
+      <p:ext uri="{BB962C8B-B14F-4D97-AF65-F5344CB8AC3E}">
+        <p14:creationId xmlns:p14="http://schemas.microsoft.com/office/powerpoint/2010/main" val="107088317"/>
+      </p:ext>
+    </p:extLst>
+  </p:cSld>
+  <p:clrMapOvr>
+    <a:masterClrMapping/>
+  </p:clrMapOvr>
+</p:sld>
+</file>
+
+<file path=ppt/slides/slide3.xml><?xml version="1.0" encoding="utf-8"?>
+<p:sld xmlns:a="http://schemas.openxmlformats.org/drawingml/2006/main" xmlns:r="http://schemas.openxmlformats.org/officeDocument/2006/relationships" xmlns:p="http://schemas.openxmlformats.org/presentationml/2006/main">
+  <p:cSld>
+    <p:spTree>
+      <p:nvGrpSpPr>
+        <p:cNvPr id="1" name=""/>
+        <p:cNvGrpSpPr/>
+        <p:nvPr/>
+      </p:nvGrpSpPr>
+      <p:grpSpPr>
+        <a:xfrm>
+          <a:off x="0" y="0"/>
+          <a:ext cx="0" cy="0"/>
+          <a:chOff x="0" y="0"/>
+          <a:chExt cx="0" cy="0"/>
+        </a:xfrm>
+      </p:grpSpPr>
+      <p:sp>
+        <p:nvSpPr>
+          <p:cNvPr id="2" name="Title 1"/>
+          <p:cNvSpPr>
+            <a:spLocks noGrp="1"/>
+          </p:cNvSpPr>
+          <p:nvPr>
+            <p:ph type="title"/>
+          </p:nvPr>
+        </p:nvSpPr>
+        <p:spPr/>
+        <p:txBody>
+          <a:bodyPr/>
+          <a:lstStyle/>
+          <a:p>
+            <a:endParaRPr lang="en-US" dirty="0"/>
+          </a:p>
+        </p:txBody>
+      </p:sp>
+      <p:graphicFrame>
+        <p:nvGraphicFramePr>
+          <p:cNvPr id="4" name="Content Placeholder 3"/>
+          <p:cNvGraphicFramePr>
+            <a:graphicFrameLocks noGrp="1"/>
+          </p:cNvGraphicFramePr>
+          <p:nvPr>
+            <p:ph idx="1"/>
+            <p:extLst>
+              <p:ext uri="{D42A27DB-BD31-4B8C-83A1-F6EECF244321}">
+                <p14:modId xmlns:p14="http://schemas.microsoft.com/office/powerpoint/2010/main" val="1395352281"/>
+              </p:ext>
+            </p:extLst>
+          </p:nvPr>
+        </p:nvGraphicFramePr>
+        <p:xfrm>
+          <a:off x="457200" y="914399"/>
+          <a:ext cx="8229600" cy="6365241"/>
+        </p:xfrm>
+        <a:graphic>
+          <a:graphicData uri="http://schemas.openxmlformats.org/drawingml/2006/table">
+            <a:tbl>
+              <a:tblPr firstRow="1" bandRow="1">
+                <a:tableStyleId>{5C22544A-7EE6-4342-B048-85BDC9FD1C3A}</a:tableStyleId>
+              </a:tblPr>
+              <a:tblGrid>
+                <a:gridCol w="4114800"/>
+                <a:gridCol w="4114800"/>
+              </a:tblGrid>
+              <a:tr h="415619">
+                <a:tc>
+                  <a:txBody>
+                    <a:bodyPr/>
+                    <a:lstStyle/>
+                    <a:p>
+                      <a:r>
+                        <a:rPr lang="en-US" dirty="0" smtClean="0"/>
+                        <a:t>Location</a:t>
+                      </a:r>
+                      <a:endParaRPr lang="en-US" dirty="0"/>
+                    </a:p>
+                  </a:txBody>
+                  <a:tcPr/>
+                </a:tc>
+                <a:tc>
+                  <a:txBody>
+                    <a:bodyPr/>
+                    <a:lstStyle/>
+                    <a:p>
+                      <a:r>
+                        <a:rPr lang="en-US" dirty="0" smtClean="0"/>
+                        <a:t>Purpose</a:t>
+                      </a:r>
+                      <a:endParaRPr lang="en-US" dirty="0"/>
+                    </a:p>
+                  </a:txBody>
+                  <a:tcPr/>
+                </a:tc>
+              </a:tr>
+              <a:tr h="1024815">
+                <a:tc>
+                  <a:txBody>
+                    <a:bodyPr/>
+                    <a:lstStyle/>
+                    <a:p>
+                      <a:r>
+                        <a:rPr lang="en-US" dirty="0" smtClean="0"/>
+                        <a:t>/</a:t>
+                      </a:r>
+                      <a:r>
+                        <a:rPr lang="en-US" dirty="0" err="1" smtClean="0"/>
+                        <a:t>usr</a:t>
+                      </a:r>
+                      <a:endParaRPr lang="en-US" dirty="0"/>
+                    </a:p>
+                  </a:txBody>
+                  <a:tcPr/>
+                </a:tc>
+                <a:tc>
+                  <a:txBody>
+                    <a:bodyPr/>
+                    <a:lstStyle/>
+                    <a:p>
+                      <a:r>
+                        <a:rPr lang="en-US" dirty="0" smtClean="0"/>
+                        <a:t>Installed software, shared</a:t>
+                      </a:r>
+                      <a:r>
+                        <a:rPr lang="en-US" baseline="0" dirty="0" smtClean="0"/>
+                        <a:t> libraries, /</a:t>
+                      </a:r>
+                      <a:r>
+                        <a:rPr lang="en-US" baseline="0" dirty="0" err="1" smtClean="0"/>
+                        <a:t>usr</a:t>
+                      </a:r>
+                      <a:r>
+                        <a:rPr lang="en-US" baseline="0" dirty="0" smtClean="0"/>
+                        <a:t>/bin (user commands), /</a:t>
+                      </a:r>
+                      <a:r>
+                        <a:rPr lang="en-US" baseline="0" dirty="0" err="1" smtClean="0"/>
+                        <a:t>usr</a:t>
+                      </a:r>
+                      <a:r>
+                        <a:rPr lang="en-US" baseline="0" dirty="0" smtClean="0"/>
+                        <a:t>/</a:t>
+                      </a:r>
+                      <a:r>
+                        <a:rPr lang="en-US" baseline="0" dirty="0" err="1" smtClean="0"/>
+                        <a:t>sbin</a:t>
+                      </a:r>
+                      <a:r>
+                        <a:rPr lang="en-US" baseline="0" dirty="0" smtClean="0"/>
+                        <a:t> (system administration commands)</a:t>
+                      </a:r>
+                      <a:endParaRPr lang="en-US" dirty="0"/>
+                    </a:p>
+                  </a:txBody>
+                  <a:tcPr/>
+                </a:tc>
+              </a:tr>
+              <a:tr h="415619">
+                <a:tc>
+                  <a:txBody>
+                    <a:bodyPr/>
+                    <a:lstStyle/>
+                    <a:p>
+                      <a:r>
+                        <a:rPr lang="en-US" dirty="0" smtClean="0"/>
+                        <a:t>/</a:t>
+                      </a:r>
+                      <a:r>
+                        <a:rPr lang="en-US" dirty="0" err="1" smtClean="0"/>
+                        <a:t>etc</a:t>
+                      </a:r>
+                      <a:endParaRPr lang="en-US" dirty="0"/>
+                    </a:p>
+                  </a:txBody>
+                  <a:tcPr/>
+                </a:tc>
+                <a:tc>
+                  <a:txBody>
+                    <a:bodyPr/>
+                    <a:lstStyle/>
+                    <a:p>
+                      <a:r>
+                        <a:rPr lang="en-US" dirty="0" smtClean="0"/>
+                        <a:t>Configuration files </a:t>
+                      </a:r>
+                      <a:endParaRPr lang="en-US" dirty="0"/>
+                    </a:p>
+                  </a:txBody>
+                  <a:tcPr/>
+                </a:tc>
+              </a:tr>
+              <a:tr h="1332260">
+                <a:tc>
+                  <a:txBody>
+                    <a:bodyPr/>
+                    <a:lstStyle/>
+                    <a:p>
+                      <a:r>
+                        <a:rPr lang="en-US" dirty="0" smtClean="0"/>
+                        <a:t>/</a:t>
+                      </a:r>
+                      <a:r>
+                        <a:rPr lang="en-US" dirty="0" err="1" smtClean="0"/>
+                        <a:t>var</a:t>
+                      </a:r>
+                      <a:endParaRPr lang="en-US" dirty="0"/>
+                    </a:p>
+                  </a:txBody>
+                  <a:tcPr/>
+                </a:tc>
+                <a:tc>
+                  <a:txBody>
+                    <a:bodyPr/>
+                    <a:lstStyle/>
+                    <a:p>
+                      <a:r>
+                        <a:rPr lang="en-US" dirty="0" smtClean="0"/>
+                        <a:t>Variable data specific to the system that should persist between boots. Files that dynamically change ( databases, website content ) may be found under it.</a:t>
+                      </a:r>
+                      <a:endParaRPr lang="en-US" dirty="0"/>
+                    </a:p>
+                  </a:txBody>
+                  <a:tcPr/>
+                </a:tc>
+              </a:tr>
+              <a:tr h="1024815">
+                <a:tc>
+                  <a:txBody>
+                    <a:bodyPr/>
+                    <a:lstStyle/>
+                    <a:p>
+                      <a:r>
+                        <a:rPr lang="en-US" dirty="0" smtClean="0"/>
+                        <a:t>/</a:t>
+                      </a:r>
+                      <a:r>
+                        <a:rPr lang="en-US" dirty="0" err="1" smtClean="0"/>
+                        <a:t>tmp</a:t>
+                      </a:r>
+                      <a:endParaRPr lang="en-US" dirty="0"/>
+                    </a:p>
+                  </a:txBody>
+                  <a:tcPr/>
+                </a:tc>
+                <a:tc>
+                  <a:txBody>
+                    <a:bodyPr/>
+                    <a:lstStyle/>
+                    <a:p>
+                      <a:r>
+                        <a:rPr lang="en-US" dirty="0" smtClean="0"/>
+                        <a:t>A world-writable space for temporary</a:t>
+                      </a:r>
+                      <a:r>
+                        <a:rPr lang="en-US" baseline="0" dirty="0" smtClean="0"/>
+                        <a:t> files. Files which are more than 10 days old are deleted automatically.</a:t>
+                      </a:r>
+                      <a:endParaRPr lang="en-US" dirty="0"/>
+                    </a:p>
+                  </a:txBody>
+                  <a:tcPr/>
+                </a:tc>
+              </a:tr>
+              <a:tr h="717371">
+                <a:tc>
+                  <a:txBody>
+                    <a:bodyPr/>
+                    <a:lstStyle/>
+                    <a:p>
+                      <a:r>
+                        <a:rPr lang="en-US" dirty="0" smtClean="0"/>
+                        <a:t>/boot</a:t>
+                      </a:r>
+                      <a:endParaRPr lang="en-US" dirty="0"/>
+                    </a:p>
+                  </a:txBody>
+                  <a:tcPr/>
+                </a:tc>
+                <a:tc>
+                  <a:txBody>
+                    <a:bodyPr/>
+                    <a:lstStyle/>
+                    <a:p>
+                      <a:r>
+                        <a:rPr lang="en-US" dirty="0" smtClean="0"/>
+                        <a:t>Files needed in order to start</a:t>
+                      </a:r>
+                      <a:r>
+                        <a:rPr lang="en-US" baseline="0" dirty="0" smtClean="0"/>
+                        <a:t> the boot process.</a:t>
+                      </a:r>
+                      <a:endParaRPr lang="en-US" dirty="0"/>
+                    </a:p>
+                  </a:txBody>
+                  <a:tcPr/>
+                </a:tc>
+              </a:tr>
+              <a:tr h="717371">
+                <a:tc>
+                  <a:txBody>
+                    <a:bodyPr/>
+                    <a:lstStyle/>
+                    <a:p>
+                      <a:r>
+                        <a:rPr lang="en-US" dirty="0" smtClean="0"/>
+                        <a:t>/dev</a:t>
+                      </a:r>
+                      <a:endParaRPr lang="en-US" dirty="0"/>
+                    </a:p>
+                  </a:txBody>
+                  <a:tcPr/>
+                </a:tc>
+                <a:tc>
+                  <a:txBody>
+                    <a:bodyPr/>
+                    <a:lstStyle/>
+                    <a:p>
+                      <a:r>
+                        <a:rPr lang="en-US" dirty="0" smtClean="0"/>
+                        <a:t>Special devices files which are used by the system to access hardware</a:t>
+                      </a:r>
+                      <a:endParaRPr lang="en-US" dirty="0"/>
+                    </a:p>
+                  </a:txBody>
+                  <a:tcPr/>
+                </a:tc>
+              </a:tr>
+              <a:tr h="717371">
+                <a:tc>
+                  <a:txBody>
+                    <a:bodyPr/>
+                    <a:lstStyle/>
+                    <a:p>
+                      <a:r>
+                        <a:rPr lang="en-US" dirty="0" smtClean="0"/>
+                        <a:t>/home</a:t>
+                      </a:r>
+                      <a:endParaRPr lang="en-US" dirty="0"/>
+                    </a:p>
+                  </a:txBody>
+                  <a:tcPr/>
+                </a:tc>
+                <a:tc>
+                  <a:txBody>
+                    <a:bodyPr/>
+                    <a:lstStyle/>
+                    <a:p>
+                      <a:r>
+                        <a:rPr lang="en-US" dirty="0" smtClean="0"/>
+                        <a:t>Home directories where</a:t>
+                      </a:r>
+                      <a:r>
+                        <a:rPr lang="en-US" baseline="0" dirty="0" smtClean="0"/>
+                        <a:t> users store their personal data and configuration files.</a:t>
+                      </a:r>
+                      <a:endParaRPr lang="en-US" dirty="0"/>
+                    </a:p>
+                  </a:txBody>
+                  <a:tcPr/>
+                </a:tc>
+              </a:tr>
+            </a:tbl>
+          </a:graphicData>
+        </a:graphic>
+      </p:graphicFrame>
+    </p:spTree>
+    <p:extLst>
+      <p:ext uri="{BB962C8B-B14F-4D97-AF65-F5344CB8AC3E}">
+        <p14:creationId xmlns:p14="http://schemas.microsoft.com/office/powerpoint/2010/main" val="1825253231"/>
+      </p:ext>
+    </p:extLst>
+  </p:cSld>
+  <p:clrMapOvr>
+    <a:masterClrMapping/>
+  </p:clrMapOvr>
+</p:sld>
+</file>
+
+<file path=ppt/slides/slide4.xml><?xml version="1.0" encoding="utf-8"?>
+<p:sld xmlns:a="http://schemas.openxmlformats.org/drawingml/2006/main" xmlns:r="http://schemas.openxmlformats.org/officeDocument/2006/relationships" xmlns:p="http://schemas.openxmlformats.org/presentationml/2006/main">
+  <p:cSld>
+    <p:spTree>
+      <p:nvGrpSpPr>
+        <p:cNvPr id="1" name=""/>
+        <p:cNvGrpSpPr/>
+        <p:nvPr/>
+      </p:nvGrpSpPr>
+      <p:grpSpPr>
+        <a:xfrm>
+          <a:off x="0" y="0"/>
+          <a:ext cx="0" cy="0"/>
+          <a:chOff x="0" y="0"/>
+          <a:chExt cx="0" cy="0"/>
+        </a:xfrm>
+      </p:grpSpPr>
+      <p:sp>
+        <p:nvSpPr>
+          <p:cNvPr id="2" name="Title 1"/>
+          <p:cNvSpPr>
+            <a:spLocks noGrp="1"/>
+          </p:cNvSpPr>
+          <p:nvPr>
+            <p:ph type="title"/>
+          </p:nvPr>
+        </p:nvSpPr>
+        <p:spPr/>
+        <p:txBody>
+          <a:bodyPr>
+            <a:normAutofit fontScale="90000"/>
+          </a:bodyPr>
+          <a:lstStyle/>
+          <a:p>
+            <a:r>
+              <a:rPr lang="en-US" dirty="0" smtClean="0"/>
+              <a:t>I</a:t>
+            </a:r>
+            <a:br>
+              <a:rPr lang="en-US" dirty="0" smtClean="0"/>
+            </a:br>
+            <a:r>
+              <a:rPr lang="en-US" dirty="0"/>
+              <a:t/>
+            </a:r>
+            <a:br>
+              <a:rPr lang="en-US" dirty="0"/>
+            </a:br>
+            <a:r>
+              <a:rPr lang="en-US" dirty="0" smtClean="0"/>
+              <a:t/>
+            </a:r>
+            <a:br>
+              <a:rPr lang="en-US" dirty="0" smtClean="0"/>
+            </a:br>
+            <a:r>
+              <a:rPr lang="en-US" dirty="0"/>
+              <a:t/>
+            </a:r>
+            <a:br>
+              <a:rPr lang="en-US" dirty="0"/>
+            </a:br>
+            <a:r>
+              <a:rPr lang="en-US" dirty="0" smtClean="0"/>
+              <a:t/>
+            </a:r>
+            <a:br>
+              <a:rPr lang="en-US" dirty="0" smtClean="0"/>
+            </a:br>
+            <a:r>
+              <a:rPr lang="en-US" dirty="0"/>
+              <a:t/>
+            </a:r>
+            <a:br>
+              <a:rPr lang="en-US" dirty="0"/>
+            </a:br>
+            <a:r>
+              <a:rPr lang="en-US" dirty="0" smtClean="0"/>
+              <a:t/>
+            </a:r>
+            <a:br>
+              <a:rPr lang="en-US" dirty="0" smtClean="0"/>
+            </a:br>
+            <a:r>
+              <a:rPr lang="en-US" dirty="0"/>
+              <a:t/>
+            </a:r>
+            <a:br>
+              <a:rPr lang="en-US" dirty="0"/>
+            </a:br>
+            <a:r>
+              <a:rPr lang="en-US" dirty="0" smtClean="0"/>
+              <a:t/>
+            </a:r>
+            <a:br>
+              <a:rPr lang="en-US" dirty="0" smtClean="0"/>
+            </a:br>
+            <a:r>
+              <a:rPr lang="en-US" dirty="0"/>
+              <a:t/>
+            </a:r>
+            <a:br>
+              <a:rPr lang="en-US" dirty="0"/>
+            </a:br>
+            <a:r>
+              <a:rPr lang="en-US" sz="3600" dirty="0" smtClean="0">
+                <a:solidFill>
+                  <a:schemeClr val="accent6"/>
+                </a:solidFill>
+              </a:rPr>
+              <a:t>In RHEL7, four older directories in ‘</a:t>
+            </a:r>
+            <a:r>
+              <a:rPr lang="en-US" sz="3600" dirty="0" smtClean="0">
+                <a:solidFill>
+                  <a:schemeClr val="bg1"/>
+                </a:solidFill>
+              </a:rPr>
+              <a:t>/</a:t>
+            </a:r>
+            <a:r>
+              <a:rPr lang="en-US" sz="3600" dirty="0" smtClean="0">
+                <a:solidFill>
+                  <a:schemeClr val="accent6"/>
+                </a:solidFill>
+              </a:rPr>
+              <a:t>’ now have identical contents as their counterparts located in ‘</a:t>
+            </a:r>
+            <a:r>
+              <a:rPr lang="en-US" sz="3600" dirty="0" smtClean="0">
+                <a:solidFill>
+                  <a:schemeClr val="bg1"/>
+                </a:solidFill>
+              </a:rPr>
+              <a:t>/</a:t>
+            </a:r>
+            <a:r>
+              <a:rPr lang="en-US" sz="3600" dirty="0" err="1" smtClean="0">
+                <a:solidFill>
+                  <a:schemeClr val="bg1"/>
+                </a:solidFill>
+              </a:rPr>
+              <a:t>usr</a:t>
+            </a:r>
+            <a:r>
+              <a:rPr lang="en-US" sz="3600" dirty="0" smtClean="0">
+                <a:solidFill>
+                  <a:schemeClr val="accent6"/>
+                </a:solidFill>
+              </a:rPr>
+              <a:t>’</a:t>
+            </a:r>
+            <a:br>
+              <a:rPr lang="en-US" sz="3600" dirty="0" smtClean="0">
+                <a:solidFill>
+                  <a:schemeClr val="accent6"/>
+                </a:solidFill>
+              </a:rPr>
+            </a:br>
+            <a:r>
+              <a:rPr lang="en-US" sz="3600" dirty="0" smtClean="0">
+                <a:solidFill>
+                  <a:schemeClr val="accent6"/>
+                </a:solidFill>
+              </a:rPr>
+              <a:t>1. </a:t>
+            </a:r>
+            <a:r>
+              <a:rPr lang="en-US" sz="3600" dirty="0" smtClean="0">
+                <a:solidFill>
+                  <a:schemeClr val="bg1"/>
+                </a:solidFill>
+              </a:rPr>
+              <a:t>/bin</a:t>
+            </a:r>
+            <a:r>
+              <a:rPr lang="en-US" sz="3600" dirty="0" smtClean="0">
+                <a:solidFill>
+                  <a:schemeClr val="accent6"/>
+                </a:solidFill>
+              </a:rPr>
+              <a:t> and </a:t>
+            </a:r>
+            <a:r>
+              <a:rPr lang="en-US" sz="3600" dirty="0" smtClean="0">
+                <a:solidFill>
+                  <a:schemeClr val="bg1"/>
+                </a:solidFill>
+              </a:rPr>
+              <a:t>/</a:t>
+            </a:r>
+            <a:r>
+              <a:rPr lang="en-US" sz="3600" dirty="0" err="1" smtClean="0">
+                <a:solidFill>
+                  <a:schemeClr val="bg1"/>
+                </a:solidFill>
+              </a:rPr>
+              <a:t>usr</a:t>
+            </a:r>
+            <a:r>
+              <a:rPr lang="en-US" sz="3600" dirty="0" smtClean="0">
+                <a:solidFill>
+                  <a:schemeClr val="bg1"/>
+                </a:solidFill>
+              </a:rPr>
+              <a:t>/bin</a:t>
+            </a:r>
+            <a:r>
+              <a:rPr lang="en-US" sz="3600" dirty="0" smtClean="0">
+                <a:solidFill>
+                  <a:schemeClr val="accent6"/>
+                </a:solidFill>
+              </a:rPr>
+              <a:t/>
+            </a:r>
+            <a:br>
+              <a:rPr lang="en-US" sz="3600" dirty="0" smtClean="0">
+                <a:solidFill>
+                  <a:schemeClr val="accent6"/>
+                </a:solidFill>
+              </a:rPr>
+            </a:br>
+            <a:r>
+              <a:rPr lang="en-US" sz="3600" dirty="0" smtClean="0">
+                <a:solidFill>
+                  <a:schemeClr val="accent6"/>
+                </a:solidFill>
+              </a:rPr>
+              <a:t>2. </a:t>
+            </a:r>
+            <a:r>
+              <a:rPr lang="en-US" sz="3600" dirty="0" smtClean="0">
+                <a:solidFill>
+                  <a:schemeClr val="bg1"/>
+                </a:solidFill>
+              </a:rPr>
+              <a:t>/</a:t>
+            </a:r>
+            <a:r>
+              <a:rPr lang="en-US" sz="3600" dirty="0" err="1" smtClean="0">
+                <a:solidFill>
+                  <a:schemeClr val="bg1"/>
+                </a:solidFill>
+              </a:rPr>
+              <a:t>sbin</a:t>
+            </a:r>
+            <a:r>
+              <a:rPr lang="en-US" sz="3600" dirty="0" smtClean="0">
+                <a:solidFill>
+                  <a:schemeClr val="bg1"/>
+                </a:solidFill>
+              </a:rPr>
+              <a:t> </a:t>
+            </a:r>
+            <a:r>
+              <a:rPr lang="en-US" sz="3600" dirty="0" smtClean="0">
+                <a:solidFill>
+                  <a:schemeClr val="accent6"/>
+                </a:solidFill>
+              </a:rPr>
+              <a:t>and </a:t>
+            </a:r>
+            <a:r>
+              <a:rPr lang="en-US" sz="3600" dirty="0" smtClean="0">
+                <a:solidFill>
+                  <a:schemeClr val="bg1"/>
+                </a:solidFill>
+              </a:rPr>
+              <a:t>/</a:t>
+            </a:r>
+            <a:r>
+              <a:rPr lang="en-US" sz="3600" dirty="0" err="1" smtClean="0">
+                <a:solidFill>
+                  <a:schemeClr val="bg1"/>
+                </a:solidFill>
+              </a:rPr>
+              <a:t>usr</a:t>
+            </a:r>
+            <a:r>
+              <a:rPr lang="en-US" sz="3600" dirty="0" smtClean="0">
+                <a:solidFill>
+                  <a:schemeClr val="bg1"/>
+                </a:solidFill>
+              </a:rPr>
+              <a:t>/</a:t>
+            </a:r>
+            <a:r>
+              <a:rPr lang="en-US" sz="3600" dirty="0" err="1" smtClean="0">
+                <a:solidFill>
+                  <a:schemeClr val="bg1"/>
+                </a:solidFill>
+              </a:rPr>
+              <a:t>sbin</a:t>
+            </a:r>
+            <a:r>
+              <a:rPr lang="en-US" sz="3600" dirty="0" smtClean="0">
+                <a:solidFill>
+                  <a:schemeClr val="accent6"/>
+                </a:solidFill>
+              </a:rPr>
+              <a:t/>
+            </a:r>
+            <a:br>
+              <a:rPr lang="en-US" sz="3600" dirty="0" smtClean="0">
+                <a:solidFill>
+                  <a:schemeClr val="accent6"/>
+                </a:solidFill>
+              </a:rPr>
+            </a:br>
+            <a:r>
+              <a:rPr lang="en-US" sz="3600" dirty="0" smtClean="0">
+                <a:solidFill>
+                  <a:schemeClr val="accent6"/>
+                </a:solidFill>
+              </a:rPr>
+              <a:t>3. </a:t>
+            </a:r>
+            <a:r>
+              <a:rPr lang="en-US" sz="3600" dirty="0" smtClean="0">
+                <a:solidFill>
+                  <a:schemeClr val="bg1"/>
+                </a:solidFill>
+              </a:rPr>
+              <a:t>/lib </a:t>
+            </a:r>
+            <a:r>
+              <a:rPr lang="en-US" sz="3600" dirty="0" smtClean="0">
+                <a:solidFill>
+                  <a:schemeClr val="accent6"/>
+                </a:solidFill>
+              </a:rPr>
+              <a:t>and </a:t>
+            </a:r>
+            <a:r>
+              <a:rPr lang="en-US" sz="3600" dirty="0" smtClean="0">
+                <a:solidFill>
+                  <a:schemeClr val="bg1"/>
+                </a:solidFill>
+              </a:rPr>
+              <a:t>/</a:t>
+            </a:r>
+            <a:r>
+              <a:rPr lang="en-US" sz="3600" dirty="0" err="1" smtClean="0">
+                <a:solidFill>
+                  <a:schemeClr val="bg1"/>
+                </a:solidFill>
+              </a:rPr>
+              <a:t>usr</a:t>
+            </a:r>
+            <a:r>
+              <a:rPr lang="en-US" sz="3600" dirty="0" smtClean="0">
+                <a:solidFill>
+                  <a:schemeClr val="bg1"/>
+                </a:solidFill>
+              </a:rPr>
+              <a:t>/lib</a:t>
+            </a:r>
+            <a:r>
+              <a:rPr lang="en-US" sz="3600" dirty="0" smtClean="0">
+                <a:solidFill>
+                  <a:schemeClr val="accent6"/>
+                </a:solidFill>
+              </a:rPr>
+              <a:t/>
+            </a:r>
+            <a:br>
+              <a:rPr lang="en-US" sz="3600" dirty="0" smtClean="0">
+                <a:solidFill>
+                  <a:schemeClr val="accent6"/>
+                </a:solidFill>
+              </a:rPr>
+            </a:br>
+            <a:r>
+              <a:rPr lang="en-US" sz="3600" dirty="0" smtClean="0">
+                <a:solidFill>
+                  <a:schemeClr val="accent6"/>
+                </a:solidFill>
+              </a:rPr>
+              <a:t>4. </a:t>
+            </a:r>
+            <a:r>
+              <a:rPr lang="en-US" sz="3600" dirty="0" smtClean="0">
+                <a:solidFill>
+                  <a:schemeClr val="bg1"/>
+                </a:solidFill>
+              </a:rPr>
+              <a:t>/lib64 </a:t>
+            </a:r>
+            <a:r>
+              <a:rPr lang="en-US" sz="3600" dirty="0" smtClean="0">
+                <a:solidFill>
+                  <a:schemeClr val="accent6"/>
+                </a:solidFill>
+              </a:rPr>
+              <a:t>and </a:t>
+            </a:r>
+            <a:r>
+              <a:rPr lang="en-US" sz="3600" dirty="0" smtClean="0">
+                <a:solidFill>
+                  <a:schemeClr val="bg1"/>
+                </a:solidFill>
+              </a:rPr>
+              <a:t>/</a:t>
+            </a:r>
+            <a:r>
+              <a:rPr lang="en-US" sz="3600" dirty="0" err="1" smtClean="0">
+                <a:solidFill>
+                  <a:schemeClr val="bg1"/>
+                </a:solidFill>
+              </a:rPr>
+              <a:t>usr</a:t>
+            </a:r>
+            <a:r>
+              <a:rPr lang="en-US" sz="3600" dirty="0" smtClean="0">
+                <a:solidFill>
+                  <a:schemeClr val="bg1"/>
+                </a:solidFill>
+              </a:rPr>
+              <a:t>/lib64</a:t>
+            </a:r>
+            <a:r>
+              <a:rPr lang="en-US" sz="3600" dirty="0" smtClean="0">
+                <a:solidFill>
+                  <a:schemeClr val="accent6"/>
+                </a:solidFill>
+              </a:rPr>
+              <a:t/>
+            </a:r>
+            <a:br>
+              <a:rPr lang="en-US" sz="3600" dirty="0" smtClean="0">
+                <a:solidFill>
+                  <a:schemeClr val="accent6"/>
+                </a:solidFill>
+              </a:rPr>
+            </a:br>
+            <a:r>
+              <a:rPr lang="en-US" sz="3600" dirty="0" smtClean="0">
+                <a:solidFill>
+                  <a:schemeClr val="accent6"/>
+                </a:solidFill>
+              </a:rPr>
+              <a:t/>
+            </a:r>
+            <a:br>
+              <a:rPr lang="en-US" sz="3600" dirty="0" smtClean="0">
+                <a:solidFill>
+                  <a:schemeClr val="accent6"/>
+                </a:solidFill>
+              </a:rPr>
+            </a:br>
+            <a:r>
+              <a:rPr lang="en-US" sz="3600" dirty="0" smtClean="0">
+                <a:solidFill>
+                  <a:schemeClr val="accent6"/>
+                </a:solidFill>
+              </a:rPr>
+              <a:t>In older versions of RHEL, these were distinct directories containing different sets of files.</a:t>
+            </a:r>
+            <a:endParaRPr lang="en-US" sz="3600" dirty="0"/>
+          </a:p>
+        </p:txBody>
+      </p:sp>
+    </p:spTree>
+    <p:extLst>
+      <p:ext uri="{BB962C8B-B14F-4D97-AF65-F5344CB8AC3E}">
+        <p14:creationId xmlns:p14="http://schemas.microsoft.com/office/powerpoint/2010/main" val="1164361527"/>
+      </p:ext>
+    </p:extLst>
+  </p:cSld>
+  <p:clrMapOvr>
+    <a:masterClrMapping/>
+  </p:clrMapOvr>
+</p:sld>
+</file>
+
+<file path=ppt/slides/slide5.xml><?xml version="1.0" encoding="utf-8"?>
+<p:sld xmlns:a="http://schemas.openxmlformats.org/drawingml/2006/main" xmlns:r="http://schemas.openxmlformats.org/officeDocument/2006/relationships" xmlns:p="http://schemas.openxmlformats.org/presentationml/2006/main">
+  <p:cSld>
+    <p:spTree>
+      <p:nvGrpSpPr>
+        <p:cNvPr id="1" name=""/>
+        <p:cNvGrpSpPr/>
+        <p:nvPr/>
+      </p:nvGrpSpPr>
+      <p:grpSpPr>
+        <a:xfrm>
+          <a:off x="0" y="0"/>
+          <a:ext cx="0" cy="0"/>
+          <a:chOff x="0" y="0"/>
+          <a:chExt cx="0" cy="0"/>
+        </a:xfrm>
+      </p:grpSpPr>
+      <p:sp>
+        <p:nvSpPr>
+          <p:cNvPr id="2" name="Title 1"/>
+          <p:cNvSpPr>
+            <a:spLocks noGrp="1"/>
+          </p:cNvSpPr>
+          <p:nvPr>
+            <p:ph type="title"/>
+          </p:nvPr>
+        </p:nvSpPr>
         <p:spPr>
           <a:xfrm>
             <a:off x="381000" y="76200"/>
@@ -4833,7 +7880,7 @@
             <a:r>
               <a:rPr lang="en-US" sz="1600" dirty="0" err="1" smtClean="0">
                 <a:solidFill>
-                  <a:schemeClr val="accent6"/>
+                  <a:schemeClr val="bg1"/>
                 </a:solidFill>
               </a:rPr>
               <a:t>vm</a:t>
@@ -5072,14 +8119,6 @@
               </a:rPr>
             </a:br>
             <a:r>
-              <a:rPr lang="en-US" dirty="0" smtClean="0">
-                <a:solidFill>
-                  <a:schemeClr val="accent2"/>
-                </a:solidFill>
-              </a:rPr>
-              <a:t>Important Note:</a:t>
-            </a:r>
-            <a:r>
               <a:rPr lang="en-US" sz="1600" dirty="0" smtClean="0">
                 <a:solidFill>
                   <a:schemeClr val="bg1"/>
@@ -5097,10 +8136,40 @@
             <a:r>
               <a:rPr lang="en-US" sz="2700" dirty="0" smtClean="0">
                 <a:solidFill>
-                  <a:schemeClr val="bg1"/>
-                </a:solidFill>
-              </a:rPr>
-              <a:t>/bin, /</a:t>
+                  <a:schemeClr val="accent6"/>
+                </a:solidFill>
+              </a:rPr>
+              <a:t/>
+            </a:r>
+            <a:br>
+              <a:rPr lang="en-US" sz="2700" dirty="0" smtClean="0">
+                <a:solidFill>
+                  <a:schemeClr val="accent6"/>
+                </a:solidFill>
+              </a:rPr>
+            </a:br>
+            <a:r>
+              <a:rPr lang="en-US" sz="2700" dirty="0">
+                <a:solidFill>
+                  <a:schemeClr val="bg1"/>
+                </a:solidFill>
+              </a:rPr>
+              <a:t/>
+            </a:r>
+            <a:br>
+              <a:rPr lang="en-US" sz="2700" dirty="0">
+                <a:solidFill>
+                  <a:schemeClr val="bg1"/>
+                </a:solidFill>
+              </a:rPr>
+            </a:br>
+            <a:r>
+              <a:rPr lang="en-US" sz="2700" dirty="0" smtClean="0">
+                <a:solidFill>
+                  <a:schemeClr val="accent6"/>
+                </a:solidFill>
+              </a:rPr>
+              <a:t>Absolute Path =&gt; the whole path starting from the root directory, example “/</a:t>
             </a:r>
             <a:r>
               <a:rPr lang="en-US" sz="2700" dirty="0" err="1" smtClean="0">
@@ -5108,7 +8177,7 @@
                   <a:schemeClr val="bg1"/>
                 </a:solidFill>
               </a:rPr>
-              <a:t>sbin</a:t>
+              <a:t>etc</a:t>
             </a:r>
             <a:r>
               <a:rPr lang="en-US" sz="2700" dirty="0" smtClean="0">
@@ -5116,219 +8185,85 @@
                   <a:schemeClr val="bg1"/>
                 </a:solidFill>
               </a:rPr>
-              <a:t>, /lib </a:t>
+              <a:t>/</a:t>
+            </a:r>
+            <a:r>
+              <a:rPr lang="en-US" sz="2700" dirty="0" err="1" smtClean="0">
+                <a:solidFill>
+                  <a:schemeClr val="bg1"/>
+                </a:solidFill>
+              </a:rPr>
+              <a:t>sysconfig</a:t>
             </a:r>
             <a:r>
               <a:rPr lang="en-US" sz="2700" dirty="0" smtClean="0">
                 <a:solidFill>
-                  <a:schemeClr val="accent6"/>
-                </a:solidFill>
-              </a:rPr>
-              <a:t>and</a:t>
+                  <a:schemeClr val="bg1"/>
+                </a:solidFill>
+              </a:rPr>
+              <a:t>/network-scripts</a:t>
             </a:r>
             <a:r>
               <a:rPr lang="en-US" sz="2700" dirty="0" smtClean="0">
                 <a:solidFill>
-                  <a:schemeClr val="bg1"/>
-                </a:solidFill>
-              </a:rPr>
-              <a:t> /lib64 </a:t>
+                  <a:schemeClr val="accent6"/>
+                </a:solidFill>
+              </a:rPr>
+              <a:t>”</a:t>
             </a:r>
             <a:r>
               <a:rPr lang="en-US" sz="2700" dirty="0" smtClean="0">
                 <a:solidFill>
-                  <a:schemeClr val="accent6"/>
-                </a:solidFill>
-              </a:rPr>
-              <a:t>directories are under the</a:t>
-            </a:r>
-            <a:r>
+                  <a:schemeClr val="bg1"/>
+                </a:solidFill>
+              </a:rPr>
+              <a:t/>
+            </a:r>
+            <a:br>
               <a:rPr lang="en-US" sz="2700" dirty="0" smtClean="0">
                 <a:solidFill>
                   <a:schemeClr val="bg1"/>
                 </a:solidFill>
               </a:rPr>
-              <a:t> /</a:t>
-            </a:r>
-            <a:r>
-              <a:rPr lang="en-US" sz="2700" dirty="0" err="1" smtClean="0">
-                <a:solidFill>
-                  <a:schemeClr val="bg1"/>
-                </a:solidFill>
-              </a:rPr>
-              <a:t>usr</a:t>
-            </a:r>
+            </a:br>
             <a:r>
               <a:rPr lang="en-US" sz="2700" dirty="0" smtClean="0">
                 <a:solidFill>
-                  <a:schemeClr val="bg1"/>
-                </a:solidFill>
-              </a:rPr>
-              <a:t> </a:t>
-            </a:r>
+                  <a:schemeClr val="accent6"/>
+                </a:solidFill>
+              </a:rPr>
+              <a:t>Relative Path =&gt; relative to the present working directory. </a:t>
+            </a:r>
+            <a:r>
+              <a:rPr lang="en-US" sz="2700" dirty="0">
+                <a:solidFill>
+                  <a:schemeClr val="accent6"/>
+                </a:solidFill>
+              </a:rPr>
+              <a:t/>
+            </a:r>
+            <a:br>
+              <a:rPr lang="en-US" sz="2700" dirty="0">
+                <a:solidFill>
+                  <a:schemeClr val="accent6"/>
+                </a:solidFill>
+              </a:rPr>
+            </a:br>
             <a:r>
               <a:rPr lang="en-US" sz="2700" dirty="0" smtClean="0">
                 <a:solidFill>
                   <a:schemeClr val="accent6"/>
                 </a:solidFill>
               </a:rPr>
-              <a:t>directory in </a:t>
-            </a:r>
-            <a:r>
-              <a:rPr lang="en-US" sz="2700" dirty="0" err="1" smtClean="0">
-                <a:solidFill>
-                  <a:schemeClr val="accent6"/>
-                </a:solidFill>
-              </a:rPr>
-              <a:t>RedHat</a:t>
+              <a:t>example “</a:t>
             </a:r>
             <a:r>
               <a:rPr lang="en-US" sz="2700" dirty="0" smtClean="0">
                 <a:solidFill>
-                  <a:schemeClr val="accent6"/>
-                </a:solidFill>
-              </a:rPr>
-              <a:t> 7.</a:t>
-            </a:r>
-            <a:r>
-              <a:rPr lang="en-US" sz="2700" dirty="0" smtClean="0">
-                <a:solidFill>
-                  <a:schemeClr val="accent6"/>
-                </a:solidFill>
-              </a:rPr>
-              <a:t/>
-            </a:r>
-            <a:br>
-              <a:rPr lang="en-US" sz="2700" dirty="0" smtClean="0">
-                <a:solidFill>
-                  <a:schemeClr val="accent6"/>
-                </a:solidFill>
-              </a:rPr>
-            </a:br>
-            <a:r>
-              <a:rPr lang="en-US" sz="2700" dirty="0">
-                <a:solidFill>
-                  <a:schemeClr val="bg1"/>
-                </a:solidFill>
-              </a:rPr>
-              <a:t/>
-            </a:r>
-            <a:br>
-              <a:rPr lang="en-US" sz="2700" dirty="0">
-                <a:solidFill>
-                  <a:schemeClr val="bg1"/>
-                </a:solidFill>
-              </a:rPr>
-            </a:br>
-            <a:r>
-              <a:rPr lang="en-US" sz="2700" dirty="0" smtClean="0">
-                <a:solidFill>
-                  <a:schemeClr val="accent6"/>
-                </a:solidFill>
-              </a:rPr>
-              <a:t>Absolute Path =&gt; the whole path starting from the root directory, example “/</a:t>
-            </a:r>
-            <a:r>
-              <a:rPr lang="en-US" sz="2700" dirty="0" err="1" smtClean="0">
-                <a:solidFill>
-                  <a:schemeClr val="bg1"/>
-                </a:solidFill>
-              </a:rPr>
-              <a:t>etc</a:t>
-            </a:r>
-            <a:r>
-              <a:rPr lang="en-US" sz="2700" dirty="0" smtClean="0">
-                <a:solidFill>
-                  <a:schemeClr val="bg1"/>
-                </a:solidFill>
-              </a:rPr>
-              <a:t>/</a:t>
-            </a:r>
-            <a:r>
-              <a:rPr lang="en-US" sz="2700" dirty="0" err="1" smtClean="0">
-                <a:solidFill>
-                  <a:schemeClr val="bg1"/>
-                </a:solidFill>
-              </a:rPr>
-              <a:t>sysconfig</a:t>
-            </a:r>
-            <a:r>
-              <a:rPr lang="en-US" sz="2700" dirty="0" smtClean="0">
-                <a:solidFill>
-                  <a:schemeClr val="bg1"/>
-                </a:solidFill>
-              </a:rPr>
-              <a:t>/network</a:t>
-            </a:r>
-            <a:r>
-              <a:rPr lang="en-US" sz="2700" dirty="0" smtClean="0">
-                <a:solidFill>
-                  <a:schemeClr val="accent6"/>
-                </a:solidFill>
-              </a:rPr>
-              <a:t>”</a:t>
-            </a:r>
-            <a:r>
-              <a:rPr lang="en-US" sz="2700" dirty="0" smtClean="0">
-                <a:solidFill>
-                  <a:schemeClr val="bg1"/>
-                </a:solidFill>
-              </a:rPr>
-              <a:t/>
-            </a:r>
-            <a:br>
-              <a:rPr lang="en-US" sz="2700" dirty="0" smtClean="0">
-                <a:solidFill>
-                  <a:schemeClr val="bg1"/>
-                </a:solidFill>
-              </a:rPr>
-            </a:br>
-            <a:r>
-              <a:rPr lang="en-US" sz="2700" dirty="0" smtClean="0">
-                <a:solidFill>
-                  <a:schemeClr val="accent6"/>
-                </a:solidFill>
-              </a:rPr>
-              <a:t>Relative Path =&gt; relative to the present working directory. </a:t>
-            </a:r>
-            <a:r>
-              <a:rPr lang="en-US" sz="2700" dirty="0">
-                <a:solidFill>
-                  <a:schemeClr val="accent6"/>
-                </a:solidFill>
-              </a:rPr>
-              <a:t/>
-            </a:r>
-            <a:br>
-              <a:rPr lang="en-US" sz="2700" dirty="0">
-                <a:solidFill>
-                  <a:schemeClr val="accent6"/>
-                </a:solidFill>
-              </a:rPr>
-            </a:br>
-            <a:r>
-              <a:rPr lang="en-US" sz="2700" dirty="0" smtClean="0">
-                <a:solidFill>
-                  <a:schemeClr val="accent6"/>
-                </a:solidFill>
-              </a:rPr>
-              <a:t>example “</a:t>
-            </a:r>
-            <a:r>
-              <a:rPr lang="en-US" sz="2700" dirty="0" smtClean="0">
-                <a:solidFill>
-                  <a:schemeClr val="bg1"/>
-                </a:solidFill>
-              </a:rPr>
-              <a:t>cd </a:t>
-            </a:r>
-            <a:r>
-              <a:rPr lang="en-US" sz="2700" dirty="0" smtClean="0">
-                <a:solidFill>
-                  <a:schemeClr val="bg1"/>
-                </a:solidFill>
-              </a:rPr>
-              <a:t>../</a:t>
+                  <a:schemeClr val="bg1"/>
+                </a:solidFill>
+              </a:rPr>
+              <a:t>cd ../</a:t>
             </a:r>
             <a:r>
               <a:rPr lang="en-US" sz="2700" dirty="0" err="1" smtClean="0">
@@ -5404,7 +8339,7 @@
 </p:sld>
 </file>
 
-<file path=ppt/slides/slide3.xml><?xml version="1.0" encoding="utf-8"?>
+<file path=ppt/slides/slide6.xml><?xml version="1.0" encoding="utf-8"?>
 <p:sld xmlns:a="http://schemas.openxmlformats.org/drawingml/2006/main" xmlns:r="http://schemas.openxmlformats.org/officeDocument/2006/relationships" xmlns:p="http://schemas.openxmlformats.org/presentationml/2006/main">
   <p:cSld>
     <p:spTree>
@@ -5503,7 +8438,7 @@
             <a:r>
               <a:rPr lang="en-US" dirty="0" err="1" smtClean="0">
                 <a:solidFill>
-                  <a:schemeClr val="accent6"/>
+                  <a:schemeClr val="bg1"/>
                 </a:solidFill>
               </a:rPr>
               <a:t>cp</a:t>
@@ -5543,7 +8478,23 @@
                   <a:schemeClr val="accent6"/>
                 </a:solidFill>
               </a:rPr>
-              <a:t>-R(recursive) for entire subdirectory.</a:t>
+              <a:t>-</a:t>
+            </a:r>
+            <a:r>
+              <a:rPr lang="en-US" dirty="0" smtClean="0">
+                <a:solidFill>
+                  <a:schemeClr val="bg1"/>
+                </a:solidFill>
+              </a:rPr>
+              <a:t>R</a:t>
+            </a:r>
+            <a:r>
+              <a:rPr lang="en-US" dirty="0" smtClean="0">
+                <a:solidFill>
+                  <a:schemeClr val="accent6"/>
+                </a:solidFill>
+              </a:rPr>
+              <a:t>(recursive) for entire subdirectory.</a:t>
             </a:r>
           </a:p>
           <a:p>
@@ -5556,7 +8507,23 @@
                   <a:schemeClr val="accent6"/>
                 </a:solidFill>
               </a:rPr>
-              <a:t>-a(archive) for keeping the same permissions. </a:t>
+              <a:t>-</a:t>
+            </a:r>
+            <a:r>
+              <a:rPr lang="en-US" dirty="0" smtClean="0">
+                <a:solidFill>
+                  <a:schemeClr val="bg1"/>
+                </a:solidFill>
+              </a:rPr>
+              <a:t>a</a:t>
+            </a:r>
+            <a:r>
+              <a:rPr lang="en-US" dirty="0" smtClean="0">
+                <a:solidFill>
+                  <a:schemeClr val="accent6"/>
+                </a:solidFill>
+              </a:rPr>
+              <a:t>(archive) for keeping the same permissions. </a:t>
             </a:r>
           </a:p>
           <a:p>
@@ -5581,7 +8548,23 @@
                   <a:schemeClr val="accent6"/>
                 </a:solidFill>
               </a:rPr>
-              <a:t> mv =&gt; moves or renames a file. </a:t>
+              <a:t> </a:t>
+            </a:r>
+            <a:r>
+              <a:rPr lang="en-US" dirty="0" smtClean="0">
+                <a:solidFill>
+                  <a:schemeClr val="bg1"/>
+                </a:solidFill>
+              </a:rPr>
+              <a:t>mv</a:t>
+            </a:r>
+            <a:r>
+              <a:rPr lang="en-US" dirty="0" smtClean="0">
+                <a:solidFill>
+                  <a:schemeClr val="accent6"/>
+                </a:solidFill>
+              </a:rPr>
+              <a:t> =&gt; moves or renames a file. </a:t>
             </a:r>
           </a:p>
           <a:p>
@@ -5688,18 +8671,26 @@
             <a:r>
               <a:rPr lang="en-US" dirty="0" err="1" smtClean="0">
                 <a:solidFill>
-                  <a:schemeClr val="accent6"/>
-                </a:solidFill>
-              </a:rPr>
-              <a:t>rf</a:t>
-            </a:r>
-            <a:r>
-              <a:rPr lang="en-US" dirty="0" smtClean="0">
-                <a:solidFill>
-                  <a:schemeClr val="accent6"/>
-                </a:solidFill>
-              </a:rPr>
-              <a:t> =&gt; by default prompts for confirmation.</a:t>
+                  <a:schemeClr val="bg1"/>
+                </a:solidFill>
+              </a:rPr>
+              <a:t>rm</a:t>
+            </a:r>
+            <a:r>
+              <a:rPr lang="en-US" dirty="0" smtClean="0">
+                <a:solidFill>
+                  <a:schemeClr val="accent6"/>
+                </a:solidFill>
+              </a:rPr>
+              <a:t> </a:t>
+            </a:r>
+            <a:r>
+              <a:rPr lang="en-US" dirty="0" smtClean="0">
+                <a:solidFill>
+                  <a:schemeClr val="accent6"/>
+                </a:solidFill>
+              </a:rPr>
+              <a:t>=&gt; by default prompts for confirmation.</a:t>
             </a:r>
           </a:p>
           <a:p>
@@ -5784,29 +8775,31 @@
             <a:r>
               <a:rPr lang="en-US" dirty="0" err="1" smtClean="0">
                 <a:solidFill>
-                  <a:schemeClr val="accent6">
-                    <a:lumMod val="75000"/>
-                  </a:schemeClr>
-                </a:solidFill>
-              </a:rPr>
-              <a:t>rf</a:t>
-            </a:r>
-            <a:r>
-              <a:rPr lang="en-US" dirty="0" smtClean="0">
-                <a:solidFill>
-                  <a:schemeClr val="accent6">
-                    <a:lumMod val="75000"/>
-                  </a:schemeClr>
-                </a:solidFill>
-              </a:rPr>
-              <a:t> –f /</a:t>
+                  <a:schemeClr val="bg1"/>
+                </a:solidFill>
+              </a:rPr>
+              <a:t>rm</a:t>
+            </a:r>
+            <a:r>
+              <a:rPr lang="en-US" dirty="0" smtClean="0">
+                <a:solidFill>
+                  <a:schemeClr val="bg1"/>
+                </a:solidFill>
+              </a:rPr>
+              <a:t> </a:t>
+            </a:r>
+            <a:r>
+              <a:rPr lang="en-US" dirty="0" smtClean="0">
+                <a:solidFill>
+                  <a:schemeClr val="bg1"/>
+                </a:solidFill>
+              </a:rPr>
+              <a:t>–f /</a:t>
             </a:r>
             <a:r>
               <a:rPr lang="en-US" dirty="0" err="1" smtClean="0">
                 <a:solidFill>
-                  <a:schemeClr val="accent6">
-                    <a:lumMod val="75000"/>
-                  </a:schemeClr>
+                  <a:schemeClr val="bg1"/>
                 </a:solidFill>
               </a:rPr>
               <a:t>tmp</a:t>
@@ -5814,9 +8807,7 @@
             <a:r>
               <a:rPr lang="en-US" dirty="0" smtClean="0">
                 <a:solidFill>
-                  <a:schemeClr val="accent6">
-                    <a:lumMod val="75000"/>
-                  </a:schemeClr>
+                  <a:schemeClr val="bg1"/>
                 </a:solidFill>
               </a:rPr>
               <a:t>/</a:t>
@@ -5824,18 +8815,14 @@
             <a:r>
               <a:rPr lang="en-US" dirty="0" err="1" smtClean="0">
                 <a:solidFill>
-                  <a:schemeClr val="accent6">
-                    <a:lumMod val="75000"/>
-                  </a:schemeClr>
+                  <a:schemeClr val="bg1"/>
                 </a:solidFill>
               </a:rPr>
               <a:t>file_not_needed_anymore</a:t>
             </a:r>
             <a:endParaRPr lang="en-US" dirty="0" smtClean="0">
               <a:solidFill>
-                <a:schemeClr val="accent6">
-                  <a:lumMod val="75000"/>
-                </a:schemeClr>
+                <a:schemeClr val="bg1"/>
               </a:solidFill>
             </a:endParaRPr>
           </a:p>
@@ -5871,7 +8858,7 @@
 </p:sld>
 </file>
 
-<file path=ppt/slides/slide4.xml><?xml version="1.0" encoding="utf-8"?>
+<file path=ppt/slides/slide7.xml><?xml version="1.0" encoding="utf-8"?>
 <p:sld xmlns:a="http://schemas.openxmlformats.org/drawingml/2006/main" xmlns:r="http://schemas.openxmlformats.org/officeDocument/2006/relationships" xmlns:p="http://schemas.openxmlformats.org/presentationml/2006/main">
   <p:cSld>
     <p:spTree>
@@ -6225,7 +9212,39 @@
                   <a:schemeClr val="accent6"/>
                 </a:solidFill>
               </a:rPr>
-              <a:t>7. Do you think there is a change do revert back the deleted file ?</a:t>
+              <a:t>7. Do you think there is </a:t>
+            </a:r>
+            <a:r>
+              <a:rPr lang="en-US" sz="3600" dirty="0" smtClean="0">
+                <a:solidFill>
+                  <a:schemeClr val="accent6"/>
+                </a:solidFill>
+              </a:rPr>
+              <a:t>a way back  </a:t>
+            </a:r>
+            <a:r>
+              <a:rPr lang="en-US" sz="3600" dirty="0">
+                <a:solidFill>
+                  <a:schemeClr val="accent6"/>
+                </a:solidFill>
+              </a:rPr>
+              <a:t>t</a:t>
+            </a:r>
+            <a:r>
+              <a:rPr lang="en-US" sz="3600" dirty="0" smtClean="0">
+                <a:solidFill>
+                  <a:schemeClr val="accent6"/>
+                </a:solidFill>
+              </a:rPr>
+              <a:t>o </a:t>
+            </a:r>
+            <a:r>
+              <a:rPr lang="en-US" sz="3600" dirty="0" smtClean="0">
+                <a:solidFill>
+                  <a:schemeClr val="accent6"/>
+                </a:solidFill>
+              </a:rPr>
+              <a:t>revert back the deleted file ?</a:t>
             </a:r>
             <a:r>
               <a:rPr lang="en-US" dirty="0" smtClean="0">
@@ -6270,7 +9289,7 @@
 </p:sld>
 </file>
 
-<file path=ppt/slides/slide5.xml><?xml version="1.0" encoding="utf-8"?>
+<file path=ppt/slides/slide8.xml><?xml version="1.0" encoding="utf-8"?>
 <p:sld xmlns:a="http://schemas.openxmlformats.org/drawingml/2006/main" xmlns:r="http://schemas.openxmlformats.org/officeDocument/2006/relationships" xmlns:p="http://schemas.openxmlformats.org/presentationml/2006/main">
   <p:cSld>
     <p:spTree>
@@ -6378,7 +9397,7 @@
             <a:r>
               <a:rPr lang="en-US" sz="1800" dirty="0" err="1" smtClean="0">
                 <a:solidFill>
-                  <a:schemeClr val="accent6"/>
+                  <a:schemeClr val="bg1"/>
                 </a:solidFill>
               </a:rPr>
               <a:t>inode</a:t>
@@ -6386,10 +9405,18 @@
             <a:r>
               <a:rPr lang="en-US" sz="1800" dirty="0" smtClean="0">
                 <a:solidFill>
-                  <a:schemeClr val="accent6"/>
-                </a:solidFill>
-              </a:rPr>
-              <a:t> is a data structure used to represent a filesystem object( file, directory ). Example =&gt; “</a:t>
+                  <a:schemeClr val="bg1"/>
+                </a:solidFill>
+              </a:rPr>
+              <a:t> </a:t>
+            </a:r>
+            <a:r>
+              <a:rPr lang="en-US" sz="1800" dirty="0" smtClean="0">
+                <a:solidFill>
+                  <a:schemeClr val="accent6"/>
+                </a:solidFill>
+              </a:rPr>
+              <a:t>is a data structure used to represent a filesystem object( file, directory ). Example =&gt; “</a:t>
             </a:r>
             <a:r>
               <a:rPr lang="en-US" sz="1800" dirty="0" smtClean="0">
@@ -6452,12 +9479,20 @@
                   <a:schemeClr val="accent6"/>
                 </a:solidFill>
               </a:rPr>
-              <a:t>Basically behind each file name in Linux, stands an integer, that helps the file system ( ext4, </a:t>
+              <a:t>Basically behind each file name in Linux, stands an integer, that helps the file system ( </a:t>
+            </a:r>
+            <a:r>
+              <a:rPr lang="en-US" sz="1800" dirty="0" smtClean="0">
+                <a:solidFill>
+                  <a:schemeClr val="bg1"/>
+                </a:solidFill>
+              </a:rPr>
+              <a:t>ext4, </a:t>
             </a:r>
             <a:r>
               <a:rPr lang="en-US" sz="1800" dirty="0" err="1" smtClean="0">
                 <a:solidFill>
-                  <a:schemeClr val="accent6"/>
+                  <a:schemeClr val="bg1"/>
                 </a:solidFill>
               </a:rPr>
               <a:t>xfs</a:t>
@@ -6465,10 +9500,18 @@
             <a:r>
               <a:rPr lang="en-US" sz="1800" dirty="0" smtClean="0">
                 <a:solidFill>
-                  <a:schemeClr val="accent6"/>
-                </a:solidFill>
-              </a:rPr>
-              <a:t> … ) to keep track and modify files and directories.</a:t>
+                  <a:schemeClr val="bg1"/>
+                </a:solidFill>
+              </a:rPr>
+              <a:t> </a:t>
+            </a:r>
+            <a:r>
+              <a:rPr lang="en-US" sz="1800" dirty="0" smtClean="0">
+                <a:solidFill>
+                  <a:schemeClr val="accent6"/>
+                </a:solidFill>
+              </a:rPr>
+              <a:t>… ) to keep track and modify files and directories.</a:t>
             </a:r>
           </a:p>
           <a:p>
@@ -6569,7 +9612,7 @@
 </p:sld>
 </file>
 
-<file path=ppt/slides/slide6.xml><?xml version="1.0" encoding="utf-8"?>
+<file path=ppt/slides/slide9.xml><?xml version="1.0" encoding="utf-8"?>
 <p:sld xmlns:a="http://schemas.openxmlformats.org/drawingml/2006/main" xmlns:r="http://schemas.openxmlformats.org/officeDocument/2006/relationships" xmlns:p="http://schemas.openxmlformats.org/presentationml/2006/main">
   <p:cSld>
     <p:spTree>
@@ -6788,1407 +9831,6 @@
     <p:extLst>
       <p:ext uri="{BB962C8B-B14F-4D97-AF65-F5344CB8AC3E}">
         <p14:creationId xmlns:p14="http://schemas.microsoft.com/office/powerpoint/2010/main" val="1244033896"/>
-      </p:ext>
-    </p:extLst>
-  </p:cSld>
-  <p:clrMapOvr>
-    <a:masterClrMapping/>
-  </p:clrMapOvr>
-  <p:timing>
-    <p:tnLst>
-      <p:par>
-        <p:cTn id="1" dur="indefinite" restart="never" nodeType="tmRoot"/>
-      </p:par>
-    </p:tnLst>
-  </p:timing>
-</p:sld>
-</file>
-
-<file path=ppt/slides/slide7.xml><?xml version="1.0" encoding="utf-8"?>
-<p:sld xmlns:a="http://schemas.openxmlformats.org/drawingml/2006/main" xmlns:r="http://schemas.openxmlformats.org/officeDocument/2006/relationships" xmlns:p="http://schemas.openxmlformats.org/presentationml/2006/main">
-  <p:cSld>
-    <p:spTree>
-      <p:nvGrpSpPr>
-        <p:cNvPr id="1" name=""/>
-        <p:cNvGrpSpPr/>
-        <p:nvPr/>
-      </p:nvGrpSpPr>
-      <p:grpSpPr>
-        <a:xfrm>
-          <a:off x="0" y="0"/>
-          <a:ext cx="0" cy="0"/>
-          <a:chOff x="0" y="0"/>
-          <a:chExt cx="0" cy="0"/>
-        </a:xfrm>
-      </p:grpSpPr>
-      <p:sp>
-        <p:nvSpPr>
-          <p:cNvPr id="2" name="Title 1"/>
-          <p:cNvSpPr>
-            <a:spLocks noGrp="1"/>
-          </p:cNvSpPr>
-          <p:nvPr>
-            <p:ph type="title"/>
-          </p:nvPr>
-        </p:nvSpPr>
-        <p:spPr>
-          <a:xfrm>
-            <a:off x="762000" y="706437"/>
-            <a:ext cx="8229600" cy="1143000"/>
-          </a:xfrm>
-        </p:spPr>
-        <p:txBody>
-          <a:bodyPr>
-            <a:normAutofit fontScale="90000"/>
-          </a:bodyPr>
-          <a:lstStyle/>
-          <a:p>
-            <a:pPr algn="l"/>
-            <a:r>
-              <a:rPr lang="en-US" dirty="0" smtClean="0">
-                <a:solidFill>
-                  <a:schemeClr val="accent6"/>
-                </a:solidFill>
-              </a:rPr>
-              <a:t/>
-            </a:r>
-            <a:br>
-              <a:rPr lang="en-US" dirty="0" smtClean="0">
-                <a:solidFill>
-                  <a:schemeClr val="accent6"/>
-                </a:solidFill>
-              </a:rPr>
-            </a:br>
-            <a:r>
-              <a:rPr lang="en-US" dirty="0">
-                <a:solidFill>
-                  <a:schemeClr val="accent6"/>
-                </a:solidFill>
-              </a:rPr>
-              <a:t/>
-            </a:r>
-            <a:br>
-              <a:rPr lang="en-US" dirty="0">
-                <a:solidFill>
-                  <a:schemeClr val="accent6"/>
-                </a:solidFill>
-              </a:rPr>
-            </a:br>
-            <a:r>
-              <a:rPr lang="en-US" dirty="0" smtClean="0">
-                <a:solidFill>
-                  <a:schemeClr val="accent6"/>
-                </a:solidFill>
-              </a:rPr>
-              <a:t/>
-            </a:r>
-            <a:br>
-              <a:rPr lang="en-US" dirty="0" smtClean="0">
-                <a:solidFill>
-                  <a:schemeClr val="accent6"/>
-                </a:solidFill>
-              </a:rPr>
-            </a:br>
-            <a:r>
-              <a:rPr lang="en-US" dirty="0" smtClean="0">
-                <a:solidFill>
-                  <a:schemeClr val="accent6"/>
-                </a:solidFill>
-              </a:rPr>
-              <a:t/>
-            </a:r>
-            <a:br>
-              <a:rPr lang="en-US" dirty="0" smtClean="0">
-                <a:solidFill>
-                  <a:schemeClr val="accent6"/>
-                </a:solidFill>
-              </a:rPr>
-            </a:br>
-            <a:r>
-              <a:rPr lang="en-US" dirty="0" smtClean="0">
-                <a:solidFill>
-                  <a:schemeClr val="accent6"/>
-                </a:solidFill>
-              </a:rPr>
-              <a:t/>
-            </a:r>
-            <a:br>
-              <a:rPr lang="en-US" dirty="0" smtClean="0">
-                <a:solidFill>
-                  <a:schemeClr val="accent6"/>
-                </a:solidFill>
-              </a:rPr>
-            </a:br>
-            <a:r>
-              <a:rPr lang="en-US" dirty="0">
-                <a:solidFill>
-                  <a:schemeClr val="accent6"/>
-                </a:solidFill>
-              </a:rPr>
-              <a:t/>
-            </a:r>
-            <a:br>
-              <a:rPr lang="en-US" dirty="0">
-                <a:solidFill>
-                  <a:schemeClr val="accent6"/>
-                </a:solidFill>
-              </a:rPr>
-            </a:br>
-            <a:r>
-              <a:rPr lang="en-US" dirty="0" smtClean="0">
-                <a:solidFill>
-                  <a:schemeClr val="accent6"/>
-                </a:solidFill>
-              </a:rPr>
-              <a:t/>
-            </a:r>
-            <a:br>
-              <a:rPr lang="en-US" dirty="0" smtClean="0">
-                <a:solidFill>
-                  <a:schemeClr val="accent6"/>
-                </a:solidFill>
-              </a:rPr>
-            </a:br>
-            <a:r>
-              <a:rPr lang="en-US" dirty="0">
-                <a:solidFill>
-                  <a:schemeClr val="accent6"/>
-                </a:solidFill>
-              </a:rPr>
-              <a:t/>
-            </a:r>
-            <a:br>
-              <a:rPr lang="en-US" dirty="0">
-                <a:solidFill>
-                  <a:schemeClr val="accent6"/>
-                </a:solidFill>
-              </a:rPr>
-            </a:br>
-            <a:r>
-              <a:rPr lang="en-US" dirty="0" smtClean="0">
-                <a:solidFill>
-                  <a:schemeClr val="accent6"/>
-                </a:solidFill>
-              </a:rPr>
-              <a:t/>
-            </a:r>
-            <a:br>
-              <a:rPr lang="en-US" dirty="0" smtClean="0">
-                <a:solidFill>
-                  <a:schemeClr val="accent6"/>
-                </a:solidFill>
-              </a:rPr>
-            </a:br>
-            <a:r>
-              <a:rPr lang="en-US" dirty="0" smtClean="0">
-                <a:solidFill>
-                  <a:schemeClr val="accent6"/>
-                </a:solidFill>
-              </a:rPr>
-              <a:t>When we create a soft link, it is like an </a:t>
-            </a:r>
-            <a:r>
-              <a:rPr lang="en-US" dirty="0">
-                <a:solidFill>
-                  <a:schemeClr val="accent6"/>
-                </a:solidFill>
-              </a:rPr>
-              <a:t/>
-            </a:r>
-            <a:br>
-              <a:rPr lang="en-US" dirty="0">
-                <a:solidFill>
-                  <a:schemeClr val="accent6"/>
-                </a:solidFill>
-              </a:rPr>
-            </a:br>
-            <a:r>
-              <a:rPr lang="en-US" dirty="0" smtClean="0">
-                <a:solidFill>
-                  <a:schemeClr val="accent6"/>
-                </a:solidFill>
-              </a:rPr>
-              <a:t>alias to the file. It applies its permissions.</a:t>
-            </a:r>
-            <a:r>
-              <a:rPr lang="en-US" dirty="0">
-                <a:solidFill>
-                  <a:schemeClr val="accent6"/>
-                </a:solidFill>
-              </a:rPr>
-              <a:t/>
-            </a:r>
-            <a:br>
-              <a:rPr lang="en-US" dirty="0">
-                <a:solidFill>
-                  <a:schemeClr val="accent6"/>
-                </a:solidFill>
-              </a:rPr>
-            </a:br>
-            <a:r>
-              <a:rPr lang="en-US" dirty="0" smtClean="0">
-                <a:solidFill>
-                  <a:schemeClr val="accent6"/>
-                </a:solidFill>
-              </a:rPr>
-              <a:t/>
-            </a:r>
-            <a:br>
-              <a:rPr lang="en-US" dirty="0" smtClean="0">
-                <a:solidFill>
-                  <a:schemeClr val="accent6"/>
-                </a:solidFill>
-              </a:rPr>
-            </a:br>
-            <a:r>
-              <a:rPr lang="en-US" dirty="0" smtClean="0">
-                <a:solidFill>
-                  <a:schemeClr val="accent6"/>
-                </a:solidFill>
-              </a:rPr>
-              <a:t>When we create a hard link, it points to the </a:t>
-            </a:r>
-            <a:r>
-              <a:rPr lang="en-US" dirty="0" err="1" smtClean="0">
-                <a:solidFill>
-                  <a:schemeClr val="accent6"/>
-                </a:solidFill>
-              </a:rPr>
-              <a:t>inode</a:t>
-            </a:r>
-            <a:r>
-              <a:rPr lang="en-US" dirty="0" smtClean="0">
-                <a:solidFill>
-                  <a:schemeClr val="accent6"/>
-                </a:solidFill>
-              </a:rPr>
-              <a:t>.</a:t>
-            </a:r>
-            <a:br>
-              <a:rPr lang="en-US" dirty="0" smtClean="0">
-                <a:solidFill>
-                  <a:schemeClr val="accent6"/>
-                </a:solidFill>
-              </a:rPr>
-            </a:br>
-            <a:r>
-              <a:rPr lang="en-US" dirty="0">
-                <a:solidFill>
-                  <a:schemeClr val="accent6"/>
-                </a:solidFill>
-              </a:rPr>
-              <a:t/>
-            </a:r>
-            <a:br>
-              <a:rPr lang="en-US" dirty="0">
-                <a:solidFill>
-                  <a:schemeClr val="accent6"/>
-                </a:solidFill>
-              </a:rPr>
-            </a:br>
-            <a:r>
-              <a:rPr lang="en-US" dirty="0" smtClean="0">
-                <a:solidFill>
-                  <a:schemeClr val="accent6"/>
-                </a:solidFill>
-              </a:rPr>
-              <a:t/>
-            </a:r>
-            <a:br>
-              <a:rPr lang="en-US" dirty="0" smtClean="0">
-                <a:solidFill>
-                  <a:schemeClr val="accent6"/>
-                </a:solidFill>
-              </a:rPr>
-            </a:br>
-            <a:r>
-              <a:rPr lang="en-US" dirty="0">
-                <a:solidFill>
-                  <a:schemeClr val="accent6"/>
-                </a:solidFill>
-              </a:rPr>
-              <a:t/>
-            </a:r>
-            <a:br>
-              <a:rPr lang="en-US" dirty="0">
-                <a:solidFill>
-                  <a:schemeClr val="accent6"/>
-                </a:solidFill>
-              </a:rPr>
-            </a:br>
-            <a:r>
-              <a:rPr lang="en-US" dirty="0">
-                <a:solidFill>
-                  <a:schemeClr val="accent6"/>
-                </a:solidFill>
-              </a:rPr>
-              <a:t/>
-            </a:r>
-            <a:br>
-              <a:rPr lang="en-US" dirty="0">
-                <a:solidFill>
-                  <a:schemeClr val="accent6"/>
-                </a:solidFill>
-              </a:rPr>
-            </a:br>
-            <a:r>
-              <a:rPr lang="en-US" dirty="0" smtClean="0">
-                <a:solidFill>
-                  <a:schemeClr val="accent6"/>
-                </a:solidFill>
-              </a:rPr>
-              <a:t/>
-            </a:r>
-            <a:br>
-              <a:rPr lang="en-US" dirty="0" smtClean="0">
-                <a:solidFill>
-                  <a:schemeClr val="accent6"/>
-                </a:solidFill>
-              </a:rPr>
-            </a:br>
-            <a:endParaRPr lang="bg-BG" dirty="0">
-              <a:solidFill>
-                <a:schemeClr val="accent6"/>
-              </a:solidFill>
-            </a:endParaRPr>
-          </a:p>
-        </p:txBody>
-      </p:sp>
-      <p:pic>
-        <p:nvPicPr>
-          <p:cNvPr id="6" name="Picture 5"/>
-          <p:cNvPicPr>
-            <a:picLocks noChangeAspect="1"/>
-          </p:cNvPicPr>
-          <p:nvPr/>
-        </p:nvPicPr>
-        <p:blipFill>
-          <a:blip r:embed="rId2">
-            <a:extLst>
-              <a:ext uri="{28A0092B-C50C-407E-A947-70E740481C1C}">
-                <a14:useLocalDpi xmlns:a14="http://schemas.microsoft.com/office/drawing/2010/main" val="0"/>
-              </a:ext>
-            </a:extLst>
-          </a:blip>
-          <a:stretch>
-            <a:fillRect/>
-          </a:stretch>
-        </p:blipFill>
-        <p:spPr>
-          <a:xfrm>
-            <a:off x="1600200" y="3962400"/>
-            <a:ext cx="5410200" cy="2679660"/>
-          </a:xfrm>
-          <a:prstGeom prst="rect">
-            <a:avLst/>
-          </a:prstGeom>
-        </p:spPr>
-      </p:pic>
-    </p:spTree>
-    <p:extLst>
-      <p:ext uri="{BB962C8B-B14F-4D97-AF65-F5344CB8AC3E}">
-        <p14:creationId xmlns:p14="http://schemas.microsoft.com/office/powerpoint/2010/main" val="2910363039"/>
-      </p:ext>
-    </p:extLst>
-  </p:cSld>
-  <p:clrMapOvr>
-    <a:masterClrMapping/>
-  </p:clrMapOvr>
-  <p:timing>
-    <p:tnLst>
-      <p:par>
-        <p:cTn id="1" dur="indefinite" restart="never" nodeType="tmRoot"/>
-      </p:par>
-    </p:tnLst>
-  </p:timing>
-</p:sld>
-</file>
-
-<file path=ppt/slides/slide8.xml><?xml version="1.0" encoding="utf-8"?>
-<p:sld xmlns:a="http://schemas.openxmlformats.org/drawingml/2006/main" xmlns:r="http://schemas.openxmlformats.org/officeDocument/2006/relationships" xmlns:p="http://schemas.openxmlformats.org/presentationml/2006/main">
-  <p:cSld>
-    <p:spTree>
-      <p:nvGrpSpPr>
-        <p:cNvPr id="1" name=""/>
-        <p:cNvGrpSpPr/>
-        <p:nvPr/>
-      </p:nvGrpSpPr>
-      <p:grpSpPr>
-        <a:xfrm>
-          <a:off x="0" y="0"/>
-          <a:ext cx="0" cy="0"/>
-          <a:chOff x="0" y="0"/>
-          <a:chExt cx="0" cy="0"/>
-        </a:xfrm>
-      </p:grpSpPr>
-      <p:sp>
-        <p:nvSpPr>
-          <p:cNvPr id="2" name="Title 1"/>
-          <p:cNvSpPr>
-            <a:spLocks noGrp="1"/>
-          </p:cNvSpPr>
-          <p:nvPr>
-            <p:ph type="title"/>
-          </p:nvPr>
-        </p:nvSpPr>
-        <p:spPr>
-          <a:xfrm>
-            <a:off x="838200" y="685800"/>
-            <a:ext cx="8229600" cy="1143000"/>
-          </a:xfrm>
-        </p:spPr>
-        <p:txBody>
-          <a:bodyPr>
-            <a:normAutofit fontScale="90000"/>
-          </a:bodyPr>
-          <a:lstStyle/>
-          <a:p>
-            <a:pPr algn="l"/>
-            <a:r>
-              <a:rPr lang="en-US" dirty="0" smtClean="0">
-                <a:solidFill>
-                  <a:schemeClr val="accent6"/>
-                </a:solidFill>
-              </a:rPr>
-              <a:t/>
-            </a:r>
-            <a:br>
-              <a:rPr lang="en-US" dirty="0" smtClean="0">
-                <a:solidFill>
-                  <a:schemeClr val="accent6"/>
-                </a:solidFill>
-              </a:rPr>
-            </a:br>
-            <a:r>
-              <a:rPr lang="en-US" dirty="0">
-                <a:solidFill>
-                  <a:schemeClr val="accent6"/>
-                </a:solidFill>
-              </a:rPr>
-              <a:t/>
-            </a:r>
-            <a:br>
-              <a:rPr lang="en-US" dirty="0">
-                <a:solidFill>
-                  <a:schemeClr val="accent6"/>
-                </a:solidFill>
-              </a:rPr>
-            </a:br>
-            <a:r>
-              <a:rPr lang="en-US" dirty="0" smtClean="0">
-                <a:solidFill>
-                  <a:schemeClr val="accent6"/>
-                </a:solidFill>
-              </a:rPr>
-              <a:t/>
-            </a:r>
-            <a:br>
-              <a:rPr lang="en-US" dirty="0" smtClean="0">
-                <a:solidFill>
-                  <a:schemeClr val="accent6"/>
-                </a:solidFill>
-              </a:rPr>
-            </a:br>
-            <a:r>
-              <a:rPr lang="en-US" dirty="0" smtClean="0">
-                <a:solidFill>
-                  <a:schemeClr val="accent6"/>
-                </a:solidFill>
-              </a:rPr>
-              <a:t/>
-            </a:r>
-            <a:br>
-              <a:rPr lang="en-US" dirty="0" smtClean="0">
-                <a:solidFill>
-                  <a:schemeClr val="accent6"/>
-                </a:solidFill>
-              </a:rPr>
-            </a:br>
-            <a:r>
-              <a:rPr lang="en-US" dirty="0">
-                <a:solidFill>
-                  <a:schemeClr val="accent6"/>
-                </a:solidFill>
-              </a:rPr>
-              <a:t/>
-            </a:r>
-            <a:br>
-              <a:rPr lang="en-US" dirty="0">
-                <a:solidFill>
-                  <a:schemeClr val="accent6"/>
-                </a:solidFill>
-              </a:rPr>
-            </a:br>
-            <a:r>
-              <a:rPr lang="en-US" dirty="0" smtClean="0">
-                <a:solidFill>
-                  <a:schemeClr val="accent6"/>
-                </a:solidFill>
-              </a:rPr>
-              <a:t/>
-            </a:r>
-            <a:br>
-              <a:rPr lang="en-US" dirty="0" smtClean="0">
-                <a:solidFill>
-                  <a:schemeClr val="accent6"/>
-                </a:solidFill>
-              </a:rPr>
-            </a:br>
-            <a:r>
-              <a:rPr lang="en-US" dirty="0">
-                <a:solidFill>
-                  <a:schemeClr val="accent6"/>
-                </a:solidFill>
-              </a:rPr>
-              <a:t/>
-            </a:r>
-            <a:br>
-              <a:rPr lang="en-US" dirty="0">
-                <a:solidFill>
-                  <a:schemeClr val="accent6"/>
-                </a:solidFill>
-              </a:rPr>
-            </a:br>
-            <a:r>
-              <a:rPr lang="en-US" dirty="0" smtClean="0">
-                <a:solidFill>
-                  <a:schemeClr val="accent6"/>
-                </a:solidFill>
-              </a:rPr>
-              <a:t/>
-            </a:r>
-            <a:br>
-              <a:rPr lang="en-US" dirty="0" smtClean="0">
-                <a:solidFill>
-                  <a:schemeClr val="accent6"/>
-                </a:solidFill>
-              </a:rPr>
-            </a:br>
-            <a:r>
-              <a:rPr lang="en-US" dirty="0">
-                <a:solidFill>
-                  <a:schemeClr val="accent6"/>
-                </a:solidFill>
-              </a:rPr>
-              <a:t/>
-            </a:r>
-            <a:br>
-              <a:rPr lang="en-US" dirty="0">
-                <a:solidFill>
-                  <a:schemeClr val="accent6"/>
-                </a:solidFill>
-              </a:rPr>
-            </a:br>
-            <a:r>
-              <a:rPr lang="en-US" dirty="0" smtClean="0">
-                <a:solidFill>
-                  <a:schemeClr val="accent6"/>
-                </a:solidFill>
-              </a:rPr>
-              <a:t/>
-            </a:r>
-            <a:br>
-              <a:rPr lang="en-US" dirty="0" smtClean="0">
-                <a:solidFill>
-                  <a:schemeClr val="accent6"/>
-                </a:solidFill>
-              </a:rPr>
-            </a:br>
-            <a:r>
-              <a:rPr lang="en-US" dirty="0" smtClean="0">
-                <a:solidFill>
-                  <a:schemeClr val="accent6"/>
-                </a:solidFill>
-              </a:rPr>
-              <a:t/>
-            </a:r>
-            <a:br>
-              <a:rPr lang="en-US" dirty="0" smtClean="0">
-                <a:solidFill>
-                  <a:schemeClr val="accent6"/>
-                </a:solidFill>
-              </a:rPr>
-            </a:br>
-            <a:r>
-              <a:rPr lang="en-US" dirty="0">
-                <a:solidFill>
-                  <a:schemeClr val="accent6"/>
-                </a:solidFill>
-              </a:rPr>
-              <a:t/>
-            </a:r>
-            <a:br>
-              <a:rPr lang="en-US" dirty="0">
-                <a:solidFill>
-                  <a:schemeClr val="accent6"/>
-                </a:solidFill>
-              </a:rPr>
-            </a:br>
-            <a:endParaRPr lang="bg-BG" dirty="0">
-              <a:solidFill>
-                <a:schemeClr val="accent6"/>
-              </a:solidFill>
-            </a:endParaRPr>
-          </a:p>
-        </p:txBody>
-      </p:sp>
-      <p:pic>
-        <p:nvPicPr>
-          <p:cNvPr id="3" name="Content Placeholder 2"/>
-          <p:cNvPicPr>
-            <a:picLocks noGrp="1" noChangeAspect="1"/>
-          </p:cNvPicPr>
-          <p:nvPr>
-            <p:ph idx="1"/>
-          </p:nvPr>
-        </p:nvPicPr>
-        <p:blipFill>
-          <a:blip r:embed="rId2">
-            <a:extLst>
-              <a:ext uri="{28A0092B-C50C-407E-A947-70E740481C1C}">
-                <a14:useLocalDpi xmlns:a14="http://schemas.microsoft.com/office/drawing/2010/main" val="0"/>
-              </a:ext>
-            </a:extLst>
-          </a:blip>
-          <a:stretch>
-            <a:fillRect/>
-          </a:stretch>
-        </p:blipFill>
-        <p:spPr>
-          <a:xfrm>
-            <a:off x="228600" y="838200"/>
-            <a:ext cx="8229600" cy="3406815"/>
-          </a:xfrm>
-        </p:spPr>
-      </p:pic>
-      <p:sp>
-        <p:nvSpPr>
-          <p:cNvPr id="5" name="TextBox 4"/>
-          <p:cNvSpPr txBox="1"/>
-          <p:nvPr/>
-        </p:nvSpPr>
-        <p:spPr>
-          <a:xfrm>
-            <a:off x="1219200" y="4800600"/>
-            <a:ext cx="6324600" cy="1477328"/>
-          </a:xfrm>
-          <a:prstGeom prst="rect">
-            <a:avLst/>
-          </a:prstGeom>
-          <a:noFill/>
-        </p:spPr>
-        <p:txBody>
-          <a:bodyPr wrap="square" rtlCol="0">
-            <a:spAutoFit/>
-          </a:bodyPr>
-          <a:lstStyle/>
-          <a:p>
-            <a:r>
-              <a:rPr lang="en-US" dirty="0" smtClean="0">
-                <a:solidFill>
-                  <a:schemeClr val="accent6"/>
-                </a:solidFill>
-              </a:rPr>
-              <a:t>Create a symbolic link(soft link) with ‘</a:t>
-            </a:r>
-            <a:r>
-              <a:rPr lang="en-US" dirty="0" smtClean="0">
-                <a:solidFill>
-                  <a:schemeClr val="bg1"/>
-                </a:solidFill>
-              </a:rPr>
-              <a:t>ls –n /root/source /</a:t>
-            </a:r>
-            <a:r>
-              <a:rPr lang="en-US" dirty="0" err="1" smtClean="0">
-                <a:solidFill>
-                  <a:schemeClr val="bg1"/>
-                </a:solidFill>
-              </a:rPr>
-              <a:t>tmp</a:t>
-            </a:r>
-            <a:r>
-              <a:rPr lang="en-US" dirty="0" smtClean="0">
-                <a:solidFill>
-                  <a:schemeClr val="bg1"/>
-                </a:solidFill>
-              </a:rPr>
-              <a:t>/</a:t>
-            </a:r>
-            <a:r>
-              <a:rPr lang="en-US" dirty="0" err="1" smtClean="0">
-                <a:solidFill>
-                  <a:schemeClr val="bg1"/>
-                </a:solidFill>
-              </a:rPr>
-              <a:t>file_does_need_to_exist</a:t>
-            </a:r>
-            <a:r>
-              <a:rPr lang="en-US" dirty="0" smtClean="0">
-                <a:solidFill>
-                  <a:schemeClr val="accent6"/>
-                </a:solidFill>
-              </a:rPr>
-              <a:t>’</a:t>
-            </a:r>
-          </a:p>
-          <a:p>
-            <a:endParaRPr lang="en-US" dirty="0">
-              <a:solidFill>
-                <a:schemeClr val="accent6"/>
-              </a:solidFill>
-            </a:endParaRPr>
-          </a:p>
-          <a:p>
-            <a:r>
-              <a:rPr lang="en-US" dirty="0" smtClean="0">
-                <a:solidFill>
-                  <a:schemeClr val="accent6"/>
-                </a:solidFill>
-              </a:rPr>
-              <a:t>Create a hard link with ‘</a:t>
-            </a:r>
-            <a:r>
-              <a:rPr lang="en-US" dirty="0" smtClean="0">
-                <a:solidFill>
-                  <a:schemeClr val="bg1"/>
-                </a:solidFill>
-              </a:rPr>
-              <a:t>ln /root/source /</a:t>
-            </a:r>
-            <a:r>
-              <a:rPr lang="en-US" dirty="0" err="1" smtClean="0">
-                <a:solidFill>
-                  <a:schemeClr val="bg1"/>
-                </a:solidFill>
-              </a:rPr>
-              <a:t>tmp</a:t>
-            </a:r>
-            <a:r>
-              <a:rPr lang="en-US" dirty="0" smtClean="0">
-                <a:solidFill>
-                  <a:schemeClr val="bg1"/>
-                </a:solidFill>
-              </a:rPr>
-              <a:t>/</a:t>
-            </a:r>
-            <a:r>
-              <a:rPr lang="en-US" dirty="0" err="1" smtClean="0">
-                <a:solidFill>
-                  <a:schemeClr val="bg1"/>
-                </a:solidFill>
-              </a:rPr>
-              <a:t>file_does_not_need_to_exist</a:t>
-            </a:r>
-            <a:r>
-              <a:rPr lang="en-US" dirty="0" smtClean="0">
-                <a:solidFill>
-                  <a:schemeClr val="accent6"/>
-                </a:solidFill>
-              </a:rPr>
-              <a:t>’</a:t>
-            </a:r>
-            <a:endParaRPr lang="en-US" dirty="0">
-              <a:solidFill>
-                <a:schemeClr val="accent6"/>
-              </a:solidFill>
-            </a:endParaRPr>
-          </a:p>
-        </p:txBody>
-      </p:sp>
-    </p:spTree>
-    <p:extLst>
-      <p:ext uri="{BB962C8B-B14F-4D97-AF65-F5344CB8AC3E}">
-        <p14:creationId xmlns:p14="http://schemas.microsoft.com/office/powerpoint/2010/main" val="3327685122"/>
-      </p:ext>
-    </p:extLst>
-  </p:cSld>
-  <p:clrMapOvr>
-    <a:masterClrMapping/>
-  </p:clrMapOvr>
-  <p:timing>
-    <p:tnLst>
-      <p:par>
-        <p:cTn id="1" dur="indefinite" restart="never" nodeType="tmRoot"/>
-      </p:par>
-    </p:tnLst>
-  </p:timing>
-</p:sld>
-</file>
-
-<file path=ppt/slides/slide9.xml><?xml version="1.0" encoding="utf-8"?>
-<p:sld xmlns:a="http://schemas.openxmlformats.org/drawingml/2006/main" xmlns:r="http://schemas.openxmlformats.org/officeDocument/2006/relationships" xmlns:p="http://schemas.openxmlformats.org/presentationml/2006/main">
-  <p:cSld>
-    <p:spTree>
-      <p:nvGrpSpPr>
-        <p:cNvPr id="1" name=""/>
-        <p:cNvGrpSpPr/>
-        <p:nvPr/>
-      </p:nvGrpSpPr>
-      <p:grpSpPr>
-        <a:xfrm>
-          <a:off x="0" y="0"/>
-          <a:ext cx="0" cy="0"/>
-          <a:chOff x="0" y="0"/>
-          <a:chExt cx="0" cy="0"/>
-        </a:xfrm>
-      </p:grpSpPr>
-      <p:sp>
-        <p:nvSpPr>
-          <p:cNvPr id="2" name="Title 1"/>
-          <p:cNvSpPr>
-            <a:spLocks noGrp="1"/>
-          </p:cNvSpPr>
-          <p:nvPr>
-            <p:ph type="title"/>
-          </p:nvPr>
-        </p:nvSpPr>
-        <p:spPr/>
-        <p:txBody>
-          <a:bodyPr>
-            <a:normAutofit fontScale="90000"/>
-          </a:bodyPr>
-          <a:lstStyle/>
-          <a:p>
-            <a:r>
-              <a:rPr lang="en-US" sz="4000" dirty="0" smtClean="0">
-                <a:solidFill>
-                  <a:schemeClr val="accent6"/>
-                </a:solidFill>
-              </a:rPr>
-              <a:t/>
-            </a:r>
-            <a:br>
-              <a:rPr lang="en-US" sz="4000" dirty="0" smtClean="0">
-                <a:solidFill>
-                  <a:schemeClr val="accent6"/>
-                </a:solidFill>
-              </a:rPr>
-            </a:br>
-            <a:r>
-              <a:rPr lang="en-US" sz="4000" dirty="0">
-                <a:solidFill>
-                  <a:schemeClr val="accent6"/>
-                </a:solidFill>
-              </a:rPr>
-              <a:t/>
-            </a:r>
-            <a:br>
-              <a:rPr lang="en-US" sz="4000" dirty="0">
-                <a:solidFill>
-                  <a:schemeClr val="accent6"/>
-                </a:solidFill>
-              </a:rPr>
-            </a:br>
-            <a:r>
-              <a:rPr lang="en-US" sz="4000" dirty="0" smtClean="0">
-                <a:solidFill>
-                  <a:schemeClr val="accent6"/>
-                </a:solidFill>
-              </a:rPr>
-              <a:t/>
-            </a:r>
-            <a:br>
-              <a:rPr lang="en-US" sz="4000" dirty="0" smtClean="0">
-                <a:solidFill>
-                  <a:schemeClr val="accent6"/>
-                </a:solidFill>
-              </a:rPr>
-            </a:br>
-            <a:r>
-              <a:rPr lang="en-US" sz="2200" dirty="0">
-                <a:solidFill>
-                  <a:schemeClr val="bg1"/>
-                </a:solidFill>
-              </a:rPr>
-              <a:t/>
-            </a:r>
-            <a:br>
-              <a:rPr lang="en-US" sz="2200" dirty="0">
-                <a:solidFill>
-                  <a:schemeClr val="bg1"/>
-                </a:solidFill>
-              </a:rPr>
-            </a:br>
-            <a:r>
-              <a:rPr lang="en-US" sz="2200" dirty="0" smtClean="0">
-                <a:solidFill>
-                  <a:schemeClr val="bg1"/>
-                </a:solidFill>
-              </a:rPr>
-              <a:t/>
-            </a:r>
-            <a:br>
-              <a:rPr lang="en-US" sz="2200" dirty="0" smtClean="0">
-                <a:solidFill>
-                  <a:schemeClr val="bg1"/>
-                </a:solidFill>
-              </a:rPr>
-            </a:br>
-            <a:r>
-              <a:rPr lang="en-US" sz="2200" dirty="0">
-                <a:solidFill>
-                  <a:schemeClr val="bg1"/>
-                </a:solidFill>
-              </a:rPr>
-              <a:t/>
-            </a:r>
-            <a:br>
-              <a:rPr lang="en-US" sz="2200" dirty="0">
-                <a:solidFill>
-                  <a:schemeClr val="bg1"/>
-                </a:solidFill>
-              </a:rPr>
-            </a:br>
-            <a:r>
-              <a:rPr lang="en-US" sz="2200" dirty="0" smtClean="0">
-                <a:solidFill>
-                  <a:schemeClr val="bg1"/>
-                </a:solidFill>
-              </a:rPr>
-              <a:t/>
-            </a:r>
-            <a:br>
-              <a:rPr lang="en-US" sz="2200" dirty="0" smtClean="0">
-                <a:solidFill>
-                  <a:schemeClr val="bg1"/>
-                </a:solidFill>
-              </a:rPr>
-            </a:br>
-            <a:r>
-              <a:rPr lang="en-US" sz="2200" dirty="0">
-                <a:solidFill>
-                  <a:schemeClr val="bg1"/>
-                </a:solidFill>
-              </a:rPr>
-              <a:t/>
-            </a:r>
-            <a:br>
-              <a:rPr lang="en-US" sz="2200" dirty="0">
-                <a:solidFill>
-                  <a:schemeClr val="bg1"/>
-                </a:solidFill>
-              </a:rPr>
-            </a:br>
-            <a:r>
-              <a:rPr lang="en-US" sz="2200" dirty="0" smtClean="0">
-                <a:solidFill>
-                  <a:schemeClr val="bg1"/>
-                </a:solidFill>
-              </a:rPr>
-              <a:t/>
-            </a:r>
-            <a:br>
-              <a:rPr lang="en-US" sz="2200" dirty="0" smtClean="0">
-                <a:solidFill>
-                  <a:schemeClr val="bg1"/>
-                </a:solidFill>
-              </a:rPr>
-            </a:br>
-            <a:r>
-              <a:rPr lang="en-US" sz="2200" dirty="0">
-                <a:solidFill>
-                  <a:schemeClr val="bg1"/>
-                </a:solidFill>
-              </a:rPr>
-              <a:t/>
-            </a:r>
-            <a:br>
-              <a:rPr lang="en-US" sz="2200" dirty="0">
-                <a:solidFill>
-                  <a:schemeClr val="bg1"/>
-                </a:solidFill>
-              </a:rPr>
-            </a:br>
-            <a:r>
-              <a:rPr lang="en-US" sz="2200" dirty="0" smtClean="0">
-                <a:solidFill>
-                  <a:schemeClr val="bg1"/>
-                </a:solidFill>
-              </a:rPr>
-              <a:t/>
-            </a:r>
-            <a:br>
-              <a:rPr lang="en-US" sz="2200" dirty="0" smtClean="0">
-                <a:solidFill>
-                  <a:schemeClr val="bg1"/>
-                </a:solidFill>
-              </a:rPr>
-            </a:br>
-            <a:r>
-              <a:rPr lang="en-US" sz="2200" dirty="0">
-                <a:solidFill>
-                  <a:schemeClr val="bg1"/>
-                </a:solidFill>
-              </a:rPr>
-              <a:t/>
-            </a:r>
-            <a:br>
-              <a:rPr lang="en-US" sz="2200" dirty="0">
-                <a:solidFill>
-                  <a:schemeClr val="bg1"/>
-                </a:solidFill>
-              </a:rPr>
-            </a:br>
-            <a:r>
-              <a:rPr lang="en-US" sz="2200" dirty="0" smtClean="0">
-                <a:solidFill>
-                  <a:schemeClr val="bg1"/>
-                </a:solidFill>
-              </a:rPr>
-              <a:t/>
-            </a:r>
-            <a:br>
-              <a:rPr lang="en-US" sz="2200" dirty="0" smtClean="0">
-                <a:solidFill>
-                  <a:schemeClr val="bg1"/>
-                </a:solidFill>
-              </a:rPr>
-            </a:br>
-            <a:r>
-              <a:rPr lang="en-US" sz="2200" dirty="0">
-                <a:solidFill>
-                  <a:schemeClr val="bg1"/>
-                </a:solidFill>
-              </a:rPr>
-              <a:t/>
-            </a:r>
-            <a:br>
-              <a:rPr lang="en-US" sz="2200" dirty="0">
-                <a:solidFill>
-                  <a:schemeClr val="bg1"/>
-                </a:solidFill>
-              </a:rPr>
-            </a:br>
-            <a:r>
-              <a:rPr lang="en-US" sz="2200" dirty="0" smtClean="0">
-                <a:solidFill>
-                  <a:schemeClr val="bg1"/>
-                </a:solidFill>
-              </a:rPr>
-              <a:t/>
-            </a:r>
-            <a:br>
-              <a:rPr lang="en-US" sz="2200" dirty="0" smtClean="0">
-                <a:solidFill>
-                  <a:schemeClr val="bg1"/>
-                </a:solidFill>
-              </a:rPr>
-            </a:br>
-            <a:r>
-              <a:rPr lang="en-US" sz="2200" dirty="0" smtClean="0">
-                <a:solidFill>
-                  <a:srgbClr val="FF0000"/>
-                </a:solidFill>
-              </a:rPr>
-              <a:t>Exercises:</a:t>
-            </a:r>
-            <a:r>
-              <a:rPr lang="en-US" sz="2200" dirty="0" smtClean="0">
-                <a:solidFill>
-                  <a:schemeClr val="bg1"/>
-                </a:solidFill>
-              </a:rPr>
-              <a:t/>
-            </a:r>
-            <a:br>
-              <a:rPr lang="en-US" sz="2200" dirty="0" smtClean="0">
-                <a:solidFill>
-                  <a:schemeClr val="bg1"/>
-                </a:solidFill>
-              </a:rPr>
-            </a:br>
-            <a:r>
-              <a:rPr lang="en-US" sz="2200" dirty="0" smtClean="0">
-                <a:solidFill>
-                  <a:schemeClr val="accent6"/>
-                </a:solidFill>
-              </a:rPr>
-              <a:t>1. Create two files =&gt; </a:t>
-            </a:r>
-            <a:r>
-              <a:rPr lang="en-US" sz="2200" dirty="0" err="1" smtClean="0">
-                <a:solidFill>
-                  <a:schemeClr val="accent6"/>
-                </a:solidFill>
-              </a:rPr>
-              <a:t>first_file</a:t>
-            </a:r>
-            <a:r>
-              <a:rPr lang="en-US" sz="2200" dirty="0" smtClean="0">
-                <a:solidFill>
-                  <a:schemeClr val="accent6"/>
-                </a:solidFill>
-              </a:rPr>
-              <a:t> and </a:t>
-            </a:r>
-            <a:r>
-              <a:rPr lang="en-US" sz="2200" dirty="0" err="1" smtClean="0">
-                <a:solidFill>
-                  <a:schemeClr val="accent6"/>
-                </a:solidFill>
-              </a:rPr>
-              <a:t>second_file</a:t>
-            </a:r>
-            <a:r>
-              <a:rPr lang="en-US" sz="2200" dirty="0" smtClean="0">
-                <a:solidFill>
-                  <a:schemeClr val="accent6"/>
-                </a:solidFill>
-              </a:rPr>
-              <a:t>.</a:t>
-            </a:r>
-            <a:br>
-              <a:rPr lang="en-US" sz="2200" dirty="0" smtClean="0">
-                <a:solidFill>
-                  <a:schemeClr val="accent6"/>
-                </a:solidFill>
-              </a:rPr>
-            </a:br>
-            <a:r>
-              <a:rPr lang="en-US" sz="2200" dirty="0" smtClean="0">
-                <a:solidFill>
-                  <a:schemeClr val="accent6"/>
-                </a:solidFill>
-              </a:rPr>
-              <a:t>2. Create a </a:t>
-            </a:r>
-            <a:r>
-              <a:rPr lang="en-US" sz="2200" dirty="0" err="1" smtClean="0">
-                <a:solidFill>
-                  <a:schemeClr val="accent6"/>
-                </a:solidFill>
-              </a:rPr>
-              <a:t>symlink</a:t>
-            </a:r>
-            <a:r>
-              <a:rPr lang="en-US" sz="2200" dirty="0" smtClean="0">
-                <a:solidFill>
-                  <a:schemeClr val="accent6"/>
-                </a:solidFill>
-              </a:rPr>
-              <a:t> to </a:t>
-            </a:r>
-            <a:r>
-              <a:rPr lang="en-US" sz="2200" dirty="0" err="1" smtClean="0">
-                <a:solidFill>
-                  <a:schemeClr val="accent6"/>
-                </a:solidFill>
-              </a:rPr>
-              <a:t>first_file</a:t>
-            </a:r>
-            <a:r>
-              <a:rPr lang="en-US" sz="2200" dirty="0" smtClean="0">
-                <a:solidFill>
-                  <a:schemeClr val="accent6"/>
-                </a:solidFill>
-              </a:rPr>
-              <a:t>.</a:t>
-            </a:r>
-            <a:br>
-              <a:rPr lang="en-US" sz="2200" dirty="0" smtClean="0">
-                <a:solidFill>
-                  <a:schemeClr val="accent6"/>
-                </a:solidFill>
-              </a:rPr>
-            </a:br>
-            <a:r>
-              <a:rPr lang="en-US" sz="2200" dirty="0" smtClean="0">
-                <a:solidFill>
-                  <a:schemeClr val="accent6"/>
-                </a:solidFill>
-              </a:rPr>
-              <a:t>3. Get the output of ‘</a:t>
-            </a:r>
-            <a:r>
-              <a:rPr lang="en-US" sz="2200" dirty="0" smtClean="0">
-                <a:solidFill>
-                  <a:schemeClr val="bg1"/>
-                </a:solidFill>
-              </a:rPr>
-              <a:t>ls –li </a:t>
-            </a:r>
-            <a:r>
-              <a:rPr lang="en-US" sz="2200" dirty="0" err="1" smtClean="0">
-                <a:solidFill>
-                  <a:schemeClr val="bg1"/>
-                </a:solidFill>
-              </a:rPr>
-              <a:t>first_file</a:t>
-            </a:r>
-            <a:r>
-              <a:rPr lang="en-US" sz="2200" dirty="0" smtClean="0">
-                <a:solidFill>
-                  <a:schemeClr val="accent6"/>
-                </a:solidFill>
-              </a:rPr>
-              <a:t>’</a:t>
-            </a:r>
-            <a:r>
-              <a:rPr lang="en-US" sz="2200" dirty="0" smtClean="0">
-                <a:solidFill>
-                  <a:schemeClr val="bg1"/>
-                </a:solidFill>
-              </a:rPr>
-              <a:t/>
-            </a:r>
-            <a:br>
-              <a:rPr lang="en-US" sz="2200" dirty="0" smtClean="0">
-                <a:solidFill>
-                  <a:schemeClr val="bg1"/>
-                </a:solidFill>
-              </a:rPr>
-            </a:br>
-            <a:r>
-              <a:rPr lang="en-US" sz="2200" dirty="0" smtClean="0">
-                <a:solidFill>
-                  <a:schemeClr val="accent6"/>
-                </a:solidFill>
-              </a:rPr>
-              <a:t>4. Get the output of ‘</a:t>
-            </a:r>
-            <a:r>
-              <a:rPr lang="en-US" sz="2200" dirty="0" smtClean="0">
-                <a:solidFill>
-                  <a:schemeClr val="bg1"/>
-                </a:solidFill>
-              </a:rPr>
-              <a:t>ls –li </a:t>
-            </a:r>
-            <a:r>
-              <a:rPr lang="en-US" sz="2200" dirty="0" err="1" smtClean="0">
-                <a:solidFill>
-                  <a:schemeClr val="bg1"/>
-                </a:solidFill>
-              </a:rPr>
-              <a:t>newly_soft_link</a:t>
-            </a:r>
-            <a:r>
-              <a:rPr lang="en-US" sz="2200" dirty="0" smtClean="0">
-                <a:solidFill>
-                  <a:schemeClr val="accent6"/>
-                </a:solidFill>
-              </a:rPr>
-              <a:t>’</a:t>
-            </a:r>
-            <a:br>
-              <a:rPr lang="en-US" sz="2200" dirty="0" smtClean="0">
-                <a:solidFill>
-                  <a:schemeClr val="accent6"/>
-                </a:solidFill>
-              </a:rPr>
-            </a:br>
-            <a:r>
-              <a:rPr lang="en-US" sz="2200" dirty="0" smtClean="0">
-                <a:solidFill>
-                  <a:schemeClr val="accent6"/>
-                </a:solidFill>
-              </a:rPr>
-              <a:t>5. Do you see the pointer ?</a:t>
-            </a:r>
-            <a:br>
-              <a:rPr lang="en-US" sz="2200" dirty="0" smtClean="0">
-                <a:solidFill>
-                  <a:schemeClr val="accent6"/>
-                </a:solidFill>
-              </a:rPr>
-            </a:br>
-            <a:r>
-              <a:rPr lang="en-US" sz="2200" dirty="0" smtClean="0">
-                <a:solidFill>
-                  <a:schemeClr val="accent6"/>
-                </a:solidFill>
-              </a:rPr>
-              <a:t>6. Create a hard link to second file.</a:t>
-            </a:r>
-            <a:br>
-              <a:rPr lang="en-US" sz="2200" dirty="0" smtClean="0">
-                <a:solidFill>
-                  <a:schemeClr val="accent6"/>
-                </a:solidFill>
-              </a:rPr>
-            </a:br>
-            <a:r>
-              <a:rPr lang="en-US" sz="2200" dirty="0" smtClean="0">
-                <a:solidFill>
-                  <a:schemeClr val="accent6"/>
-                </a:solidFill>
-              </a:rPr>
-              <a:t>7. Repeat step 3 and 4.</a:t>
-            </a:r>
-            <a:br>
-              <a:rPr lang="en-US" sz="2200" dirty="0" smtClean="0">
-                <a:solidFill>
-                  <a:schemeClr val="accent6"/>
-                </a:solidFill>
-              </a:rPr>
-            </a:br>
-            <a:r>
-              <a:rPr lang="en-US" sz="2200" dirty="0" smtClean="0">
-                <a:solidFill>
-                  <a:schemeClr val="accent6"/>
-                </a:solidFill>
-              </a:rPr>
-              <a:t>8. Do you see the same number and counter ?</a:t>
-            </a:r>
-            <a:br>
-              <a:rPr lang="en-US" sz="2200" dirty="0" smtClean="0">
-                <a:solidFill>
-                  <a:schemeClr val="accent6"/>
-                </a:solidFill>
-              </a:rPr>
-            </a:br>
-            <a:r>
-              <a:rPr lang="en-US" sz="2200" dirty="0" smtClean="0">
-                <a:solidFill>
-                  <a:schemeClr val="accent6"/>
-                </a:solidFill>
-              </a:rPr>
-              <a:t>9. Remove </a:t>
-            </a:r>
-            <a:r>
-              <a:rPr lang="en-US" sz="2200" dirty="0" err="1" smtClean="0">
-                <a:solidFill>
-                  <a:schemeClr val="accent6"/>
-                </a:solidFill>
-              </a:rPr>
-              <a:t>second_file</a:t>
-            </a:r>
-            <a:r>
-              <a:rPr lang="en-US" sz="2200" dirty="0" smtClean="0">
-                <a:solidFill>
-                  <a:schemeClr val="accent6"/>
-                </a:solidFill>
-              </a:rPr>
-              <a:t>, do the new hard link remained ? </a:t>
-            </a:r>
-            <a:br>
-              <a:rPr lang="en-US" sz="2200" dirty="0" smtClean="0">
-                <a:solidFill>
-                  <a:schemeClr val="accent6"/>
-                </a:solidFill>
-              </a:rPr>
-            </a:br>
-            <a:r>
-              <a:rPr lang="en-US" sz="2200" dirty="0" smtClean="0">
-                <a:solidFill>
-                  <a:schemeClr val="accent6"/>
-                </a:solidFill>
-              </a:rPr>
-              <a:t>10. Repeat step 3 for the new hard link. </a:t>
-            </a:r>
-            <a:endParaRPr lang="en-US" sz="2200" dirty="0">
-              <a:solidFill>
-                <a:schemeClr val="accent6"/>
-              </a:solidFill>
-            </a:endParaRPr>
-          </a:p>
-        </p:txBody>
-      </p:sp>
-    </p:spTree>
-    <p:extLst>
-      <p:ext uri="{BB962C8B-B14F-4D97-AF65-F5344CB8AC3E}">
-        <p14:creationId xmlns:p14="http://schemas.microsoft.com/office/powerpoint/2010/main" val="387819616"/>
       </p:ext>
     </p:extLst>
   </p:cSld>
@@ -8488,4 +10130,265 @@
   <a:objectDefaults/>
   <a:extraClrSchemeLst/>
 </a:theme>
+</file>
+
+<file path=ppt/theme/theme2.xml><?xml version="1.0" encoding="utf-8"?>
+<a:theme xmlns:a="http://schemas.openxmlformats.org/drawingml/2006/main" name="Office Theme">
+  <a:themeElements>
+    <a:clrScheme name="Office">
+      <a:dk1>
+        <a:sysClr val="windowText" lastClr="000000"/>
+      </a:dk1>
+      <a:lt1>
+        <a:sysClr val="window" lastClr="FFFFFF"/>
+      </a:lt1>
+      <a:dk2>
+        <a:srgbClr val="44546A"/>
+      </a:dk2>
+      <a:lt2>
+        <a:srgbClr val="E7E6E6"/>
+      </a:lt2>
+      <a:accent1>
+        <a:srgbClr val="4472C4"/>
+      </a:accent1>
+      <a:accent2>
+        <a:srgbClr val="ED7D31"/>
+      </a:accent2>
+      <a:accent3>
+        <a:srgbClr val="A5A5A5"/>
+      </a:accent3>
+      <a:accent4>
+        <a:srgbClr val="FFC000"/>
+      </a:accent4>
+      <a:accent5>
+        <a:srgbClr val="5B9BD5"/>
+      </a:accent5>
+      <a:accent6>
+        <a:srgbClr val="70AD47"/>
+      </a:accent6>
+      <a:hlink>
+        <a:srgbClr val="0563C1"/>
+      </a:hlink>
+      <a:folHlink>
+        <a:srgbClr val="954F72"/>
+      </a:folHlink>
+    </a:clrScheme>
+    <a:fontScheme name="Office">
+      <a:majorFont>
+        <a:latin typeface="Calibri Light" panose="020F0302020204030204"/>
+        <a:ea typeface=""/>
+        <a:cs typeface=""/>
+        <a:font script="Jpan" typeface="Yu Gothic Light"/>
+        <a:font script="Hang" typeface="맑은 고딕"/>
+        <a:font script="Hans" typeface="DengXian Light"/>
+        <a:font script="Hant" typeface="新細明體"/>
+        <a:font script="Arab" typeface="Times New Roman"/>
+        <a:font script="Hebr" typeface="Times New Roman"/>
+        <a:font script="Thai" typeface="Angsana New"/>
+        <a:font script="Ethi" typeface="Nyala"/>
+        <a:font script="Beng" typeface="Vrinda"/>
+        <a:font script="Gujr" typeface="Shruti"/>
+        <a:font script="Khmr" typeface="MoolBoran"/>
+        <a:font script="Knda" typeface="Tunga"/>
+        <a:font script="Guru" typeface="Raavi"/>
+        <a:font script="Cans" typeface="Euphemia"/>
+        <a:font script="Cher" typeface="Plantagenet Cherokee"/>
+        <a:font script="Yiii" typeface="Microsoft Yi Baiti"/>
+        <a:font script="Tibt" typeface="Microsoft Himalaya"/>
+        <a:font script="Thaa" typeface="MV Boli"/>
+        <a:font script="Deva" typeface="Mangal"/>
+        <a:font script="Telu" typeface="Gautami"/>
+        <a:font script="Taml" typeface="Latha"/>
+        <a:font script="Syrc" typeface="Estrangelo Edessa"/>
+        <a:font script="Orya" typeface="Kalinga"/>
+        <a:font script="Mlym" typeface="Kartika"/>
+        <a:font script="Laoo" typeface="DokChampa"/>
+        <a:font script="Sinh" typeface="Iskoola Pota"/>
+        <a:font script="Mong" typeface="Mongolian Baiti"/>
+        <a:font script="Viet" typeface="Times New Roman"/>
+        <a:font script="Uigh" typeface="Microsoft Uighur"/>
+        <a:font script="Geor" typeface="Sylfaen"/>
+      </a:majorFont>
+      <a:minorFont>
+        <a:latin typeface="Calibri" panose="020F0502020204030204"/>
+        <a:ea typeface=""/>
+        <a:cs typeface=""/>
+        <a:font script="Jpan" typeface="Yu Gothic"/>
+        <a:font script="Hang" typeface="맑은 고딕"/>
+        <a:font script="Hans" typeface="DengXian"/>
+        <a:font script="Hant" typeface="新細明體"/>
+        <a:font script="Arab" typeface="Arial"/>
+        <a:font script="Hebr" typeface="Arial"/>
+        <a:font script="Thai" typeface="Cordia New"/>
+        <a:font script="Ethi" typeface="Nyala"/>
+        <a:font script="Beng" typeface="Vrinda"/>
+        <a:font script="Gujr" typeface="Shruti"/>
+        <a:font script="Khmr" typeface="DaunPenh"/>
+        <a:font script="Knda" typeface="Tunga"/>
+        <a:font script="Guru" typeface="Raavi"/>
+        <a:font script="Cans" typeface="Euphemia"/>
+        <a:font script="Cher" typeface="Plantagenet Cherokee"/>
+        <a:font script="Yiii" typeface="Microsoft Yi Baiti"/>
+        <a:font script="Tibt" typeface="Microsoft Himalaya"/>
+        <a:font script="Thaa" typeface="MV Boli"/>
+        <a:font script="Deva" typeface="Mangal"/>
+        <a:font script="Telu" typeface="Gautami"/>
+        <a:font script="Taml" typeface="Latha"/>
+        <a:font script="Syrc" typeface="Estrangelo Edessa"/>
+        <a:font script="Orya" typeface="Kalinga"/>
+        <a:font script="Mlym" typeface="Kartika"/>
+        <a:font script="Laoo" typeface="DokChampa"/>
+        <a:font script="Sinh" typeface="Iskoola Pota"/>
+        <a:font script="Mong" typeface="Mongolian Baiti"/>
+        <a:font script="Viet" typeface="Arial"/>
+        <a:font script="Uigh" typeface="Microsoft Uighur"/>
+        <a:font script="Geor" typeface="Sylfaen"/>
+      </a:minorFont>
+    </a:fontScheme>
+    <a:fmtScheme name="Office">
+      <a:fillStyleLst>
+        <a:solidFill>
+          <a:schemeClr val="phClr"/>
+        </a:solidFill>
+        <a:gradFill rotWithShape="1">
+          <a:gsLst>
+            <a:gs pos="0">
+              <a:schemeClr val="phClr">
+                <a:lumMod val="110000"/>
+                <a:satMod val="105000"/>
+                <a:tint val="67000"/>
+              </a:schemeClr>
+            </a:gs>
+            <a:gs pos="50000">
+              <a:schemeClr val="phClr">
+                <a:lumMod val="105000"/>
+                <a:satMod val="103000"/>
+                <a:tint val="73000"/>
+              </a:schemeClr>
+            </a:gs>
+            <a:gs pos="100000">
+              <a:schemeClr val="phClr">
+                <a:lumMod val="105000"/>
+                <a:satMod val="109000"/>
+                <a:tint val="81000"/>
+              </a:schemeClr>
+            </a:gs>
+          </a:gsLst>
+          <a:lin ang="5400000" scaled="0"/>
+        </a:gradFill>
+        <a:gradFill rotWithShape="1">
+          <a:gsLst>
+            <a:gs pos="0">
+              <a:schemeClr val="phClr">
+                <a:satMod val="103000"/>
+                <a:lumMod val="102000"/>
+                <a:tint val="94000"/>
+              </a:schemeClr>
+            </a:gs>
+            <a:gs pos="50000">
+              <a:schemeClr val="phClr">
+                <a:satMod val="110000"/>
+                <a:lumMod val="100000"/>
+                <a:shade val="100000"/>
+              </a:schemeClr>
+            </a:gs>
+            <a:gs pos="100000">
+              <a:schemeClr val="phClr">
+                <a:lumMod val="99000"/>
+                <a:satMod val="120000"/>
+                <a:shade val="78000"/>
+              </a:schemeClr>
+            </a:gs>
+          </a:gsLst>
+          <a:lin ang="5400000" scaled="0"/>
+        </a:gradFill>
+      </a:fillStyleLst>
+      <a:lnStyleLst>
+        <a:ln w="6350" cap="flat" cmpd="sng" algn="ctr">
+          <a:solidFill>
+            <a:schemeClr val="phClr"/>
+          </a:solidFill>
+          <a:prstDash val="solid"/>
+          <a:miter lim="800000"/>
+        </a:ln>
+        <a:ln w="12700" cap="flat" cmpd="sng" algn="ctr">
+          <a:solidFill>
+            <a:schemeClr val="phClr"/>
+          </a:solidFill>
+          <a:prstDash val="solid"/>
+          <a:miter lim="800000"/>
+        </a:ln>
+        <a:ln w="19050" cap="flat" cmpd="sng" algn="ctr">
+          <a:solidFill>
+            <a:schemeClr val="phClr"/>
+          </a:solidFill>
+          <a:prstDash val="solid"/>
+          <a:miter lim="800000"/>
+        </a:ln>
+      </a:lnStyleLst>
+      <a:effectStyleLst>
+        <a:effectStyle>
+          <a:effectLst/>
+        </a:effectStyle>
+        <a:effectStyle>
+          <a:effectLst/>
+        </a:effectStyle>
+        <a:effectStyle>
+          <a:effectLst>
+            <a:outerShdw blurRad="57150" dist="19050" dir="5400000" algn="ctr" rotWithShape="0">
+              <a:srgbClr val="000000">
+                <a:alpha val="63000"/>
+              </a:srgbClr>
+            </a:outerShdw>
+          </a:effectLst>
+        </a:effectStyle>
+      </a:effectStyleLst>
+      <a:bgFillStyleLst>
+        <a:solidFill>
+          <a:schemeClr val="phClr"/>
+        </a:solidFill>
+        <a:solidFill>
+          <a:schemeClr val="phClr">
+            <a:tint val="95000"/>
+            <a:satMod val="170000"/>
+          </a:schemeClr>
+        </a:solidFill>
+        <a:gradFill rotWithShape="1">
+          <a:gsLst>
+            <a:gs pos="0">
+              <a:schemeClr val="phClr">
+                <a:tint val="93000"/>
+                <a:satMod val="150000"/>
+                <a:shade val="98000"/>
+                <a:lumMod val="102000"/>
+              </a:schemeClr>
+            </a:gs>
+            <a:gs pos="50000">
+              <a:schemeClr val="phClr">
+                <a:tint val="98000"/>
+                <a:satMod val="130000"/>
+                <a:shade val="90000"/>
+                <a:lumMod val="103000"/>
+              </a:schemeClr>
+            </a:gs>
+            <a:gs pos="100000">
+              <a:schemeClr val="phClr">
+                <a:shade val="63000"/>
+                <a:satMod val="120000"/>
+              </a:schemeClr>
+            </a:gs>
+          </a:gsLst>
+          <a:lin ang="5400000" scaled="0"/>
+        </a:gradFill>
+      </a:bgFillStyleLst>
+    </a:fmtScheme>
+  </a:themeElements>
+  <a:objectDefaults/>
+  <a:extraClrSchemeLst/>
+  <a:extLst>
+    <a:ext uri="{05A4C25C-085E-4340-85A3-A5531E510DB2}">
+      <thm15:themeFamily xmlns:thm15="http://schemas.microsoft.com/office/thememl/2012/main" name="Office Theme" id="{62F939B6-93AF-4DB8-9C6B-D6C7DFDC589F}" vid="{4A3C46E8-61CC-4603-A589-7422A47A8E4A}"/>
+    </a:ext>
+  </a:extLst>
+</a:theme>
 </file>